--- a/ppt/Interfaces.pptx
+++ b/ppt/Interfaces.pptx
@@ -5,13 +5,13 @@
     <p:sldMasterId id="2147483648" r:id="rId4"/>
   </p:sldMasterIdLst>
   <p:notesMasterIdLst>
-    <p:notesMasterId r:id="rId30"/>
+    <p:notesMasterId r:id="rId40"/>
   </p:notesMasterIdLst>
   <p:handoutMasterIdLst>
-    <p:handoutMasterId r:id="rId31"/>
+    <p:handoutMasterId r:id="rId41"/>
   </p:handoutMasterIdLst>
   <p:sldIdLst>
-    <p:sldId id="271" r:id="rId5"/>
+    <p:sldId id="357" r:id="rId5"/>
     <p:sldId id="281" r:id="rId6"/>
     <p:sldId id="351" r:id="rId7"/>
     <p:sldId id="336" r:id="rId8"/>
@@ -32,15 +32,25 @@
     <p:sldId id="346" r:id="rId23"/>
     <p:sldId id="347" r:id="rId24"/>
     <p:sldId id="348" r:id="rId25"/>
-    <p:sldId id="349" r:id="rId26"/>
-    <p:sldId id="350" r:id="rId27"/>
-    <p:sldId id="322" r:id="rId28"/>
-    <p:sldId id="323" r:id="rId29"/>
+    <p:sldId id="358" r:id="rId26"/>
+    <p:sldId id="359" r:id="rId27"/>
+    <p:sldId id="349" r:id="rId28"/>
+    <p:sldId id="360" r:id="rId29"/>
+    <p:sldId id="361" r:id="rId30"/>
+    <p:sldId id="350" r:id="rId31"/>
+    <p:sldId id="362" r:id="rId32"/>
+    <p:sldId id="363" r:id="rId33"/>
+    <p:sldId id="364" r:id="rId34"/>
+    <p:sldId id="365" r:id="rId35"/>
+    <p:sldId id="366" r:id="rId36"/>
+    <p:sldId id="367" r:id="rId37"/>
+    <p:sldId id="322" r:id="rId38"/>
+    <p:sldId id="323" r:id="rId39"/>
   </p:sldIdLst>
   <p:sldSz cx="9144000" cy="6858000" type="screen4x3"/>
   <p:notesSz cx="6858000" cy="9144000"/>
   <p:custDataLst>
-    <p:tags r:id="rId32"/>
+    <p:tags r:id="rId42"/>
   </p:custDataLst>
   <p:defaultTextStyle>
     <a:defPPr>
@@ -142,7 +152,7 @@
       <p14:sectionLst xmlns:p14="http://schemas.microsoft.com/office/powerpoint/2010/main">
         <p14:section name="Default Section" id="{31EF6C40-3694-4E06-AC54-71C1E6A1A3C0}">
           <p14:sldIdLst>
-            <p14:sldId id="271"/>
+            <p14:sldId id="357"/>
             <p14:sldId id="281"/>
             <p14:sldId id="351"/>
             <p14:sldId id="336"/>
@@ -163,8 +173,18 @@
             <p14:sldId id="346"/>
             <p14:sldId id="347"/>
             <p14:sldId id="348"/>
+            <p14:sldId id="358"/>
+            <p14:sldId id="359"/>
             <p14:sldId id="349"/>
+            <p14:sldId id="360"/>
+            <p14:sldId id="361"/>
             <p14:sldId id="350"/>
+            <p14:sldId id="362"/>
+            <p14:sldId id="363"/>
+            <p14:sldId id="364"/>
+            <p14:sldId id="365"/>
+            <p14:sldId id="366"/>
+            <p14:sldId id="367"/>
             <p14:sldId id="322"/>
             <p14:sldId id="323"/>
           </p14:sldIdLst>
@@ -274,7 +294,7 @@
           <a:p>
             <a:fld id="{A73B3874-4EDE-4EDC-B525-8967D0BF9027}" type="datetimeFigureOut">
               <a:rPr lang="en-IN" smtClean="0"/>
-              <a:t>31/05/24</a:t>
+              <a:t>03/06/24</a:t>
             </a:fld>
             <a:endParaRPr lang="en-IN"/>
           </a:p>
@@ -439,7 +459,7 @@
           <a:p>
             <a:fld id="{FBA77E9D-1F26-455B-9FC4-1E2D7C5371B8}" type="datetimeFigureOut">
               <a:rPr lang="en-US" smtClean="0"/>
-              <a:t>5/31/24</a:t>
+              <a:t>6/3/24</a:t>
             </a:fld>
             <a:endParaRPr lang="en-US" dirty="0"/>
           </a:p>
@@ -780,7 +800,7 @@
     </p:spTree>
     <p:extLst>
       <p:ext uri="{BB962C8B-B14F-4D97-AF65-F5344CB8AC3E}">
-        <p14:creationId xmlns:p14="http://schemas.microsoft.com/office/powerpoint/2010/main" val="1930556297"/>
+        <p14:creationId xmlns:p14="http://schemas.microsoft.com/office/powerpoint/2010/main" val="939422005"/>
       </p:ext>
     </p:extLst>
   </p:cSld>
@@ -1574,6 +1594,616 @@
     <p:extLst>
       <p:ext uri="{BB962C8B-B14F-4D97-AF65-F5344CB8AC3E}">
         <p14:creationId xmlns:p14="http://schemas.microsoft.com/office/powerpoint/2010/main" val="3467725955"/>
+      </p:ext>
+    </p:extLst>
+  </p:cSld>
+  <p:clrMapOvr>
+    <a:masterClrMapping/>
+  </p:clrMapOvr>
+</p:notes>
+</file>
+
+<file path=ppt/notesSlides/notesSlide15.xml><?xml version="1.0" encoding="utf-8"?>
+<p:notes xmlns:a="http://schemas.openxmlformats.org/drawingml/2006/main" xmlns:r="http://schemas.openxmlformats.org/officeDocument/2006/relationships" xmlns:p="http://schemas.openxmlformats.org/presentationml/2006/main">
+  <p:cSld>
+    <p:spTree>
+      <p:nvGrpSpPr>
+        <p:cNvPr id="1" name=""/>
+        <p:cNvGrpSpPr/>
+        <p:nvPr/>
+      </p:nvGrpSpPr>
+      <p:grpSpPr>
+        <a:xfrm>
+          <a:off x="0" y="0"/>
+          <a:ext cx="0" cy="0"/>
+          <a:chOff x="0" y="0"/>
+          <a:chExt cx="0" cy="0"/>
+        </a:xfrm>
+      </p:grpSpPr>
+      <p:sp>
+        <p:nvSpPr>
+          <p:cNvPr id="2" name="Slide Image Placeholder 1"/>
+          <p:cNvSpPr>
+            <a:spLocks noGrp="1" noRot="1" noChangeAspect="1"/>
+          </p:cNvSpPr>
+          <p:nvPr>
+            <p:ph type="sldImg"/>
+          </p:nvPr>
+        </p:nvSpPr>
+        <p:spPr/>
+      </p:sp>
+      <p:sp>
+        <p:nvSpPr>
+          <p:cNvPr id="3" name="Notes Placeholder 2"/>
+          <p:cNvSpPr>
+            <a:spLocks noGrp="1"/>
+          </p:cNvSpPr>
+          <p:nvPr>
+            <p:ph type="body" idx="1"/>
+          </p:nvPr>
+        </p:nvSpPr>
+        <p:spPr/>
+        <p:txBody>
+          <a:bodyPr/>
+          <a:lstStyle/>
+          <a:p>
+            <a:r>
+              <a:rPr lang="en-IN" b="1" i="0" dirty="0">
+                <a:solidFill>
+                  <a:srgbClr val="4E9359"/>
+                </a:solidFill>
+                <a:effectLst/>
+                <a:latin typeface="Source Code Pro" panose="020B0509030403020204" pitchFamily="49" charset="0"/>
+              </a:rPr>
+              <a:t>Integer</a:t>
+            </a:r>
+            <a:r>
+              <a:rPr lang="en-IN" b="0" i="0" dirty="0">
+                <a:solidFill>
+                  <a:srgbClr val="000000"/>
+                </a:solidFill>
+                <a:effectLst/>
+                <a:latin typeface="Source Code Pro" panose="020B0509030403020204" pitchFamily="49" charset="0"/>
+              </a:rPr>
+              <a:t> </a:t>
+            </a:r>
+            <a:r>
+              <a:rPr lang="en-IN" b="0" i="0" dirty="0">
+                <a:solidFill>
+                  <a:srgbClr val="888888"/>
+                </a:solidFill>
+                <a:effectLst/>
+                <a:latin typeface="Source Code Pro" panose="020B0509030403020204" pitchFamily="49" charset="0"/>
+              </a:rPr>
+              <a:t>value</a:t>
+            </a:r>
+            <a:r>
+              <a:rPr lang="en-IN" b="0" i="0" dirty="0">
+                <a:solidFill>
+                  <a:srgbClr val="000000"/>
+                </a:solidFill>
+                <a:effectLst/>
+                <a:latin typeface="Source Code Pro" panose="020B0509030403020204" pitchFamily="49" charset="0"/>
+              </a:rPr>
+              <a:t> = </a:t>
+            </a:r>
+            <a:r>
+              <a:rPr lang="en-IN" b="0" i="0" dirty="0" err="1">
+                <a:solidFill>
+                  <a:srgbClr val="000000"/>
+                </a:solidFill>
+                <a:effectLst/>
+                <a:latin typeface="Source Code Pro" panose="020B0509030403020204" pitchFamily="49" charset="0"/>
+              </a:rPr>
+              <a:t>nameMap.computeIfAbsent</a:t>
+            </a:r>
+            <a:r>
+              <a:rPr lang="en-IN" b="0" i="0" dirty="0">
+                <a:solidFill>
+                  <a:srgbClr val="000000"/>
+                </a:solidFill>
+                <a:effectLst/>
+                <a:latin typeface="Source Code Pro" panose="020B0509030403020204" pitchFamily="49" charset="0"/>
+              </a:rPr>
+              <a:t>(</a:t>
+            </a:r>
+            <a:r>
+              <a:rPr lang="en-IN" b="0" i="0" dirty="0">
+                <a:solidFill>
+                  <a:srgbClr val="4E9359"/>
+                </a:solidFill>
+                <a:effectLst/>
+                <a:latin typeface="Source Code Pro" panose="020B0509030403020204" pitchFamily="49" charset="0"/>
+              </a:rPr>
+              <a:t>"John"</a:t>
+            </a:r>
+            <a:r>
+              <a:rPr lang="en-IN" b="0" i="0" dirty="0">
+                <a:solidFill>
+                  <a:srgbClr val="000000"/>
+                </a:solidFill>
+                <a:effectLst/>
+                <a:latin typeface="Source Code Pro" panose="020B0509030403020204" pitchFamily="49" charset="0"/>
+              </a:rPr>
+              <a:t>, String::length);</a:t>
+            </a:r>
+            <a:endParaRPr lang="en-US" dirty="0"/>
+          </a:p>
+        </p:txBody>
+      </p:sp>
+      <p:sp>
+        <p:nvSpPr>
+          <p:cNvPr id="4" name="Slide Number Placeholder 3"/>
+          <p:cNvSpPr>
+            <a:spLocks noGrp="1"/>
+          </p:cNvSpPr>
+          <p:nvPr>
+            <p:ph type="sldNum" sz="quarter" idx="5"/>
+          </p:nvPr>
+        </p:nvSpPr>
+        <p:spPr/>
+        <p:txBody>
+          <a:bodyPr/>
+          <a:lstStyle/>
+          <a:p>
+            <a:fld id="{73FCE4C0-1175-4F38-90ED-AE7A39817694}" type="slidenum">
+              <a:rPr lang="en-US" smtClean="0"/>
+              <a:t>24</a:t>
+            </a:fld>
+            <a:endParaRPr lang="en-US" dirty="0"/>
+          </a:p>
+        </p:txBody>
+      </p:sp>
+    </p:spTree>
+    <p:extLst>
+      <p:ext uri="{BB962C8B-B14F-4D97-AF65-F5344CB8AC3E}">
+        <p14:creationId xmlns:p14="http://schemas.microsoft.com/office/powerpoint/2010/main" val="3797338105"/>
+      </p:ext>
+    </p:extLst>
+  </p:cSld>
+  <p:clrMapOvr>
+    <a:masterClrMapping/>
+  </p:clrMapOvr>
+</p:notes>
+</file>
+
+<file path=ppt/notesSlides/notesSlide16.xml><?xml version="1.0" encoding="utf-8"?>
+<p:notes xmlns:a="http://schemas.openxmlformats.org/drawingml/2006/main" xmlns:r="http://schemas.openxmlformats.org/officeDocument/2006/relationships" xmlns:p="http://schemas.openxmlformats.org/presentationml/2006/main">
+  <p:cSld>
+    <p:spTree>
+      <p:nvGrpSpPr>
+        <p:cNvPr id="1" name=""/>
+        <p:cNvGrpSpPr/>
+        <p:nvPr/>
+      </p:nvGrpSpPr>
+      <p:grpSpPr>
+        <a:xfrm>
+          <a:off x="0" y="0"/>
+          <a:ext cx="0" cy="0"/>
+          <a:chOff x="0" y="0"/>
+          <a:chExt cx="0" cy="0"/>
+        </a:xfrm>
+      </p:grpSpPr>
+      <p:sp>
+        <p:nvSpPr>
+          <p:cNvPr id="2" name="Slide Image Placeholder 1"/>
+          <p:cNvSpPr>
+            <a:spLocks noGrp="1" noRot="1" noChangeAspect="1"/>
+          </p:cNvSpPr>
+          <p:nvPr>
+            <p:ph type="sldImg"/>
+          </p:nvPr>
+        </p:nvSpPr>
+        <p:spPr/>
+      </p:sp>
+      <p:sp>
+        <p:nvSpPr>
+          <p:cNvPr id="3" name="Notes Placeholder 2"/>
+          <p:cNvSpPr>
+            <a:spLocks noGrp="1"/>
+          </p:cNvSpPr>
+          <p:nvPr>
+            <p:ph type="body" idx="1"/>
+          </p:nvPr>
+        </p:nvSpPr>
+        <p:spPr/>
+        <p:txBody>
+          <a:bodyPr/>
+          <a:lstStyle/>
+          <a:p>
+            <a:r>
+              <a:rPr lang="en-IN" b="1" i="0" dirty="0">
+                <a:solidFill>
+                  <a:srgbClr val="4E9359"/>
+                </a:solidFill>
+                <a:effectLst/>
+                <a:latin typeface="Source Code Pro" panose="020B0509030403020204" pitchFamily="49" charset="0"/>
+              </a:rPr>
+              <a:t>Integer</a:t>
+            </a:r>
+            <a:r>
+              <a:rPr lang="en-IN" b="0" i="0" dirty="0">
+                <a:solidFill>
+                  <a:srgbClr val="000000"/>
+                </a:solidFill>
+                <a:effectLst/>
+                <a:latin typeface="Source Code Pro" panose="020B0509030403020204" pitchFamily="49" charset="0"/>
+              </a:rPr>
+              <a:t> </a:t>
+            </a:r>
+            <a:r>
+              <a:rPr lang="en-IN" b="0" i="0" dirty="0">
+                <a:solidFill>
+                  <a:srgbClr val="888888"/>
+                </a:solidFill>
+                <a:effectLst/>
+                <a:latin typeface="Source Code Pro" panose="020B0509030403020204" pitchFamily="49" charset="0"/>
+              </a:rPr>
+              <a:t>value</a:t>
+            </a:r>
+            <a:r>
+              <a:rPr lang="en-IN" b="0" i="0" dirty="0">
+                <a:solidFill>
+                  <a:srgbClr val="000000"/>
+                </a:solidFill>
+                <a:effectLst/>
+                <a:latin typeface="Source Code Pro" panose="020B0509030403020204" pitchFamily="49" charset="0"/>
+              </a:rPr>
+              <a:t> = </a:t>
+            </a:r>
+            <a:r>
+              <a:rPr lang="en-IN" b="0" i="0" dirty="0" err="1">
+                <a:solidFill>
+                  <a:srgbClr val="000000"/>
+                </a:solidFill>
+                <a:effectLst/>
+                <a:latin typeface="Source Code Pro" panose="020B0509030403020204" pitchFamily="49" charset="0"/>
+              </a:rPr>
+              <a:t>nameMap.computeIfAbsent</a:t>
+            </a:r>
+            <a:r>
+              <a:rPr lang="en-IN" b="0" i="0" dirty="0">
+                <a:solidFill>
+                  <a:srgbClr val="000000"/>
+                </a:solidFill>
+                <a:effectLst/>
+                <a:latin typeface="Source Code Pro" panose="020B0509030403020204" pitchFamily="49" charset="0"/>
+              </a:rPr>
+              <a:t>(</a:t>
+            </a:r>
+            <a:r>
+              <a:rPr lang="en-IN" b="0" i="0" dirty="0">
+                <a:solidFill>
+                  <a:srgbClr val="4E9359"/>
+                </a:solidFill>
+                <a:effectLst/>
+                <a:latin typeface="Source Code Pro" panose="020B0509030403020204" pitchFamily="49" charset="0"/>
+              </a:rPr>
+              <a:t>"John"</a:t>
+            </a:r>
+            <a:r>
+              <a:rPr lang="en-IN" b="0" i="0" dirty="0">
+                <a:solidFill>
+                  <a:srgbClr val="000000"/>
+                </a:solidFill>
+                <a:effectLst/>
+                <a:latin typeface="Source Code Pro" panose="020B0509030403020204" pitchFamily="49" charset="0"/>
+              </a:rPr>
+              <a:t>, String::length);</a:t>
+            </a:r>
+            <a:endParaRPr lang="en-US" dirty="0"/>
+          </a:p>
+        </p:txBody>
+      </p:sp>
+      <p:sp>
+        <p:nvSpPr>
+          <p:cNvPr id="4" name="Slide Number Placeholder 3"/>
+          <p:cNvSpPr>
+            <a:spLocks noGrp="1"/>
+          </p:cNvSpPr>
+          <p:nvPr>
+            <p:ph type="sldNum" sz="quarter" idx="5"/>
+          </p:nvPr>
+        </p:nvSpPr>
+        <p:spPr/>
+        <p:txBody>
+          <a:bodyPr/>
+          <a:lstStyle/>
+          <a:p>
+            <a:fld id="{73FCE4C0-1175-4F38-90ED-AE7A39817694}" type="slidenum">
+              <a:rPr lang="en-US" smtClean="0"/>
+              <a:t>25</a:t>
+            </a:fld>
+            <a:endParaRPr lang="en-US" dirty="0"/>
+          </a:p>
+        </p:txBody>
+      </p:sp>
+    </p:spTree>
+    <p:extLst>
+      <p:ext uri="{BB962C8B-B14F-4D97-AF65-F5344CB8AC3E}">
+        <p14:creationId xmlns:p14="http://schemas.microsoft.com/office/powerpoint/2010/main" val="2995040656"/>
+      </p:ext>
+    </p:extLst>
+  </p:cSld>
+  <p:clrMapOvr>
+    <a:masterClrMapping/>
+  </p:clrMapOvr>
+</p:notes>
+</file>
+
+<file path=ppt/notesSlides/notesSlide17.xml><?xml version="1.0" encoding="utf-8"?>
+<p:notes xmlns:a="http://schemas.openxmlformats.org/drawingml/2006/main" xmlns:r="http://schemas.openxmlformats.org/officeDocument/2006/relationships" xmlns:p="http://schemas.openxmlformats.org/presentationml/2006/main">
+  <p:cSld>
+    <p:spTree>
+      <p:nvGrpSpPr>
+        <p:cNvPr id="1" name=""/>
+        <p:cNvGrpSpPr/>
+        <p:nvPr/>
+      </p:nvGrpSpPr>
+      <p:grpSpPr>
+        <a:xfrm>
+          <a:off x="0" y="0"/>
+          <a:ext cx="0" cy="0"/>
+          <a:chOff x="0" y="0"/>
+          <a:chExt cx="0" cy="0"/>
+        </a:xfrm>
+      </p:grpSpPr>
+      <p:sp>
+        <p:nvSpPr>
+          <p:cNvPr id="2" name="Slide Image Placeholder 1"/>
+          <p:cNvSpPr>
+            <a:spLocks noGrp="1" noRot="1" noChangeAspect="1"/>
+          </p:cNvSpPr>
+          <p:nvPr>
+            <p:ph type="sldImg"/>
+          </p:nvPr>
+        </p:nvSpPr>
+        <p:spPr/>
+      </p:sp>
+      <p:sp>
+        <p:nvSpPr>
+          <p:cNvPr id="3" name="Notes Placeholder 2"/>
+          <p:cNvSpPr>
+            <a:spLocks noGrp="1"/>
+          </p:cNvSpPr>
+          <p:nvPr>
+            <p:ph type="body" idx="1"/>
+          </p:nvPr>
+        </p:nvSpPr>
+        <p:spPr/>
+        <p:txBody>
+          <a:bodyPr/>
+          <a:lstStyle/>
+          <a:p>
+            <a:endParaRPr lang="en-US" dirty="0"/>
+          </a:p>
+        </p:txBody>
+      </p:sp>
+      <p:sp>
+        <p:nvSpPr>
+          <p:cNvPr id="4" name="Slide Number Placeholder 3"/>
+          <p:cNvSpPr>
+            <a:spLocks noGrp="1"/>
+          </p:cNvSpPr>
+          <p:nvPr>
+            <p:ph type="sldNum" sz="quarter" idx="5"/>
+          </p:nvPr>
+        </p:nvSpPr>
+        <p:spPr/>
+        <p:txBody>
+          <a:bodyPr/>
+          <a:lstStyle/>
+          <a:p>
+            <a:fld id="{73FCE4C0-1175-4F38-90ED-AE7A39817694}" type="slidenum">
+              <a:rPr lang="en-US" smtClean="0"/>
+              <a:t>26</a:t>
+            </a:fld>
+            <a:endParaRPr lang="en-US" dirty="0"/>
+          </a:p>
+        </p:txBody>
+      </p:sp>
+    </p:spTree>
+    <p:extLst>
+      <p:ext uri="{BB962C8B-B14F-4D97-AF65-F5344CB8AC3E}">
+        <p14:creationId xmlns:p14="http://schemas.microsoft.com/office/powerpoint/2010/main" val="3924491146"/>
+      </p:ext>
+    </p:extLst>
+  </p:cSld>
+  <p:clrMapOvr>
+    <a:masterClrMapping/>
+  </p:clrMapOvr>
+</p:notes>
+</file>
+
+<file path=ppt/notesSlides/notesSlide18.xml><?xml version="1.0" encoding="utf-8"?>
+<p:notes xmlns:a="http://schemas.openxmlformats.org/drawingml/2006/main" xmlns:r="http://schemas.openxmlformats.org/officeDocument/2006/relationships" xmlns:p="http://schemas.openxmlformats.org/presentationml/2006/main">
+  <p:cSld>
+    <p:spTree>
+      <p:nvGrpSpPr>
+        <p:cNvPr id="1" name=""/>
+        <p:cNvGrpSpPr/>
+        <p:nvPr/>
+      </p:nvGrpSpPr>
+      <p:grpSpPr>
+        <a:xfrm>
+          <a:off x="0" y="0"/>
+          <a:ext cx="0" cy="0"/>
+          <a:chOff x="0" y="0"/>
+          <a:chExt cx="0" cy="0"/>
+        </a:xfrm>
+      </p:grpSpPr>
+      <p:sp>
+        <p:nvSpPr>
+          <p:cNvPr id="2" name="Slide Image Placeholder 1"/>
+          <p:cNvSpPr>
+            <a:spLocks noGrp="1" noRot="1" noChangeAspect="1"/>
+          </p:cNvSpPr>
+          <p:nvPr>
+            <p:ph type="sldImg"/>
+          </p:nvPr>
+        </p:nvSpPr>
+        <p:spPr/>
+      </p:sp>
+      <p:sp>
+        <p:nvSpPr>
+          <p:cNvPr id="3" name="Notes Placeholder 2"/>
+          <p:cNvSpPr>
+            <a:spLocks noGrp="1"/>
+          </p:cNvSpPr>
+          <p:nvPr>
+            <p:ph type="body" idx="1"/>
+          </p:nvPr>
+        </p:nvSpPr>
+        <p:spPr/>
+        <p:txBody>
+          <a:bodyPr/>
+          <a:lstStyle/>
+          <a:p>
+            <a:r>
+              <a:rPr lang="en-US" dirty="0" err="1"/>
+              <a:t>names.replaceAll</a:t>
+            </a:r>
+            <a:r>
+              <a:rPr lang="en-US" dirty="0"/>
+              <a:t>(String::</a:t>
+            </a:r>
+            <a:r>
+              <a:rPr lang="en-US" dirty="0" err="1"/>
+              <a:t>toUpperCase</a:t>
+            </a:r>
+            <a:r>
+              <a:rPr lang="en-US" dirty="0"/>
+              <a:t>);</a:t>
+            </a:r>
+          </a:p>
+        </p:txBody>
+      </p:sp>
+      <p:sp>
+        <p:nvSpPr>
+          <p:cNvPr id="4" name="Slide Number Placeholder 3"/>
+          <p:cNvSpPr>
+            <a:spLocks noGrp="1"/>
+          </p:cNvSpPr>
+          <p:nvPr>
+            <p:ph type="sldNum" sz="quarter" idx="5"/>
+          </p:nvPr>
+        </p:nvSpPr>
+        <p:spPr/>
+        <p:txBody>
+          <a:bodyPr/>
+          <a:lstStyle/>
+          <a:p>
+            <a:fld id="{73FCE4C0-1175-4F38-90ED-AE7A39817694}" type="slidenum">
+              <a:rPr lang="en-US" smtClean="0"/>
+              <a:t>32</a:t>
+            </a:fld>
+            <a:endParaRPr lang="en-US" dirty="0"/>
+          </a:p>
+        </p:txBody>
+      </p:sp>
+    </p:spTree>
+    <p:extLst>
+      <p:ext uri="{BB962C8B-B14F-4D97-AF65-F5344CB8AC3E}">
+        <p14:creationId xmlns:p14="http://schemas.microsoft.com/office/powerpoint/2010/main" val="493982664"/>
+      </p:ext>
+    </p:extLst>
+  </p:cSld>
+  <p:clrMapOvr>
+    <a:masterClrMapping/>
+  </p:clrMapOvr>
+</p:notes>
+</file>
+
+<file path=ppt/notesSlides/notesSlide19.xml><?xml version="1.0" encoding="utf-8"?>
+<p:notes xmlns:a="http://schemas.openxmlformats.org/drawingml/2006/main" xmlns:r="http://schemas.openxmlformats.org/officeDocument/2006/relationships" xmlns:p="http://schemas.openxmlformats.org/presentationml/2006/main">
+  <p:cSld>
+    <p:spTree>
+      <p:nvGrpSpPr>
+        <p:cNvPr id="1" name=""/>
+        <p:cNvGrpSpPr/>
+        <p:nvPr/>
+      </p:nvGrpSpPr>
+      <p:grpSpPr>
+        <a:xfrm>
+          <a:off x="0" y="0"/>
+          <a:ext cx="0" cy="0"/>
+          <a:chOff x="0" y="0"/>
+          <a:chExt cx="0" cy="0"/>
+        </a:xfrm>
+      </p:grpSpPr>
+      <p:sp>
+        <p:nvSpPr>
+          <p:cNvPr id="2" name="Slide Image Placeholder 1"/>
+          <p:cNvSpPr>
+            <a:spLocks noGrp="1" noRot="1" noChangeAspect="1"/>
+          </p:cNvSpPr>
+          <p:nvPr>
+            <p:ph type="sldImg"/>
+          </p:nvPr>
+        </p:nvSpPr>
+        <p:spPr/>
+      </p:sp>
+      <p:sp>
+        <p:nvSpPr>
+          <p:cNvPr id="3" name="Notes Placeholder 2"/>
+          <p:cNvSpPr>
+            <a:spLocks noGrp="1"/>
+          </p:cNvSpPr>
+          <p:nvPr>
+            <p:ph type="body" idx="1"/>
+          </p:nvPr>
+        </p:nvSpPr>
+        <p:spPr/>
+        <p:txBody>
+          <a:bodyPr/>
+          <a:lstStyle/>
+          <a:p>
+            <a:r>
+              <a:rPr lang="en-US" dirty="0" err="1"/>
+              <a:t>names.replaceAll</a:t>
+            </a:r>
+            <a:r>
+              <a:rPr lang="en-US" dirty="0"/>
+              <a:t>(String::</a:t>
+            </a:r>
+            <a:r>
+              <a:rPr lang="en-US" dirty="0" err="1"/>
+              <a:t>toUpperCase</a:t>
+            </a:r>
+            <a:r>
+              <a:rPr lang="en-US" dirty="0"/>
+              <a:t>);</a:t>
+            </a:r>
+          </a:p>
+        </p:txBody>
+      </p:sp>
+      <p:sp>
+        <p:nvSpPr>
+          <p:cNvPr id="4" name="Slide Number Placeholder 3"/>
+          <p:cNvSpPr>
+            <a:spLocks noGrp="1"/>
+          </p:cNvSpPr>
+          <p:nvPr>
+            <p:ph type="sldNum" sz="quarter" idx="5"/>
+          </p:nvPr>
+        </p:nvSpPr>
+        <p:spPr/>
+        <p:txBody>
+          <a:bodyPr/>
+          <a:lstStyle/>
+          <a:p>
+            <a:fld id="{73FCE4C0-1175-4F38-90ED-AE7A39817694}" type="slidenum">
+              <a:rPr lang="en-US" smtClean="0"/>
+              <a:t>33</a:t>
+            </a:fld>
+            <a:endParaRPr lang="en-US" dirty="0"/>
+          </a:p>
+        </p:txBody>
+      </p:sp>
+    </p:spTree>
+    <p:extLst>
+      <p:ext uri="{BB962C8B-B14F-4D97-AF65-F5344CB8AC3E}">
+        <p14:creationId xmlns:p14="http://schemas.microsoft.com/office/powerpoint/2010/main" val="1080224081"/>
       </p:ext>
     </p:extLst>
   </p:cSld>
@@ -3413,7 +4043,7 @@
     </p:spTree>
     <p:extLst>
       <p:ext uri="{BB962C8B-B14F-4D97-AF65-F5344CB8AC3E}">
-        <p14:creationId xmlns:p14="http://schemas.microsoft.com/office/powerpoint/2010/main" val="3500677792"/>
+        <p14:creationId xmlns:p14="http://schemas.microsoft.com/office/powerpoint/2010/main" val="665161843"/>
       </p:ext>
     </p:extLst>
   </p:cSld>
@@ -7670,7 +8300,7 @@
                 <a:latin typeface="Arial" panose="020B0604020202020204" pitchFamily="34" charset="0"/>
                 <a:cs typeface="Arial" panose="020B0604020202020204" pitchFamily="34" charset="0"/>
               </a:rPr>
-              <a:t>Built-In Functional Interfaces</a:t>
+              <a:t>Ways to use Functional Interfaces</a:t>
             </a:r>
             <a:endParaRPr lang="en-IN" sz="2400" dirty="0">
               <a:latin typeface="Arial" panose="020B0604020202020204" pitchFamily="34" charset="0"/>
@@ -7696,66 +8326,196 @@
           </a:bodyPr>
           <a:lstStyle/>
           <a:p>
-            <a:r>
-              <a:rPr lang="en-US" sz="1600" dirty="0"/>
-              <a:t>Predicate&lt;T&gt; -</a:t>
+            <a:pPr algn="l" rtl="0"/>
+            <a:r>
+              <a:rPr lang="en-IN" sz="1600" b="0" i="0" dirty="0">
+                <a:solidFill>
+                  <a:srgbClr val="444444"/>
+                </a:solidFill>
+                <a:effectLst/>
+                <a:latin typeface="Calibri" panose="020F0502020204030204" pitchFamily="34" charset="0"/>
+                <a:cs typeface="Calibri" panose="020F0502020204030204" pitchFamily="34" charset="0"/>
+              </a:rPr>
+              <a:t>As method parameters: </a:t>
             </a:r>
             <a:br>
-              <a:rPr lang="en-US" sz="1600" dirty="0"/>
+              <a:rPr lang="en-IN" sz="1600" b="0" i="0" dirty="0">
+                <a:solidFill>
+                  <a:srgbClr val="444444"/>
+                </a:solidFill>
+                <a:effectLst/>
+                <a:latin typeface="Calibri" panose="020F0502020204030204" pitchFamily="34" charset="0"/>
+                <a:cs typeface="Calibri" panose="020F0502020204030204" pitchFamily="34" charset="0"/>
+              </a:rPr>
             </a:br>
             <a:r>
-              <a:rPr lang="en-US" sz="1600" dirty="0"/>
-              <a:t> A predicate is a statement that may be true or false depending on the values of its variables. It can be thought of as a function that returns a value that is either true or false.</a:t>
-            </a:r>
-          </a:p>
-          <a:p>
-            <a:r>
-              <a:rPr lang="en-US" sz="1600" dirty="0"/>
-              <a:t>Consumer&lt;T&gt; - </a:t>
+              <a:rPr lang="en-IN" sz="1600" b="0" i="0" dirty="0">
+                <a:solidFill>
+                  <a:srgbClr val="444444"/>
+                </a:solidFill>
+                <a:effectLst/>
+                <a:latin typeface="Calibri" panose="020F0502020204030204" pitchFamily="34" charset="0"/>
+                <a:cs typeface="Calibri" panose="020F0502020204030204" pitchFamily="34" charset="0"/>
+              </a:rPr>
+              <a:t>Functional interfaces can be passed as arguments to methods, allowing dynamic </a:t>
+            </a:r>
+            <a:r>
+              <a:rPr lang="en-IN" sz="1600" b="0" i="0" dirty="0" err="1">
+                <a:solidFill>
+                  <a:srgbClr val="444444"/>
+                </a:solidFill>
+                <a:effectLst/>
+                <a:latin typeface="Calibri" panose="020F0502020204030204" pitchFamily="34" charset="0"/>
+                <a:cs typeface="Calibri" panose="020F0502020204030204" pitchFamily="34" charset="0"/>
+              </a:rPr>
+              <a:t>behavior</a:t>
+            </a:r>
+            <a:r>
+              <a:rPr lang="en-IN" sz="1600" b="0" i="0" dirty="0">
+                <a:solidFill>
+                  <a:srgbClr val="444444"/>
+                </a:solidFill>
+                <a:effectLst/>
+                <a:latin typeface="Calibri" panose="020F0502020204030204" pitchFamily="34" charset="0"/>
+                <a:cs typeface="Calibri" panose="020F0502020204030204" pitchFamily="34" charset="0"/>
+              </a:rPr>
+              <a:t> based on different implementations.</a:t>
+            </a:r>
+          </a:p>
+          <a:p>
+            <a:pPr algn="l" rtl="0"/>
+            <a:endParaRPr lang="en-IN" sz="1600" b="0" i="0" dirty="0">
+              <a:solidFill>
+                <a:srgbClr val="444444"/>
+              </a:solidFill>
+              <a:effectLst/>
+              <a:latin typeface="Calibri" panose="020F0502020204030204" pitchFamily="34" charset="0"/>
+              <a:cs typeface="Calibri" panose="020F0502020204030204" pitchFamily="34" charset="0"/>
+            </a:endParaRPr>
+          </a:p>
+          <a:p>
+            <a:pPr algn="l" rtl="0"/>
+            <a:r>
+              <a:rPr lang="en-IN" sz="1600" b="0" i="0" dirty="0">
+                <a:solidFill>
+                  <a:srgbClr val="444444"/>
+                </a:solidFill>
+                <a:effectLst/>
+                <a:latin typeface="Calibri" panose="020F0502020204030204" pitchFamily="34" charset="0"/>
+                <a:cs typeface="Calibri" panose="020F0502020204030204" pitchFamily="34" charset="0"/>
+              </a:rPr>
+              <a:t>As return types: </a:t>
             </a:r>
             <a:br>
-              <a:rPr lang="en-US" sz="1600" dirty="0"/>
+              <a:rPr lang="en-IN" sz="1600" b="0" i="0" dirty="0">
+                <a:solidFill>
+                  <a:srgbClr val="444444"/>
+                </a:solidFill>
+                <a:effectLst/>
+                <a:latin typeface="Calibri" panose="020F0502020204030204" pitchFamily="34" charset="0"/>
+                <a:cs typeface="Calibri" panose="020F0502020204030204" pitchFamily="34" charset="0"/>
+              </a:rPr>
             </a:br>
             <a:r>
-              <a:rPr lang="en-US" sz="1600" dirty="0"/>
-              <a:t>This functional interface represents an operation that accepts a single input argument and returns no result.</a:t>
-            </a:r>
-          </a:p>
-          <a:p>
-            <a:r>
-              <a:rPr lang="en-US" sz="1600" dirty="0"/>
-              <a:t>Function&lt;T,R&gt; - </a:t>
+              <a:rPr lang="en-IN" sz="1600" b="0" i="0" dirty="0">
+                <a:solidFill>
+                  <a:srgbClr val="444444"/>
+                </a:solidFill>
+                <a:effectLst/>
+                <a:latin typeface="Calibri" panose="020F0502020204030204" pitchFamily="34" charset="0"/>
+                <a:cs typeface="Calibri" panose="020F0502020204030204" pitchFamily="34" charset="0"/>
+              </a:rPr>
+              <a:t>Methods can return functional interfaces, providing flexibility in selecting the appropriate </a:t>
+            </a:r>
+            <a:r>
+              <a:rPr lang="en-IN" sz="1600" b="0" i="0" dirty="0" err="1">
+                <a:solidFill>
+                  <a:srgbClr val="444444"/>
+                </a:solidFill>
+                <a:effectLst/>
+                <a:latin typeface="Calibri" panose="020F0502020204030204" pitchFamily="34" charset="0"/>
+                <a:cs typeface="Calibri" panose="020F0502020204030204" pitchFamily="34" charset="0"/>
+              </a:rPr>
+              <a:t>behavior</a:t>
+            </a:r>
+            <a:r>
+              <a:rPr lang="en-IN" sz="1600" b="0" i="0" dirty="0">
+                <a:solidFill>
+                  <a:srgbClr val="444444"/>
+                </a:solidFill>
+                <a:effectLst/>
+                <a:latin typeface="Calibri" panose="020F0502020204030204" pitchFamily="34" charset="0"/>
+                <a:cs typeface="Calibri" panose="020F0502020204030204" pitchFamily="34" charset="0"/>
+              </a:rPr>
+              <a:t> based on specific conditions.</a:t>
+            </a:r>
+          </a:p>
+          <a:p>
+            <a:pPr algn="l" rtl="0"/>
+            <a:endParaRPr lang="en-IN" sz="1600" dirty="0">
+              <a:solidFill>
+                <a:srgbClr val="444444"/>
+              </a:solidFill>
+              <a:latin typeface="Calibri" panose="020F0502020204030204" pitchFamily="34" charset="0"/>
+              <a:cs typeface="Calibri" panose="020F0502020204030204" pitchFamily="34" charset="0"/>
+            </a:endParaRPr>
+          </a:p>
+          <a:p>
+            <a:pPr algn="l" rtl="0"/>
+            <a:r>
+              <a:rPr lang="en-IN" sz="1600" b="0" i="0" dirty="0">
+                <a:solidFill>
+                  <a:srgbClr val="444444"/>
+                </a:solidFill>
+                <a:effectLst/>
+                <a:latin typeface="Calibri" panose="020F0502020204030204" pitchFamily="34" charset="0"/>
+                <a:cs typeface="Calibri" panose="020F0502020204030204" pitchFamily="34" charset="0"/>
+              </a:rPr>
+              <a:t>As local variables: </a:t>
             </a:r>
             <a:br>
-              <a:rPr lang="en-US" sz="1600" dirty="0"/>
+              <a:rPr lang="en-IN" sz="1600" b="0" i="0" dirty="0">
+                <a:solidFill>
+                  <a:srgbClr val="444444"/>
+                </a:solidFill>
+                <a:effectLst/>
+                <a:latin typeface="Calibri" panose="020F0502020204030204" pitchFamily="34" charset="0"/>
+                <a:cs typeface="Calibri" panose="020F0502020204030204" pitchFamily="34" charset="0"/>
+              </a:rPr>
             </a:br>
             <a:r>
-              <a:rPr lang="en-US" sz="1600" dirty="0"/>
-              <a:t>This functional interface represents a function that accepts one argument and produces a result. One use, for example, it's to convert or transform from one object to another</a:t>
-            </a:r>
-          </a:p>
-          <a:p>
-            <a:r>
-              <a:rPr lang="en-US" sz="1600" dirty="0">
-                <a:latin typeface="Arial" panose="020B0604020202020204" pitchFamily="34" charset="0"/>
-                <a:cs typeface="Arial" panose="020B0604020202020204" pitchFamily="34" charset="0"/>
-              </a:rPr>
-              <a:t>Supplier&lt;T&gt; - </a:t>
-            </a:r>
-            <a:br>
-              <a:rPr lang="en-US" sz="1600" dirty="0">
-                <a:latin typeface="Arial" panose="020B0604020202020204" pitchFamily="34" charset="0"/>
-                <a:cs typeface="Arial" panose="020B0604020202020204" pitchFamily="34" charset="0"/>
-              </a:rPr>
-            </a:br>
-            <a:r>
-              <a:rPr lang="en-US" sz="1600" dirty="0"/>
-              <a:t>This functional interface does the opposite of the Consumer, it takes no arguments but it returns some value. It may return different values when it is being called more than once.</a:t>
-            </a:r>
-            <a:endParaRPr lang="en-IN" sz="1600" dirty="0">
-              <a:latin typeface="Arial" panose="020B0604020202020204" pitchFamily="34" charset="0"/>
-              <a:cs typeface="Arial" panose="020B0604020202020204" pitchFamily="34" charset="0"/>
-            </a:endParaRPr>
+              <a:rPr lang="en-IN" sz="1600" b="0" i="0" dirty="0">
+                <a:solidFill>
+                  <a:srgbClr val="444444"/>
+                </a:solidFill>
+                <a:effectLst/>
+                <a:latin typeface="Calibri" panose="020F0502020204030204" pitchFamily="34" charset="0"/>
+                <a:cs typeface="Calibri" panose="020F0502020204030204" pitchFamily="34" charset="0"/>
+              </a:rPr>
+              <a:t>Functional interfaces can be assigned to local variables, enabling the execution of different </a:t>
+            </a:r>
+            <a:r>
+              <a:rPr lang="en-IN" sz="1600" b="0" i="0" dirty="0" err="1">
+                <a:solidFill>
+                  <a:srgbClr val="444444"/>
+                </a:solidFill>
+                <a:effectLst/>
+                <a:latin typeface="Calibri" panose="020F0502020204030204" pitchFamily="34" charset="0"/>
+                <a:cs typeface="Calibri" panose="020F0502020204030204" pitchFamily="34" charset="0"/>
+              </a:rPr>
+              <a:t>behaviors</a:t>
+            </a:r>
+            <a:r>
+              <a:rPr lang="en-IN" sz="1600" b="0" i="0" dirty="0">
+                <a:solidFill>
+                  <a:srgbClr val="444444"/>
+                </a:solidFill>
+                <a:effectLst/>
+                <a:latin typeface="Calibri" panose="020F0502020204030204" pitchFamily="34" charset="0"/>
+                <a:cs typeface="Calibri" panose="020F0502020204030204" pitchFamily="34" charset="0"/>
+              </a:rPr>
+              <a:t> based on the assigned implementation.</a:t>
+            </a:r>
           </a:p>
         </p:txBody>
       </p:sp>
@@ -7805,8 +8565,11 @@
           <a:lstStyle/>
           <a:p>
             <a:r>
-              <a:rPr lang="en-US" sz="2400" dirty="0"/>
-              <a:t>Primitive versions of functional interfaces</a:t>
+              <a:rPr lang="en-US" sz="2400" dirty="0">
+                <a:latin typeface="Arial" panose="020B0604020202020204" pitchFamily="34" charset="0"/>
+                <a:cs typeface="Arial" panose="020B0604020202020204" pitchFamily="34" charset="0"/>
+              </a:rPr>
+              <a:t>Built-In Functional Interfaces</a:t>
             </a:r>
             <a:endParaRPr lang="en-IN" sz="2400" dirty="0">
               <a:latin typeface="Arial" panose="020B0604020202020204" pitchFamily="34" charset="0"/>
@@ -7834,127 +8597,59 @@
           <a:p>
             <a:r>
               <a:rPr lang="en-US" sz="1600" dirty="0"/>
-              <a:t>Due to the way generics are implemented, parameters of the functional interfaces (for example, Predicate&lt;T&gt;) can be bound only to reference types (like String, objects, </a:t>
-            </a:r>
-            <a:r>
-              <a:rPr lang="en-US" sz="1600" dirty="0" err="1"/>
-              <a:t>etc</a:t>
-            </a:r>
-            <a:r>
+              <a:t>Predicate&lt;T&gt; -</a:t>
+            </a:r>
+            <a:br>
               <a:rPr lang="en-US" sz="1600" dirty="0"/>
-              <a:t>).</a:t>
-            </a:r>
-          </a:p>
-          <a:p>
+            </a:br>
             <a:r>
               <a:rPr lang="en-US" sz="1600" dirty="0"/>
-              <a:t>If you want to use primitive types with these functional interfaces, Java uses a mechanism called </a:t>
-            </a:r>
-            <a:r>
-              <a:rPr lang="en-US" sz="1600" dirty="0" err="1"/>
-              <a:t>autoboxing</a:t>
-            </a:r>
+              <a:t> A predicate is a statement that may be true or false depending on the values of its variables. It can be thought of as a function that returns a value that is either true or false.</a:t>
+            </a:r>
+          </a:p>
+          <a:p>
             <a:r>
               <a:rPr lang="en-US" sz="1600" dirty="0"/>
-              <a:t> to automatically convert a primitive to its corresponding wrapper type (for example, </a:t>
-            </a:r>
-            <a:r>
-              <a:rPr lang="en-US" sz="1600" dirty="0" err="1"/>
-              <a:t>int</a:t>
-            </a:r>
-            <a:r>
+              <a:t>Consumer&lt;T&gt; - </a:t>
+            </a:r>
+            <a:br>
               <a:rPr lang="en-US" sz="1600" dirty="0"/>
-              <a:t> to Integer) and vice versa.</a:t>
-            </a:r>
-          </a:p>
-          <a:p>
+            </a:br>
             <a:r>
               <a:rPr lang="en-US" sz="1600" dirty="0"/>
-              <a:t>But since boxed values use more memory, this comes with a performance cost. For this reason, Java provides specialized versions of the functional interfaces to avoid </a:t>
-            </a:r>
-            <a:r>
-              <a:rPr lang="en-US" sz="1600" dirty="0" err="1"/>
-              <a:t>autoboxing</a:t>
-            </a:r>
+              <a:t>This functional interface represents an operation that accepts a single input argument and returns no result.</a:t>
+            </a:r>
+          </a:p>
+          <a:p>
             <a:r>
               <a:rPr lang="en-US" sz="1600" dirty="0"/>
-              <a:t> operations when the inputs or outputs are primitives</a:t>
-            </a:r>
-          </a:p>
-          <a:p>
-            <a:endParaRPr lang="en-US" sz="1600" dirty="0">
-              <a:latin typeface="Arial" panose="020B0604020202020204" pitchFamily="34" charset="0"/>
-              <a:cs typeface="Arial" panose="020B0604020202020204" pitchFamily="34" charset="0"/>
-            </a:endParaRPr>
-          </a:p>
-          <a:p>
-            <a:pPr marL="400050" lvl="1" indent="0">
-              <a:buNone/>
-            </a:pPr>
-            <a:r>
+              <a:t>Function&lt;T,R&gt; - </a:t>
+            </a:r>
+            <a:br>
               <a:rPr lang="en-US" sz="1600" dirty="0"/>
-              <a:t>For example, instead of using</a:t>
-            </a:r>
-          </a:p>
-          <a:p>
-            <a:pPr marL="400050" lvl="1" indent="0">
-              <a:buNone/>
-            </a:pPr>
+            </a:br>
             <a:r>
               <a:rPr lang="en-US" sz="1600" dirty="0"/>
-              <a:t>Predicate&lt;Integer&gt; p = </a:t>
-            </a:r>
-            <a:r>
-              <a:rPr lang="en-US" sz="1600" dirty="0" err="1"/>
-              <a:t>i</a:t>
-            </a:r>
+              <a:t>This functional interface represents a function that accepts one argument and produces a result. One use, for example, it's to convert or transform from one object to another</a:t>
+            </a:r>
+          </a:p>
+          <a:p>
+            <a:r>
+              <a:rPr lang="en-US" sz="1600" dirty="0">
+                <a:latin typeface="Arial" panose="020B0604020202020204" pitchFamily="34" charset="0"/>
+                <a:cs typeface="Arial" panose="020B0604020202020204" pitchFamily="34" charset="0"/>
+              </a:rPr>
+              <a:t>Supplier&lt;T&gt; - </a:t>
+            </a:r>
+            <a:br>
+              <a:rPr lang="en-US" sz="1600" dirty="0">
+                <a:latin typeface="Arial" panose="020B0604020202020204" pitchFamily="34" charset="0"/>
+                <a:cs typeface="Arial" panose="020B0604020202020204" pitchFamily="34" charset="0"/>
+              </a:rPr>
+            </a:br>
             <a:r>
               <a:rPr lang="en-US" sz="1600" dirty="0"/>
-              <a:t> -&gt; </a:t>
-            </a:r>
-            <a:r>
-              <a:rPr lang="en-US" sz="1600" dirty="0" err="1"/>
-              <a:t>i</a:t>
-            </a:r>
-            <a:r>
-              <a:rPr lang="en-US" sz="1600" dirty="0"/>
-              <a:t> &gt; 10;</a:t>
-            </a:r>
-          </a:p>
-          <a:p>
-            <a:pPr marL="400050" lvl="1" indent="0">
-              <a:buNone/>
-            </a:pPr>
-            <a:endParaRPr lang="en-US" sz="1600" dirty="0"/>
-          </a:p>
-          <a:p>
-            <a:pPr marL="400050" lvl="1" indent="0">
-              <a:buNone/>
-            </a:pPr>
-            <a:r>
-              <a:rPr lang="en-US" sz="1600" dirty="0"/>
-              <a:t>You can use</a:t>
-            </a:r>
-          </a:p>
-          <a:p>
-            <a:pPr marL="400050" lvl="1" indent="0">
-              <a:buNone/>
-            </a:pPr>
-            <a:r>
-              <a:rPr lang="it-IT" sz="1600" dirty="0" err="1"/>
-              <a:t>IntPredicate</a:t>
-            </a:r>
-            <a:r>
-              <a:rPr lang="it-IT" sz="1600" dirty="0"/>
-              <a:t> </a:t>
-            </a:r>
-            <a:r>
-              <a:rPr lang="it-IT" sz="1600" dirty="0" err="1"/>
-              <a:t>p</a:t>
-            </a:r>
-            <a:r>
-              <a:rPr lang="it-IT" sz="1600" dirty="0"/>
-              <a:t> = i -&gt; i &gt; 10;</a:t>
+              <a:t>This functional interface does the opposite of the Consumer, it takes no arguments but it returns some value. It may return different values when it is being called more than once.</a:t>
             </a:r>
             <a:endParaRPr lang="en-IN" sz="1600" dirty="0">
               <a:latin typeface="Arial" panose="020B0604020202020204" pitchFamily="34" charset="0"/>
@@ -7966,7 +8661,7 @@
     </p:spTree>
     <p:extLst>
       <p:ext uri="{BB962C8B-B14F-4D97-AF65-F5344CB8AC3E}">
-        <p14:creationId xmlns:p14="http://schemas.microsoft.com/office/powerpoint/2010/main" val="138198890"/>
+        <p14:creationId xmlns:p14="http://schemas.microsoft.com/office/powerpoint/2010/main" val="3122439919"/>
       </p:ext>
     </p:extLst>
   </p:cSld>
@@ -8009,8 +8704,11 @@
           <a:lstStyle/>
           <a:p>
             <a:r>
-              <a:rPr lang="en-US" sz="2400" dirty="0"/>
-              <a:t>Binary versions of functional interfaces</a:t>
+              <a:rPr lang="en-US" sz="2400" dirty="0">
+                <a:latin typeface="Arial" panose="020B0604020202020204" pitchFamily="34" charset="0"/>
+                <a:cs typeface="Arial" panose="020B0604020202020204" pitchFamily="34" charset="0"/>
+              </a:rPr>
+              <a:t>Types Functional Interfaces</a:t>
             </a:r>
             <a:endParaRPr lang="en-IN" sz="2400" dirty="0">
               <a:latin typeface="Arial" panose="020B0604020202020204" pitchFamily="34" charset="0"/>
@@ -8021,124 +8719,253 @@
       </p:sp>
       <p:sp>
         <p:nvSpPr>
-          <p:cNvPr id="3" name="Text Placeholder 2"/>
-          <p:cNvSpPr>
-            <a:spLocks noGrp="1"/>
-          </p:cNvSpPr>
-          <p:nvPr>
-            <p:ph type="body" sz="quarter" idx="10"/>
-          </p:nvPr>
+          <p:cNvPr id="8" name="Oval 7">
+            <a:extLst>
+              <a:ext uri="{FF2B5EF4-FFF2-40B4-BE49-F238E27FC236}">
+                <a16:creationId xmlns:a16="http://schemas.microsoft.com/office/drawing/2014/main" id="{6316C8A5-D064-C858-86A9-AF56FD0228A5}"/>
+              </a:ext>
+            </a:extLst>
+          </p:cNvPr>
+          <p:cNvSpPr/>
+          <p:nvPr/>
         </p:nvSpPr>
-        <p:spPr/>
+        <p:spPr>
+          <a:xfrm>
+            <a:off x="1066800" y="1447800"/>
+            <a:ext cx="1905000" cy="1676400"/>
+          </a:xfrm>
+          <a:prstGeom prst="ellipse">
+            <a:avLst/>
+          </a:prstGeom>
+        </p:spPr>
+        <p:style>
+          <a:lnRef idx="2">
+            <a:schemeClr val="accent1">
+              <a:shade val="15000"/>
+            </a:schemeClr>
+          </a:lnRef>
+          <a:fillRef idx="1">
+            <a:schemeClr val="accent1"/>
+          </a:fillRef>
+          <a:effectRef idx="0">
+            <a:schemeClr val="accent1"/>
+          </a:effectRef>
+          <a:fontRef idx="minor">
+            <a:schemeClr val="lt1"/>
+          </a:fontRef>
+        </p:style>
         <p:txBody>
-          <a:bodyPr>
-            <a:normAutofit/>
-          </a:bodyPr>
+          <a:bodyPr rtlCol="0" anchor="ctr"/>
           <a:lstStyle/>
           <a:p>
-            <a:r>
-              <a:rPr lang="en-US" sz="1600" dirty="0"/>
-              <a:t>versions of interfaces like Predicate&lt;T&gt;, Consumer&lt;T&gt;, Function&lt;T,R&gt;, </a:t>
-            </a:r>
-            <a:r>
-              <a:rPr lang="en-US" sz="1600" dirty="0" err="1"/>
-              <a:t>UnaryOperator</a:t>
-            </a:r>
-            <a:r>
-              <a:rPr lang="en-US" sz="1600" dirty="0"/>
-              <a:t>&lt;T&gt; that take two arguments called Binary versions</a:t>
-            </a:r>
-          </a:p>
-          <a:p>
-            <a:r>
-              <a:rPr lang="en-US" sz="1600" dirty="0"/>
-              <a:t>Note there is no binary version of Supplier. This is because a Supplier takes no arguments.</a:t>
-            </a:r>
-          </a:p>
-          <a:p>
-            <a:endParaRPr lang="en-US" sz="1600" dirty="0">
-              <a:latin typeface="Arial" panose="020B0604020202020204" pitchFamily="34" charset="0"/>
-              <a:cs typeface="Arial" panose="020B0604020202020204" pitchFamily="34" charset="0"/>
-            </a:endParaRPr>
-          </a:p>
-          <a:p>
-            <a:endParaRPr lang="en-US" sz="1600" dirty="0">
-              <a:latin typeface="Arial" panose="020B0604020202020204" pitchFamily="34" charset="0"/>
-              <a:cs typeface="Arial" panose="020B0604020202020204" pitchFamily="34" charset="0"/>
-            </a:endParaRPr>
-          </a:p>
-          <a:p>
-            <a:endParaRPr lang="en-US" sz="1600" dirty="0">
-              <a:latin typeface="Arial" panose="020B0604020202020204" pitchFamily="34" charset="0"/>
-              <a:cs typeface="Arial" panose="020B0604020202020204" pitchFamily="34" charset="0"/>
-            </a:endParaRPr>
-          </a:p>
-          <a:p>
-            <a:endParaRPr lang="en-US" sz="1600" dirty="0">
-              <a:latin typeface="Arial" panose="020B0604020202020204" pitchFamily="34" charset="0"/>
-              <a:cs typeface="Arial" panose="020B0604020202020204" pitchFamily="34" charset="0"/>
-            </a:endParaRPr>
-          </a:p>
-          <a:p>
-            <a:endParaRPr lang="en-US" sz="1600" dirty="0">
-              <a:latin typeface="Arial" panose="020B0604020202020204" pitchFamily="34" charset="0"/>
-              <a:cs typeface="Arial" panose="020B0604020202020204" pitchFamily="34" charset="0"/>
-            </a:endParaRPr>
-          </a:p>
-          <a:p>
-            <a:endParaRPr lang="en-US" sz="1600" dirty="0">
-              <a:latin typeface="Arial" panose="020B0604020202020204" pitchFamily="34" charset="0"/>
-              <a:cs typeface="Arial" panose="020B0604020202020204" pitchFamily="34" charset="0"/>
-            </a:endParaRPr>
-          </a:p>
-          <a:p>
-            <a:endParaRPr lang="en-US" sz="1600" dirty="0">
-              <a:latin typeface="Arial" panose="020B0604020202020204" pitchFamily="34" charset="0"/>
-              <a:cs typeface="Arial" panose="020B0604020202020204" pitchFamily="34" charset="0"/>
-            </a:endParaRPr>
-          </a:p>
-          <a:p>
-            <a:endParaRPr lang="en-US" sz="1600" dirty="0">
-              <a:latin typeface="Arial" panose="020B0604020202020204" pitchFamily="34" charset="0"/>
-              <a:cs typeface="Arial" panose="020B0604020202020204" pitchFamily="34" charset="0"/>
-            </a:endParaRPr>
-          </a:p>
-          <a:p>
-            <a:endParaRPr lang="en-US" sz="1600" dirty="0">
-              <a:latin typeface="Arial" panose="020B0604020202020204" pitchFamily="34" charset="0"/>
-              <a:cs typeface="Arial" panose="020B0604020202020204" pitchFamily="34" charset="0"/>
-            </a:endParaRPr>
-          </a:p>
-          <a:p>
-            <a:endParaRPr lang="en-US" sz="1600" dirty="0">
-              <a:latin typeface="Arial" panose="020B0604020202020204" pitchFamily="34" charset="0"/>
-              <a:cs typeface="Arial" panose="020B0604020202020204" pitchFamily="34" charset="0"/>
-            </a:endParaRPr>
-          </a:p>
-          <a:p>
-            <a:endParaRPr lang="en-US" sz="1600" dirty="0">
-              <a:latin typeface="Arial" panose="020B0604020202020204" pitchFamily="34" charset="0"/>
-              <a:cs typeface="Arial" panose="020B0604020202020204" pitchFamily="34" charset="0"/>
-            </a:endParaRPr>
-          </a:p>
-          <a:p>
-            <a:endParaRPr lang="en-US" sz="1600" dirty="0">
-              <a:latin typeface="Arial" panose="020B0604020202020204" pitchFamily="34" charset="0"/>
-              <a:cs typeface="Arial" panose="020B0604020202020204" pitchFamily="34" charset="0"/>
-            </a:endParaRPr>
-          </a:p>
-          <a:p>
-            <a:endParaRPr lang="en-IN" sz="1600" dirty="0">
-              <a:latin typeface="Arial" panose="020B0604020202020204" pitchFamily="34" charset="0"/>
-              <a:cs typeface="Arial" panose="020B0604020202020204" pitchFamily="34" charset="0"/>
-            </a:endParaRPr>
+            <a:pPr algn="ctr"/>
+            <a:r>
+              <a:rPr lang="en-US" sz="2400" dirty="0"/>
+              <a:t>Function</a:t>
+            </a:r>
+          </a:p>
+        </p:txBody>
+      </p:sp>
+      <p:sp>
+        <p:nvSpPr>
+          <p:cNvPr id="9" name="Oval 8">
+            <a:extLst>
+              <a:ext uri="{FF2B5EF4-FFF2-40B4-BE49-F238E27FC236}">
+                <a16:creationId xmlns:a16="http://schemas.microsoft.com/office/drawing/2014/main" id="{643A0E75-36EE-CCCB-2996-1FC22D59657A}"/>
+              </a:ext>
+            </a:extLst>
+          </p:cNvPr>
+          <p:cNvSpPr/>
+          <p:nvPr/>
+        </p:nvSpPr>
+        <p:spPr>
+          <a:xfrm>
+            <a:off x="5025191" y="3879695"/>
+            <a:ext cx="1905000" cy="1676400"/>
+          </a:xfrm>
+          <a:prstGeom prst="ellipse">
+            <a:avLst/>
+          </a:prstGeom>
+        </p:spPr>
+        <p:style>
+          <a:lnRef idx="2">
+            <a:schemeClr val="accent1">
+              <a:shade val="15000"/>
+            </a:schemeClr>
+          </a:lnRef>
+          <a:fillRef idx="1">
+            <a:schemeClr val="accent1"/>
+          </a:fillRef>
+          <a:effectRef idx="0">
+            <a:schemeClr val="accent1"/>
+          </a:effectRef>
+          <a:fontRef idx="minor">
+            <a:schemeClr val="lt1"/>
+          </a:fontRef>
+        </p:style>
+        <p:txBody>
+          <a:bodyPr rtlCol="0" anchor="ctr"/>
+          <a:lstStyle/>
+          <a:p>
+            <a:pPr algn="ctr"/>
+            <a:r>
+              <a:rPr lang="en-US" sz="2400" dirty="0"/>
+              <a:t>Operator</a:t>
+            </a:r>
+          </a:p>
+        </p:txBody>
+      </p:sp>
+      <p:sp>
+        <p:nvSpPr>
+          <p:cNvPr id="10" name="Oval 9">
+            <a:extLst>
+              <a:ext uri="{FF2B5EF4-FFF2-40B4-BE49-F238E27FC236}">
+                <a16:creationId xmlns:a16="http://schemas.microsoft.com/office/drawing/2014/main" id="{FECA4C63-5E3D-9600-B0D5-747FF1D43C08}"/>
+              </a:ext>
+            </a:extLst>
+          </p:cNvPr>
+          <p:cNvSpPr/>
+          <p:nvPr/>
+        </p:nvSpPr>
+        <p:spPr>
+          <a:xfrm>
+            <a:off x="6019802" y="1375611"/>
+            <a:ext cx="2057398" cy="1676400"/>
+          </a:xfrm>
+          <a:prstGeom prst="ellipse">
+            <a:avLst/>
+          </a:prstGeom>
+        </p:spPr>
+        <p:style>
+          <a:lnRef idx="2">
+            <a:schemeClr val="accent1">
+              <a:shade val="15000"/>
+            </a:schemeClr>
+          </a:lnRef>
+          <a:fillRef idx="1">
+            <a:schemeClr val="accent1"/>
+          </a:fillRef>
+          <a:effectRef idx="0">
+            <a:schemeClr val="accent1"/>
+          </a:effectRef>
+          <a:fontRef idx="minor">
+            <a:schemeClr val="lt1"/>
+          </a:fontRef>
+        </p:style>
+        <p:txBody>
+          <a:bodyPr rtlCol="0" anchor="ctr"/>
+          <a:lstStyle/>
+          <a:p>
+            <a:pPr algn="ctr"/>
+            <a:r>
+              <a:rPr lang="en-US" sz="2400" dirty="0"/>
+              <a:t>Consumer</a:t>
+            </a:r>
+          </a:p>
+        </p:txBody>
+      </p:sp>
+      <p:sp>
+        <p:nvSpPr>
+          <p:cNvPr id="11" name="Oval 10">
+            <a:extLst>
+              <a:ext uri="{FF2B5EF4-FFF2-40B4-BE49-F238E27FC236}">
+                <a16:creationId xmlns:a16="http://schemas.microsoft.com/office/drawing/2014/main" id="{E0034F9A-AFBB-F651-5051-04E2EA187209}"/>
+              </a:ext>
+            </a:extLst>
+          </p:cNvPr>
+          <p:cNvSpPr/>
+          <p:nvPr/>
+        </p:nvSpPr>
+        <p:spPr>
+          <a:xfrm>
+            <a:off x="3545303" y="1483895"/>
+            <a:ext cx="1905000" cy="1676400"/>
+          </a:xfrm>
+          <a:prstGeom prst="ellipse">
+            <a:avLst/>
+          </a:prstGeom>
+        </p:spPr>
+        <p:style>
+          <a:lnRef idx="2">
+            <a:schemeClr val="accent1">
+              <a:shade val="15000"/>
+            </a:schemeClr>
+          </a:lnRef>
+          <a:fillRef idx="1">
+            <a:schemeClr val="accent1"/>
+          </a:fillRef>
+          <a:effectRef idx="0">
+            <a:schemeClr val="accent1"/>
+          </a:effectRef>
+          <a:fontRef idx="minor">
+            <a:schemeClr val="lt1"/>
+          </a:fontRef>
+        </p:style>
+        <p:txBody>
+          <a:bodyPr rtlCol="0" anchor="ctr"/>
+          <a:lstStyle/>
+          <a:p>
+            <a:pPr algn="ctr"/>
+            <a:r>
+              <a:rPr lang="en-US" sz="2400" dirty="0"/>
+              <a:t>Supplier</a:t>
+            </a:r>
+          </a:p>
+        </p:txBody>
+      </p:sp>
+      <p:sp>
+        <p:nvSpPr>
+          <p:cNvPr id="12" name="Oval 11">
+            <a:extLst>
+              <a:ext uri="{FF2B5EF4-FFF2-40B4-BE49-F238E27FC236}">
+                <a16:creationId xmlns:a16="http://schemas.microsoft.com/office/drawing/2014/main" id="{E8A9B9B1-5E8F-8E86-6588-B2AC44F900AB}"/>
+              </a:ext>
+            </a:extLst>
+          </p:cNvPr>
+          <p:cNvSpPr/>
+          <p:nvPr/>
+        </p:nvSpPr>
+        <p:spPr>
+          <a:xfrm>
+            <a:off x="2370221" y="3879695"/>
+            <a:ext cx="1905000" cy="1676400"/>
+          </a:xfrm>
+          <a:prstGeom prst="ellipse">
+            <a:avLst/>
+          </a:prstGeom>
+        </p:spPr>
+        <p:style>
+          <a:lnRef idx="2">
+            <a:schemeClr val="accent1">
+              <a:shade val="15000"/>
+            </a:schemeClr>
+          </a:lnRef>
+          <a:fillRef idx="1">
+            <a:schemeClr val="accent1"/>
+          </a:fillRef>
+          <a:effectRef idx="0">
+            <a:schemeClr val="accent1"/>
+          </a:effectRef>
+          <a:fontRef idx="minor">
+            <a:schemeClr val="lt1"/>
+          </a:fontRef>
+        </p:style>
+        <p:txBody>
+          <a:bodyPr rtlCol="0" anchor="ctr"/>
+          <a:lstStyle/>
+          <a:p>
+            <a:pPr algn="ctr"/>
+            <a:r>
+              <a:rPr lang="en-US" sz="2400" dirty="0"/>
+              <a:t>Predicate</a:t>
+            </a:r>
           </a:p>
         </p:txBody>
       </p:sp>
     </p:spTree>
     <p:extLst>
       <p:ext uri="{BB962C8B-B14F-4D97-AF65-F5344CB8AC3E}">
-        <p14:creationId xmlns:p14="http://schemas.microsoft.com/office/powerpoint/2010/main" val="675256338"/>
+        <p14:creationId xmlns:p14="http://schemas.microsoft.com/office/powerpoint/2010/main" val="866922162"/>
       </p:ext>
     </p:extLst>
   </p:cSld>
@@ -8181,58 +9008,190 @@
           <a:lstStyle/>
           <a:p>
             <a:r>
-              <a:rPr lang="en-US" dirty="0"/>
-              <a:t>Any Question ?</a:t>
-            </a:r>
-            <a:endParaRPr lang="en-IN" dirty="0"/>
+              <a:rPr lang="en-US" sz="2400" dirty="0"/>
+              <a:t>Function</a:t>
+            </a:r>
+            <a:endParaRPr lang="en-IN" sz="2400" dirty="0">
+              <a:latin typeface="Arial" panose="020B0604020202020204" pitchFamily="34" charset="0"/>
+              <a:cs typeface="Arial" panose="020B0604020202020204" pitchFamily="34" charset="0"/>
+            </a:endParaRPr>
           </a:p>
         </p:txBody>
       </p:sp>
-      <p:pic>
-        <p:nvPicPr>
-          <p:cNvPr id="1026" name="Picture 2" descr="C:\Users\anurags\Desktop\index.jpg"/>
-          <p:cNvPicPr>
-            <a:picLocks noChangeAspect="1" noChangeArrowheads="1"/>
-          </p:cNvPicPr>
-          <p:nvPr/>
-        </p:nvPicPr>
-        <p:blipFill>
-          <a:blip r:embed="rId2">
-            <a:extLst>
-              <a:ext uri="{28A0092B-C50C-407E-A947-70E740481C1C}">
-                <a14:useLocalDpi xmlns:a14="http://schemas.microsoft.com/office/drawing/2010/main" val="0"/>
-              </a:ext>
-            </a:extLst>
-          </a:blip>
-          <a:srcRect/>
-          <a:stretch>
-            <a:fillRect/>
-          </a:stretch>
-        </p:blipFill>
-        <p:spPr bwMode="auto">
-          <a:xfrm>
-            <a:off x="2441802" y="1516063"/>
-            <a:ext cx="3958998" cy="3941402"/>
-          </a:xfrm>
-          <a:prstGeom prst="rect">
-            <a:avLst/>
-          </a:prstGeom>
-          <a:noFill/>
-          <a:extLst>
-            <a:ext uri="{909E8E84-426E-40DD-AFC4-6F175D3DCCD1}">
-              <a14:hiddenFill xmlns:a14="http://schemas.microsoft.com/office/drawing/2010/main">
-                <a:solidFill>
-                  <a:srgbClr val="FFFFFF"/>
-                </a:solidFill>
-              </a14:hiddenFill>
-            </a:ext>
-          </a:extLst>
-        </p:spPr>
-      </p:pic>
+      <p:sp>
+        <p:nvSpPr>
+          <p:cNvPr id="3" name="Text Placeholder 2"/>
+          <p:cNvSpPr>
+            <a:spLocks noGrp="1"/>
+          </p:cNvSpPr>
+          <p:nvPr>
+            <p:ph type="body" sz="quarter" idx="10"/>
+          </p:nvPr>
+        </p:nvSpPr>
+        <p:spPr/>
+        <p:txBody>
+          <a:bodyPr>
+            <a:normAutofit/>
+          </a:bodyPr>
+          <a:lstStyle/>
+          <a:p>
+            <a:r>
+              <a:rPr lang="en-IN" sz="1600" b="0" i="0" dirty="0">
+                <a:solidFill>
+                  <a:srgbClr val="000000"/>
+                </a:solidFill>
+                <a:effectLst/>
+                <a:latin typeface="Calibri" panose="020F0502020204030204" pitchFamily="34" charset="0"/>
+                <a:cs typeface="Calibri" panose="020F0502020204030204" pitchFamily="34" charset="0"/>
+              </a:rPr>
+              <a:t>It is a functional interface with a method that receives one value and returns another.</a:t>
+            </a:r>
+            <a:br>
+              <a:rPr lang="en-IN" sz="1600" b="0" i="0" dirty="0">
+                <a:solidFill>
+                  <a:srgbClr val="000000"/>
+                </a:solidFill>
+                <a:effectLst/>
+                <a:latin typeface="Calibri" panose="020F0502020204030204" pitchFamily="34" charset="0"/>
+                <a:cs typeface="Calibri" panose="020F0502020204030204" pitchFamily="34" charset="0"/>
+              </a:rPr>
+            </a:br>
+            <a:r>
+              <a:rPr lang="en-IN" sz="1600" b="0" i="0" dirty="0">
+                <a:solidFill>
+                  <a:srgbClr val="000000"/>
+                </a:solidFill>
+                <a:effectLst/>
+                <a:latin typeface="Calibri" panose="020F0502020204030204" pitchFamily="34" charset="0"/>
+                <a:cs typeface="Calibri" panose="020F0502020204030204" pitchFamily="34" charset="0"/>
+              </a:rPr>
+              <a:t>public interface Function&lt;T, R&gt; { … }</a:t>
+            </a:r>
+          </a:p>
+          <a:p>
+            <a:endParaRPr lang="en-IN" sz="1600" dirty="0">
+              <a:solidFill>
+                <a:srgbClr val="000000"/>
+              </a:solidFill>
+              <a:latin typeface="Calibri" panose="020F0502020204030204" pitchFamily="34" charset="0"/>
+              <a:cs typeface="Calibri" panose="020F0502020204030204" pitchFamily="34" charset="0"/>
+            </a:endParaRPr>
+          </a:p>
+          <a:p>
+            <a:r>
+              <a:rPr lang="en-IN" sz="1600" dirty="0">
+                <a:latin typeface="Calibri" panose="020F0502020204030204" pitchFamily="34" charset="0"/>
+                <a:cs typeface="Calibri" panose="020F0502020204030204" pitchFamily="34" charset="0"/>
+              </a:rPr>
+              <a:t>One of the usages of the Function type in the standard library is the </a:t>
+            </a:r>
+            <a:r>
+              <a:rPr lang="en-IN" sz="1600" dirty="0" err="1">
+                <a:latin typeface="Calibri" panose="020F0502020204030204" pitchFamily="34" charset="0"/>
+                <a:cs typeface="Calibri" panose="020F0502020204030204" pitchFamily="34" charset="0"/>
+              </a:rPr>
+              <a:t>Map.computeIfAbsent</a:t>
+            </a:r>
+            <a:r>
+              <a:rPr lang="en-IN" sz="1600" dirty="0">
+                <a:latin typeface="Calibri" panose="020F0502020204030204" pitchFamily="34" charset="0"/>
+                <a:cs typeface="Calibri" panose="020F0502020204030204" pitchFamily="34" charset="0"/>
+              </a:rPr>
+              <a:t> method. This method returns a value from a map by key, but calculates a value if a key is not already present in a map. To calculate a value, it uses the passed Function implementation:</a:t>
+            </a:r>
+            <a:br>
+              <a:rPr lang="en-IN" sz="1600" dirty="0">
+                <a:latin typeface="Calibri" panose="020F0502020204030204" pitchFamily="34" charset="0"/>
+                <a:cs typeface="Calibri" panose="020F0502020204030204" pitchFamily="34" charset="0"/>
+              </a:rPr>
+            </a:br>
+            <a:br>
+              <a:rPr lang="en-IN" sz="1600" dirty="0">
+                <a:latin typeface="Calibri" panose="020F0502020204030204" pitchFamily="34" charset="0"/>
+                <a:cs typeface="Calibri" panose="020F0502020204030204" pitchFamily="34" charset="0"/>
+              </a:rPr>
+            </a:br>
+            <a:r>
+              <a:rPr lang="en-IN" sz="1600" dirty="0">
+                <a:latin typeface="Calibri" panose="020F0502020204030204" pitchFamily="34" charset="0"/>
+                <a:cs typeface="Calibri" panose="020F0502020204030204" pitchFamily="34" charset="0"/>
+              </a:rPr>
+              <a:t>Map&lt;String, Integer&gt; </a:t>
+            </a:r>
+            <a:r>
+              <a:rPr lang="en-IN" sz="1600" dirty="0" err="1">
+                <a:latin typeface="Calibri" panose="020F0502020204030204" pitchFamily="34" charset="0"/>
+                <a:cs typeface="Calibri" panose="020F0502020204030204" pitchFamily="34" charset="0"/>
+              </a:rPr>
+              <a:t>nameMap</a:t>
+            </a:r>
+            <a:r>
+              <a:rPr lang="en-IN" sz="1600" dirty="0">
+                <a:latin typeface="Calibri" panose="020F0502020204030204" pitchFamily="34" charset="0"/>
+                <a:cs typeface="Calibri" panose="020F0502020204030204" pitchFamily="34" charset="0"/>
+              </a:rPr>
+              <a:t> = new HashMap&lt;&gt;(); </a:t>
+            </a:r>
+            <a:br>
+              <a:rPr lang="en-IN" sz="1600" dirty="0">
+                <a:latin typeface="Calibri" panose="020F0502020204030204" pitchFamily="34" charset="0"/>
+                <a:cs typeface="Calibri" panose="020F0502020204030204" pitchFamily="34" charset="0"/>
+              </a:rPr>
+            </a:br>
+            <a:r>
+              <a:rPr lang="en-IN" sz="1600" dirty="0">
+                <a:latin typeface="Calibri" panose="020F0502020204030204" pitchFamily="34" charset="0"/>
+                <a:cs typeface="Calibri" panose="020F0502020204030204" pitchFamily="34" charset="0"/>
+              </a:rPr>
+              <a:t>Integer value = </a:t>
+            </a:r>
+            <a:r>
+              <a:rPr lang="en-IN" sz="1600" dirty="0" err="1">
+                <a:latin typeface="Calibri" panose="020F0502020204030204" pitchFamily="34" charset="0"/>
+                <a:cs typeface="Calibri" panose="020F0502020204030204" pitchFamily="34" charset="0"/>
+              </a:rPr>
+              <a:t>nameMap.computeIfAbsent</a:t>
+            </a:r>
+            <a:r>
+              <a:rPr lang="en-IN" sz="1600" dirty="0">
+                <a:latin typeface="Calibri" panose="020F0502020204030204" pitchFamily="34" charset="0"/>
+                <a:cs typeface="Calibri" panose="020F0502020204030204" pitchFamily="34" charset="0"/>
+              </a:rPr>
+              <a:t>("John", s -&gt; </a:t>
+            </a:r>
+            <a:r>
+              <a:rPr lang="en-IN" sz="1600" dirty="0" err="1">
+                <a:latin typeface="Calibri" panose="020F0502020204030204" pitchFamily="34" charset="0"/>
+                <a:cs typeface="Calibri" panose="020F0502020204030204" pitchFamily="34" charset="0"/>
+              </a:rPr>
+              <a:t>s.length</a:t>
+            </a:r>
+            <a:r>
+              <a:rPr lang="en-IN" sz="1600" dirty="0">
+                <a:latin typeface="Calibri" panose="020F0502020204030204" pitchFamily="34" charset="0"/>
+                <a:cs typeface="Calibri" panose="020F0502020204030204" pitchFamily="34" charset="0"/>
+              </a:rPr>
+              <a:t>());</a:t>
+            </a:r>
+          </a:p>
+          <a:p>
+            <a:endParaRPr lang="en-IN" sz="1600" dirty="0">
+              <a:latin typeface="Calibri" panose="020F0502020204030204" pitchFamily="34" charset="0"/>
+              <a:cs typeface="Calibri" panose="020F0502020204030204" pitchFamily="34" charset="0"/>
+            </a:endParaRPr>
+          </a:p>
+          <a:p>
+            <a:endParaRPr lang="en-IN" sz="1600" dirty="0">
+              <a:latin typeface="Calibri" panose="020F0502020204030204" pitchFamily="34" charset="0"/>
+              <a:cs typeface="Calibri" panose="020F0502020204030204" pitchFamily="34" charset="0"/>
+            </a:endParaRPr>
+          </a:p>
+        </p:txBody>
+      </p:sp>
     </p:spTree>
     <p:extLst>
       <p:ext uri="{BB962C8B-B14F-4D97-AF65-F5344CB8AC3E}">
-        <p14:creationId xmlns:p14="http://schemas.microsoft.com/office/powerpoint/2010/main" val="2575529534"/>
+        <p14:creationId xmlns:p14="http://schemas.microsoft.com/office/powerpoint/2010/main" val="138198890"/>
       </p:ext>
     </p:extLst>
   </p:cSld>
@@ -8269,70 +9228,2426 @@
             <p:ph type="title"/>
           </p:nvPr>
         </p:nvSpPr>
-        <p:spPr>
-          <a:xfrm>
-            <a:off x="2286000" y="1371600"/>
-            <a:ext cx="3914280" cy="533400"/>
-          </a:xfrm>
-        </p:spPr>
+        <p:spPr/>
         <p:txBody>
           <a:bodyPr/>
           <a:lstStyle/>
           <a:p>
-            <a:pPr algn="ctr"/>
-            <a:r>
-              <a:rPr lang="en-US" dirty="0"/>
-              <a:t>Thank you !</a:t>
-            </a:r>
-            <a:endParaRPr lang="en-IN" dirty="0"/>
+            <a:r>
+              <a:rPr lang="en-US" sz="2400" dirty="0"/>
+              <a:t>Compose in Function</a:t>
+            </a:r>
+            <a:endParaRPr lang="en-IN" sz="2400" dirty="0">
+              <a:latin typeface="Arial" panose="020B0604020202020204" pitchFamily="34" charset="0"/>
+              <a:cs typeface="Arial" panose="020B0604020202020204" pitchFamily="34" charset="0"/>
+            </a:endParaRPr>
           </a:p>
         </p:txBody>
       </p:sp>
-      <p:pic>
-        <p:nvPicPr>
-          <p:cNvPr id="4098" name="Picture 2" descr="http://www.eclipse.org/xtend/images/java8_logo.png"/>
-          <p:cNvPicPr>
-            <a:picLocks noChangeAspect="1" noChangeArrowheads="1"/>
-          </p:cNvPicPr>
-          <p:nvPr/>
-        </p:nvPicPr>
-        <p:blipFill>
-          <a:blip r:embed="rId2">
-            <a:extLst>
-              <a:ext uri="{28A0092B-C50C-407E-A947-70E740481C1C}">
-                <a14:useLocalDpi xmlns:a14="http://schemas.microsoft.com/office/drawing/2010/main" val="0"/>
-              </a:ext>
-            </a:extLst>
-          </a:blip>
-          <a:srcRect/>
-          <a:stretch>
-            <a:fillRect/>
-          </a:stretch>
-        </p:blipFill>
-        <p:spPr bwMode="auto">
-          <a:xfrm>
-            <a:off x="2997200" y="2263521"/>
-            <a:ext cx="2590800" cy="2765679"/>
-          </a:xfrm>
-          <a:prstGeom prst="rect">
-            <a:avLst/>
-          </a:prstGeom>
-          <a:noFill/>
-          <a:extLst>
-            <a:ext uri="{909E8E84-426E-40DD-AFC4-6F175D3DCCD1}">
-              <a14:hiddenFill xmlns:a14="http://schemas.microsoft.com/office/drawing/2010/main">
-                <a:solidFill>
-                  <a:srgbClr val="FFFFFF"/>
-                </a:solidFill>
-              </a14:hiddenFill>
-            </a:ext>
-          </a:extLst>
-        </p:spPr>
-      </p:pic>
+      <p:sp>
+        <p:nvSpPr>
+          <p:cNvPr id="3" name="Text Placeholder 2"/>
+          <p:cNvSpPr>
+            <a:spLocks noGrp="1"/>
+          </p:cNvSpPr>
+          <p:nvPr>
+            <p:ph type="body" sz="quarter" idx="10"/>
+          </p:nvPr>
+        </p:nvSpPr>
+        <p:spPr/>
+        <p:txBody>
+          <a:bodyPr>
+            <a:normAutofit/>
+          </a:bodyPr>
+          <a:lstStyle/>
+          <a:p>
+            <a:r>
+              <a:rPr lang="en-IN" sz="1600" b="0" i="1" dirty="0">
+                <a:solidFill>
+                  <a:srgbClr val="000000"/>
+                </a:solidFill>
+                <a:effectLst/>
+                <a:latin typeface="Calibri" panose="020F0502020204030204" pitchFamily="34" charset="0"/>
+                <a:cs typeface="Calibri" panose="020F0502020204030204" pitchFamily="34" charset="0"/>
+              </a:rPr>
+              <a:t>compose</a:t>
+            </a:r>
+            <a:r>
+              <a:rPr lang="en-IN" sz="1600" b="0" i="0" dirty="0">
+                <a:solidFill>
+                  <a:srgbClr val="000000"/>
+                </a:solidFill>
+                <a:effectLst/>
+                <a:latin typeface="Calibri" panose="020F0502020204030204" pitchFamily="34" charset="0"/>
+                <a:cs typeface="Calibri" panose="020F0502020204030204" pitchFamily="34" charset="0"/>
+              </a:rPr>
+              <a:t> method that allows us to combine several functions into one and execute them sequentially:</a:t>
+            </a:r>
+          </a:p>
+          <a:p>
+            <a:endParaRPr lang="en-IN" sz="1600" dirty="0">
+              <a:solidFill>
+                <a:srgbClr val="000000"/>
+              </a:solidFill>
+              <a:latin typeface="Calibri" panose="020F0502020204030204" pitchFamily="34" charset="0"/>
+              <a:cs typeface="Calibri" panose="020F0502020204030204" pitchFamily="34" charset="0"/>
+            </a:endParaRPr>
+          </a:p>
+          <a:p>
+            <a:pPr marL="400050" lvl="1" indent="0">
+              <a:buNone/>
+            </a:pPr>
+            <a:r>
+              <a:rPr lang="en-IN" sz="1600" dirty="0">
+                <a:latin typeface="Calibri" panose="020F0502020204030204" pitchFamily="34" charset="0"/>
+                <a:cs typeface="Calibri" panose="020F0502020204030204" pitchFamily="34" charset="0"/>
+              </a:rPr>
+              <a:t>Function&lt;Integer, String&gt; </a:t>
+            </a:r>
+            <a:r>
+              <a:rPr lang="en-IN" sz="1600" dirty="0" err="1">
+                <a:latin typeface="Calibri" panose="020F0502020204030204" pitchFamily="34" charset="0"/>
+                <a:cs typeface="Calibri" panose="020F0502020204030204" pitchFamily="34" charset="0"/>
+              </a:rPr>
+              <a:t>intToString</a:t>
+            </a:r>
+            <a:r>
+              <a:rPr lang="en-IN" sz="1600" dirty="0">
+                <a:latin typeface="Calibri" panose="020F0502020204030204" pitchFamily="34" charset="0"/>
+                <a:cs typeface="Calibri" panose="020F0502020204030204" pitchFamily="34" charset="0"/>
+              </a:rPr>
+              <a:t> = Object::</a:t>
+            </a:r>
+            <a:r>
+              <a:rPr lang="en-IN" sz="1600" dirty="0" err="1">
+                <a:latin typeface="Calibri" panose="020F0502020204030204" pitchFamily="34" charset="0"/>
+                <a:cs typeface="Calibri" panose="020F0502020204030204" pitchFamily="34" charset="0"/>
+              </a:rPr>
+              <a:t>toString</a:t>
+            </a:r>
+            <a:r>
+              <a:rPr lang="en-IN" sz="1600" dirty="0">
+                <a:latin typeface="Calibri" panose="020F0502020204030204" pitchFamily="34" charset="0"/>
+                <a:cs typeface="Calibri" panose="020F0502020204030204" pitchFamily="34" charset="0"/>
+              </a:rPr>
+              <a:t>;</a:t>
+            </a:r>
+          </a:p>
+          <a:p>
+            <a:pPr marL="400050" lvl="1" indent="0">
+              <a:buNone/>
+            </a:pPr>
+            <a:r>
+              <a:rPr lang="en-IN" sz="1600" dirty="0">
+                <a:latin typeface="Calibri" panose="020F0502020204030204" pitchFamily="34" charset="0"/>
+                <a:cs typeface="Calibri" panose="020F0502020204030204" pitchFamily="34" charset="0"/>
+              </a:rPr>
+              <a:t>Function&lt;String, String&gt; quote = s -&gt; "'" + s + "'";</a:t>
+            </a:r>
+          </a:p>
+          <a:p>
+            <a:pPr marL="400050" lvl="1" indent="0">
+              <a:buNone/>
+            </a:pPr>
+            <a:endParaRPr lang="en-IN" sz="1600" dirty="0">
+              <a:latin typeface="Calibri" panose="020F0502020204030204" pitchFamily="34" charset="0"/>
+              <a:cs typeface="Calibri" panose="020F0502020204030204" pitchFamily="34" charset="0"/>
+            </a:endParaRPr>
+          </a:p>
+          <a:p>
+            <a:pPr marL="400050" lvl="1" indent="0">
+              <a:buNone/>
+            </a:pPr>
+            <a:r>
+              <a:rPr lang="en-IN" sz="1600" dirty="0">
+                <a:latin typeface="Calibri" panose="020F0502020204030204" pitchFamily="34" charset="0"/>
+                <a:cs typeface="Calibri" panose="020F0502020204030204" pitchFamily="34" charset="0"/>
+              </a:rPr>
+              <a:t>Function&lt;Integer, String&gt; </a:t>
+            </a:r>
+            <a:r>
+              <a:rPr lang="en-IN" sz="1600" dirty="0" err="1">
+                <a:latin typeface="Calibri" panose="020F0502020204030204" pitchFamily="34" charset="0"/>
+                <a:cs typeface="Calibri" panose="020F0502020204030204" pitchFamily="34" charset="0"/>
+              </a:rPr>
+              <a:t>quoteIntToString</a:t>
+            </a:r>
+            <a:r>
+              <a:rPr lang="en-IN" sz="1600" dirty="0">
+                <a:latin typeface="Calibri" panose="020F0502020204030204" pitchFamily="34" charset="0"/>
+                <a:cs typeface="Calibri" panose="020F0502020204030204" pitchFamily="34" charset="0"/>
+              </a:rPr>
+              <a:t> = </a:t>
+            </a:r>
+            <a:r>
+              <a:rPr lang="en-IN" sz="1600" dirty="0" err="1">
+                <a:latin typeface="Calibri" panose="020F0502020204030204" pitchFamily="34" charset="0"/>
+                <a:cs typeface="Calibri" panose="020F0502020204030204" pitchFamily="34" charset="0"/>
+              </a:rPr>
+              <a:t>quote.compose</a:t>
+            </a:r>
+            <a:r>
+              <a:rPr lang="en-IN" sz="1600" dirty="0">
+                <a:latin typeface="Calibri" panose="020F0502020204030204" pitchFamily="34" charset="0"/>
+                <a:cs typeface="Calibri" panose="020F0502020204030204" pitchFamily="34" charset="0"/>
+              </a:rPr>
+              <a:t>(</a:t>
+            </a:r>
+            <a:r>
+              <a:rPr lang="en-IN" sz="1600" dirty="0" err="1">
+                <a:latin typeface="Calibri" panose="020F0502020204030204" pitchFamily="34" charset="0"/>
+                <a:cs typeface="Calibri" panose="020F0502020204030204" pitchFamily="34" charset="0"/>
+              </a:rPr>
+              <a:t>intToString</a:t>
+            </a:r>
+            <a:r>
+              <a:rPr lang="en-IN" sz="1600" dirty="0">
+                <a:latin typeface="Calibri" panose="020F0502020204030204" pitchFamily="34" charset="0"/>
+                <a:cs typeface="Calibri" panose="020F0502020204030204" pitchFamily="34" charset="0"/>
+              </a:rPr>
+              <a:t>);</a:t>
+            </a:r>
+          </a:p>
+          <a:p>
+            <a:pPr marL="400050" lvl="1" indent="0">
+              <a:buNone/>
+            </a:pPr>
+            <a:endParaRPr lang="en-IN" sz="1600" dirty="0">
+              <a:latin typeface="Calibri" panose="020F0502020204030204" pitchFamily="34" charset="0"/>
+              <a:cs typeface="Calibri" panose="020F0502020204030204" pitchFamily="34" charset="0"/>
+            </a:endParaRPr>
+          </a:p>
+          <a:p>
+            <a:pPr marL="400050" lvl="1" indent="0">
+              <a:buNone/>
+            </a:pPr>
+            <a:r>
+              <a:rPr lang="en-IN" sz="1600" dirty="0" err="1">
+                <a:latin typeface="Calibri" panose="020F0502020204030204" pitchFamily="34" charset="0"/>
+                <a:cs typeface="Calibri" panose="020F0502020204030204" pitchFamily="34" charset="0"/>
+              </a:rPr>
+              <a:t>System.out.println</a:t>
+            </a:r>
+            <a:r>
+              <a:rPr lang="en-IN" sz="1600" dirty="0">
+                <a:latin typeface="Calibri" panose="020F0502020204030204" pitchFamily="34" charset="0"/>
+                <a:cs typeface="Calibri" panose="020F0502020204030204" pitchFamily="34" charset="0"/>
+              </a:rPr>
+              <a:t>(</a:t>
+            </a:r>
+            <a:r>
+              <a:rPr lang="en-IN" sz="1600" dirty="0" err="1">
+                <a:latin typeface="Calibri" panose="020F0502020204030204" pitchFamily="34" charset="0"/>
+                <a:cs typeface="Calibri" panose="020F0502020204030204" pitchFamily="34" charset="0"/>
+              </a:rPr>
+              <a:t>quoteIntToString.apply</a:t>
+            </a:r>
+            <a:r>
+              <a:rPr lang="en-IN" sz="1600" dirty="0">
+                <a:latin typeface="Calibri" panose="020F0502020204030204" pitchFamily="34" charset="0"/>
+                <a:cs typeface="Calibri" panose="020F0502020204030204" pitchFamily="34" charset="0"/>
+              </a:rPr>
+              <a:t>(5)));</a:t>
+            </a:r>
+          </a:p>
+        </p:txBody>
+      </p:sp>
     </p:spTree>
     <p:extLst>
       <p:ext uri="{BB962C8B-B14F-4D97-AF65-F5344CB8AC3E}">
-        <p14:creationId xmlns:p14="http://schemas.microsoft.com/office/powerpoint/2010/main" val="547422449"/>
+        <p14:creationId xmlns:p14="http://schemas.microsoft.com/office/powerpoint/2010/main" val="1254354534"/>
+      </p:ext>
+    </p:extLst>
+  </p:cSld>
+  <p:clrMapOvr>
+    <a:masterClrMapping/>
+  </p:clrMapOvr>
+</p:sld>
+</file>
+
+<file path=ppt/slides/slide26.xml><?xml version="1.0" encoding="utf-8"?>
+<p:sld xmlns:a="http://schemas.openxmlformats.org/drawingml/2006/main" xmlns:r="http://schemas.openxmlformats.org/officeDocument/2006/relationships" xmlns:p="http://schemas.openxmlformats.org/presentationml/2006/main">
+  <p:cSld>
+    <p:spTree>
+      <p:nvGrpSpPr>
+        <p:cNvPr id="1" name=""/>
+        <p:cNvGrpSpPr/>
+        <p:nvPr/>
+      </p:nvGrpSpPr>
+      <p:grpSpPr>
+        <a:xfrm>
+          <a:off x="0" y="0"/>
+          <a:ext cx="0" cy="0"/>
+          <a:chOff x="0" y="0"/>
+          <a:chExt cx="0" cy="0"/>
+        </a:xfrm>
+      </p:grpSpPr>
+      <p:sp>
+        <p:nvSpPr>
+          <p:cNvPr id="2" name="Title 1"/>
+          <p:cNvSpPr>
+            <a:spLocks noGrp="1"/>
+          </p:cNvSpPr>
+          <p:nvPr>
+            <p:ph type="title"/>
+          </p:nvPr>
+        </p:nvSpPr>
+        <p:spPr/>
+        <p:txBody>
+          <a:bodyPr/>
+          <a:lstStyle/>
+          <a:p>
+            <a:r>
+              <a:rPr lang="en-US" sz="2400" dirty="0"/>
+              <a:t>Compose in Function</a:t>
+            </a:r>
+            <a:endParaRPr lang="en-IN" sz="2400" dirty="0">
+              <a:latin typeface="Arial" panose="020B0604020202020204" pitchFamily="34" charset="0"/>
+              <a:cs typeface="Arial" panose="020B0604020202020204" pitchFamily="34" charset="0"/>
+            </a:endParaRPr>
+          </a:p>
+        </p:txBody>
+      </p:sp>
+      <p:sp>
+        <p:nvSpPr>
+          <p:cNvPr id="3" name="Text Placeholder 2"/>
+          <p:cNvSpPr>
+            <a:spLocks noGrp="1"/>
+          </p:cNvSpPr>
+          <p:nvPr>
+            <p:ph type="body" sz="quarter" idx="10"/>
+          </p:nvPr>
+        </p:nvSpPr>
+        <p:spPr/>
+        <p:txBody>
+          <a:bodyPr>
+            <a:normAutofit/>
+          </a:bodyPr>
+          <a:lstStyle/>
+          <a:p>
+            <a:r>
+              <a:rPr lang="en-IN" sz="1600" b="0" i="1" dirty="0">
+                <a:solidFill>
+                  <a:srgbClr val="000000"/>
+                </a:solidFill>
+                <a:effectLst/>
+                <a:latin typeface="Calibri" panose="020F0502020204030204" pitchFamily="34" charset="0"/>
+                <a:cs typeface="Calibri" panose="020F0502020204030204" pitchFamily="34" charset="0"/>
+              </a:rPr>
+              <a:t>compose</a:t>
+            </a:r>
+            <a:r>
+              <a:rPr lang="en-IN" sz="1600" b="0" i="0" dirty="0">
+                <a:solidFill>
+                  <a:srgbClr val="000000"/>
+                </a:solidFill>
+                <a:effectLst/>
+                <a:latin typeface="Calibri" panose="020F0502020204030204" pitchFamily="34" charset="0"/>
+                <a:cs typeface="Calibri" panose="020F0502020204030204" pitchFamily="34" charset="0"/>
+              </a:rPr>
+              <a:t> method that allows us to combine several functions into one and execute them sequentially:</a:t>
+            </a:r>
+          </a:p>
+          <a:p>
+            <a:endParaRPr lang="en-IN" sz="1600" dirty="0">
+              <a:solidFill>
+                <a:srgbClr val="000000"/>
+              </a:solidFill>
+              <a:latin typeface="Calibri" panose="020F0502020204030204" pitchFamily="34" charset="0"/>
+              <a:cs typeface="Calibri" panose="020F0502020204030204" pitchFamily="34" charset="0"/>
+            </a:endParaRPr>
+          </a:p>
+          <a:p>
+            <a:r>
+              <a:rPr lang="en-IN" sz="1600" dirty="0">
+                <a:latin typeface="Calibri" panose="020F0502020204030204" pitchFamily="34" charset="0"/>
+                <a:cs typeface="Calibri" panose="020F0502020204030204" pitchFamily="34" charset="0"/>
+              </a:rPr>
+              <a:t>The </a:t>
+            </a:r>
+            <a:r>
+              <a:rPr lang="en-IN" sz="1600" dirty="0" err="1">
+                <a:latin typeface="Calibri" panose="020F0502020204030204" pitchFamily="34" charset="0"/>
+                <a:cs typeface="Calibri" panose="020F0502020204030204" pitchFamily="34" charset="0"/>
+              </a:rPr>
+              <a:t>quoteIntToString</a:t>
+            </a:r>
+            <a:r>
+              <a:rPr lang="en-IN" sz="1600" dirty="0">
+                <a:latin typeface="Calibri" panose="020F0502020204030204" pitchFamily="34" charset="0"/>
+                <a:cs typeface="Calibri" panose="020F0502020204030204" pitchFamily="34" charset="0"/>
+              </a:rPr>
+              <a:t> function is a combination of the quote function applied to a result of the </a:t>
+            </a:r>
+            <a:r>
+              <a:rPr lang="en-IN" sz="1600" dirty="0" err="1">
+                <a:latin typeface="Calibri" panose="020F0502020204030204" pitchFamily="34" charset="0"/>
+                <a:cs typeface="Calibri" panose="020F0502020204030204" pitchFamily="34" charset="0"/>
+              </a:rPr>
+              <a:t>intToString</a:t>
+            </a:r>
+            <a:r>
+              <a:rPr lang="en-IN" sz="1600" dirty="0">
+                <a:latin typeface="Calibri" panose="020F0502020204030204" pitchFamily="34" charset="0"/>
+                <a:cs typeface="Calibri" panose="020F0502020204030204" pitchFamily="34" charset="0"/>
+              </a:rPr>
+              <a:t> function.</a:t>
+            </a:r>
+          </a:p>
+          <a:p>
+            <a:endParaRPr lang="en-IN" sz="1600" b="0" i="0" dirty="0">
+              <a:solidFill>
+                <a:srgbClr val="000000"/>
+              </a:solidFill>
+              <a:effectLst/>
+              <a:latin typeface="Calibri" panose="020F0502020204030204" pitchFamily="34" charset="0"/>
+              <a:cs typeface="Calibri" panose="020F0502020204030204" pitchFamily="34" charset="0"/>
+            </a:endParaRPr>
+          </a:p>
+          <a:p>
+            <a:endParaRPr lang="en-IN" sz="1600" dirty="0">
+              <a:solidFill>
+                <a:srgbClr val="000000"/>
+              </a:solidFill>
+              <a:latin typeface="Calibri" panose="020F0502020204030204" pitchFamily="34" charset="0"/>
+              <a:cs typeface="Calibri" panose="020F0502020204030204" pitchFamily="34" charset="0"/>
+            </a:endParaRPr>
+          </a:p>
+          <a:p>
+            <a:pPr marL="400050" lvl="1" indent="0">
+              <a:buNone/>
+            </a:pPr>
+            <a:r>
+              <a:rPr lang="en-IN" sz="1600" dirty="0">
+                <a:latin typeface="Calibri" panose="020F0502020204030204" pitchFamily="34" charset="0"/>
+                <a:cs typeface="Calibri" panose="020F0502020204030204" pitchFamily="34" charset="0"/>
+              </a:rPr>
+              <a:t>Function&lt;Integer, String&gt; </a:t>
+            </a:r>
+            <a:r>
+              <a:rPr lang="en-IN" sz="1600" dirty="0" err="1">
+                <a:latin typeface="Calibri" panose="020F0502020204030204" pitchFamily="34" charset="0"/>
+                <a:cs typeface="Calibri" panose="020F0502020204030204" pitchFamily="34" charset="0"/>
+              </a:rPr>
+              <a:t>intToString</a:t>
+            </a:r>
+            <a:r>
+              <a:rPr lang="en-IN" sz="1600" dirty="0">
+                <a:latin typeface="Calibri" panose="020F0502020204030204" pitchFamily="34" charset="0"/>
+                <a:cs typeface="Calibri" panose="020F0502020204030204" pitchFamily="34" charset="0"/>
+              </a:rPr>
+              <a:t> = Object::</a:t>
+            </a:r>
+            <a:r>
+              <a:rPr lang="en-IN" sz="1600" dirty="0" err="1">
+                <a:latin typeface="Calibri" panose="020F0502020204030204" pitchFamily="34" charset="0"/>
+                <a:cs typeface="Calibri" panose="020F0502020204030204" pitchFamily="34" charset="0"/>
+              </a:rPr>
+              <a:t>toString</a:t>
+            </a:r>
+            <a:r>
+              <a:rPr lang="en-IN" sz="1600" dirty="0">
+                <a:latin typeface="Calibri" panose="020F0502020204030204" pitchFamily="34" charset="0"/>
+                <a:cs typeface="Calibri" panose="020F0502020204030204" pitchFamily="34" charset="0"/>
+              </a:rPr>
+              <a:t>;</a:t>
+            </a:r>
+          </a:p>
+          <a:p>
+            <a:pPr marL="400050" lvl="1" indent="0">
+              <a:buNone/>
+            </a:pPr>
+            <a:r>
+              <a:rPr lang="en-IN" sz="1600" dirty="0">
+                <a:latin typeface="Calibri" panose="020F0502020204030204" pitchFamily="34" charset="0"/>
+                <a:cs typeface="Calibri" panose="020F0502020204030204" pitchFamily="34" charset="0"/>
+              </a:rPr>
+              <a:t>Function&lt;String, String&gt; quote = s -&gt; "'" + s + "'";</a:t>
+            </a:r>
+          </a:p>
+          <a:p>
+            <a:pPr marL="400050" lvl="1" indent="0">
+              <a:buNone/>
+            </a:pPr>
+            <a:endParaRPr lang="en-IN" sz="1600" dirty="0">
+              <a:latin typeface="Calibri" panose="020F0502020204030204" pitchFamily="34" charset="0"/>
+              <a:cs typeface="Calibri" panose="020F0502020204030204" pitchFamily="34" charset="0"/>
+            </a:endParaRPr>
+          </a:p>
+          <a:p>
+            <a:pPr marL="400050" lvl="1" indent="0">
+              <a:buNone/>
+            </a:pPr>
+            <a:r>
+              <a:rPr lang="en-IN" sz="1600" dirty="0">
+                <a:latin typeface="Calibri" panose="020F0502020204030204" pitchFamily="34" charset="0"/>
+                <a:cs typeface="Calibri" panose="020F0502020204030204" pitchFamily="34" charset="0"/>
+              </a:rPr>
+              <a:t>Function&lt;Integer, String&gt; </a:t>
+            </a:r>
+            <a:r>
+              <a:rPr lang="en-IN" sz="1600" dirty="0" err="1">
+                <a:latin typeface="Calibri" panose="020F0502020204030204" pitchFamily="34" charset="0"/>
+                <a:cs typeface="Calibri" panose="020F0502020204030204" pitchFamily="34" charset="0"/>
+              </a:rPr>
+              <a:t>quoteIntToString</a:t>
+            </a:r>
+            <a:r>
+              <a:rPr lang="en-IN" sz="1600" dirty="0">
+                <a:latin typeface="Calibri" panose="020F0502020204030204" pitchFamily="34" charset="0"/>
+                <a:cs typeface="Calibri" panose="020F0502020204030204" pitchFamily="34" charset="0"/>
+              </a:rPr>
+              <a:t> = </a:t>
+            </a:r>
+            <a:r>
+              <a:rPr lang="en-IN" sz="1600" dirty="0" err="1">
+                <a:latin typeface="Calibri" panose="020F0502020204030204" pitchFamily="34" charset="0"/>
+                <a:cs typeface="Calibri" panose="020F0502020204030204" pitchFamily="34" charset="0"/>
+              </a:rPr>
+              <a:t>quote.compose</a:t>
+            </a:r>
+            <a:r>
+              <a:rPr lang="en-IN" sz="1600" dirty="0">
+                <a:latin typeface="Calibri" panose="020F0502020204030204" pitchFamily="34" charset="0"/>
+                <a:cs typeface="Calibri" panose="020F0502020204030204" pitchFamily="34" charset="0"/>
+              </a:rPr>
+              <a:t>(</a:t>
+            </a:r>
+            <a:r>
+              <a:rPr lang="en-IN" sz="1600" dirty="0" err="1">
+                <a:latin typeface="Calibri" panose="020F0502020204030204" pitchFamily="34" charset="0"/>
+                <a:cs typeface="Calibri" panose="020F0502020204030204" pitchFamily="34" charset="0"/>
+              </a:rPr>
+              <a:t>intToString</a:t>
+            </a:r>
+            <a:r>
+              <a:rPr lang="en-IN" sz="1600" dirty="0">
+                <a:latin typeface="Calibri" panose="020F0502020204030204" pitchFamily="34" charset="0"/>
+                <a:cs typeface="Calibri" panose="020F0502020204030204" pitchFamily="34" charset="0"/>
+              </a:rPr>
+              <a:t>);</a:t>
+            </a:r>
+          </a:p>
+          <a:p>
+            <a:pPr marL="400050" lvl="1" indent="0">
+              <a:buNone/>
+            </a:pPr>
+            <a:endParaRPr lang="en-IN" sz="1600" dirty="0">
+              <a:latin typeface="Calibri" panose="020F0502020204030204" pitchFamily="34" charset="0"/>
+              <a:cs typeface="Calibri" panose="020F0502020204030204" pitchFamily="34" charset="0"/>
+            </a:endParaRPr>
+          </a:p>
+          <a:p>
+            <a:pPr marL="400050" lvl="1" indent="0">
+              <a:buNone/>
+            </a:pPr>
+            <a:r>
+              <a:rPr lang="en-IN" sz="1600" dirty="0" err="1">
+                <a:latin typeface="Calibri" panose="020F0502020204030204" pitchFamily="34" charset="0"/>
+                <a:cs typeface="Calibri" panose="020F0502020204030204" pitchFamily="34" charset="0"/>
+              </a:rPr>
+              <a:t>System.out.println</a:t>
+            </a:r>
+            <a:r>
+              <a:rPr lang="en-IN" sz="1600" dirty="0">
+                <a:latin typeface="Calibri" panose="020F0502020204030204" pitchFamily="34" charset="0"/>
+                <a:cs typeface="Calibri" panose="020F0502020204030204" pitchFamily="34" charset="0"/>
+              </a:rPr>
+              <a:t>(</a:t>
+            </a:r>
+            <a:r>
+              <a:rPr lang="en-IN" sz="1600" dirty="0" err="1">
+                <a:latin typeface="Calibri" panose="020F0502020204030204" pitchFamily="34" charset="0"/>
+                <a:cs typeface="Calibri" panose="020F0502020204030204" pitchFamily="34" charset="0"/>
+              </a:rPr>
+              <a:t>quoteIntToString.apply</a:t>
+            </a:r>
+            <a:r>
+              <a:rPr lang="en-IN" sz="1600" dirty="0">
+                <a:latin typeface="Calibri" panose="020F0502020204030204" pitchFamily="34" charset="0"/>
+                <a:cs typeface="Calibri" panose="020F0502020204030204" pitchFamily="34" charset="0"/>
+              </a:rPr>
+              <a:t>(5)));</a:t>
+            </a:r>
+          </a:p>
+          <a:p>
+            <a:pPr marL="400050" lvl="1" indent="0">
+              <a:buNone/>
+            </a:pPr>
+            <a:endParaRPr lang="en-IN" sz="1600" dirty="0">
+              <a:latin typeface="Calibri" panose="020F0502020204030204" pitchFamily="34" charset="0"/>
+              <a:cs typeface="Calibri" panose="020F0502020204030204" pitchFamily="34" charset="0"/>
+            </a:endParaRPr>
+          </a:p>
+        </p:txBody>
+      </p:sp>
+    </p:spTree>
+    <p:extLst>
+      <p:ext uri="{BB962C8B-B14F-4D97-AF65-F5344CB8AC3E}">
+        <p14:creationId xmlns:p14="http://schemas.microsoft.com/office/powerpoint/2010/main" val="3139640368"/>
+      </p:ext>
+    </p:extLst>
+  </p:cSld>
+  <p:clrMapOvr>
+    <a:masterClrMapping/>
+  </p:clrMapOvr>
+</p:sld>
+</file>
+
+<file path=ppt/slides/slide27.xml><?xml version="1.0" encoding="utf-8"?>
+<p:sld xmlns:a="http://schemas.openxmlformats.org/drawingml/2006/main" xmlns:r="http://schemas.openxmlformats.org/officeDocument/2006/relationships" xmlns:p="http://schemas.openxmlformats.org/presentationml/2006/main">
+  <p:cSld>
+    <p:spTree>
+      <p:nvGrpSpPr>
+        <p:cNvPr id="1" name=""/>
+        <p:cNvGrpSpPr/>
+        <p:nvPr/>
+      </p:nvGrpSpPr>
+      <p:grpSpPr>
+        <a:xfrm>
+          <a:off x="0" y="0"/>
+          <a:ext cx="0" cy="0"/>
+          <a:chOff x="0" y="0"/>
+          <a:chExt cx="0" cy="0"/>
+        </a:xfrm>
+      </p:grpSpPr>
+      <p:sp>
+        <p:nvSpPr>
+          <p:cNvPr id="2" name="Title 1"/>
+          <p:cNvSpPr>
+            <a:spLocks noGrp="1"/>
+          </p:cNvSpPr>
+          <p:nvPr>
+            <p:ph type="title"/>
+          </p:nvPr>
+        </p:nvSpPr>
+        <p:spPr/>
+        <p:txBody>
+          <a:bodyPr/>
+          <a:lstStyle/>
+          <a:p>
+            <a:r>
+              <a:rPr lang="en-US" sz="2400" dirty="0"/>
+              <a:t>Primitive Functions </a:t>
+            </a:r>
+            <a:endParaRPr lang="en-IN" sz="2400" dirty="0">
+              <a:latin typeface="Arial" panose="020B0604020202020204" pitchFamily="34" charset="0"/>
+              <a:cs typeface="Arial" panose="020B0604020202020204" pitchFamily="34" charset="0"/>
+            </a:endParaRPr>
+          </a:p>
+        </p:txBody>
+      </p:sp>
+      <p:sp>
+        <p:nvSpPr>
+          <p:cNvPr id="3" name="Text Placeholder 2"/>
+          <p:cNvSpPr>
+            <a:spLocks noGrp="1"/>
+          </p:cNvSpPr>
+          <p:nvPr>
+            <p:ph type="body" sz="quarter" idx="10"/>
+          </p:nvPr>
+        </p:nvSpPr>
+        <p:spPr/>
+        <p:txBody>
+          <a:bodyPr>
+            <a:normAutofit/>
+          </a:bodyPr>
+          <a:lstStyle/>
+          <a:p>
+            <a:pPr algn="l"/>
+            <a:r>
+              <a:rPr lang="en-IN" sz="1600" b="0" i="0" dirty="0">
+                <a:solidFill>
+                  <a:srgbClr val="000000"/>
+                </a:solidFill>
+                <a:effectLst/>
+                <a:latin typeface="Calibri" panose="020F0502020204030204" pitchFamily="34" charset="0"/>
+                <a:cs typeface="Calibri" panose="020F0502020204030204" pitchFamily="34" charset="0"/>
+              </a:rPr>
+              <a:t>Since a primitive type can’t be a generic type argument, there are versions of the </a:t>
+            </a:r>
+            <a:r>
+              <a:rPr lang="en-IN" sz="1600" b="0" i="1" dirty="0">
+                <a:solidFill>
+                  <a:srgbClr val="000000"/>
+                </a:solidFill>
+                <a:effectLst/>
+                <a:latin typeface="Calibri" panose="020F0502020204030204" pitchFamily="34" charset="0"/>
+                <a:cs typeface="Calibri" panose="020F0502020204030204" pitchFamily="34" charset="0"/>
+              </a:rPr>
+              <a:t>Function</a:t>
+            </a:r>
+            <a:r>
+              <a:rPr lang="en-IN" sz="1600" b="0" i="0" dirty="0">
+                <a:solidFill>
+                  <a:srgbClr val="000000"/>
+                </a:solidFill>
+                <a:effectLst/>
+                <a:latin typeface="Calibri" panose="020F0502020204030204" pitchFamily="34" charset="0"/>
+                <a:cs typeface="Calibri" panose="020F0502020204030204" pitchFamily="34" charset="0"/>
+              </a:rPr>
+              <a:t> interface for the most used primitive types </a:t>
+            </a:r>
+            <a:r>
+              <a:rPr lang="en-IN" sz="1600" b="0" i="1" dirty="0">
+                <a:solidFill>
+                  <a:srgbClr val="000000"/>
+                </a:solidFill>
+                <a:effectLst/>
+                <a:latin typeface="Calibri" panose="020F0502020204030204" pitchFamily="34" charset="0"/>
+                <a:cs typeface="Calibri" panose="020F0502020204030204" pitchFamily="34" charset="0"/>
+              </a:rPr>
+              <a:t>double</a:t>
+            </a:r>
+            <a:r>
+              <a:rPr lang="en-IN" sz="1600" b="0" i="0" dirty="0">
+                <a:solidFill>
+                  <a:srgbClr val="000000"/>
+                </a:solidFill>
+                <a:effectLst/>
+                <a:latin typeface="Calibri" panose="020F0502020204030204" pitchFamily="34" charset="0"/>
+                <a:cs typeface="Calibri" panose="020F0502020204030204" pitchFamily="34" charset="0"/>
+              </a:rPr>
+              <a:t>,</a:t>
+            </a:r>
+            <a:r>
+              <a:rPr lang="en-IN" sz="1600" b="0" i="1" dirty="0">
+                <a:solidFill>
+                  <a:srgbClr val="000000"/>
+                </a:solidFill>
+                <a:effectLst/>
+                <a:latin typeface="Calibri" panose="020F0502020204030204" pitchFamily="34" charset="0"/>
+                <a:cs typeface="Calibri" panose="020F0502020204030204" pitchFamily="34" charset="0"/>
+              </a:rPr>
+              <a:t> int</a:t>
+            </a:r>
+            <a:r>
+              <a:rPr lang="en-IN" sz="1600" b="0" i="0" dirty="0">
+                <a:solidFill>
+                  <a:srgbClr val="000000"/>
+                </a:solidFill>
+                <a:effectLst/>
+                <a:latin typeface="Calibri" panose="020F0502020204030204" pitchFamily="34" charset="0"/>
+                <a:cs typeface="Calibri" panose="020F0502020204030204" pitchFamily="34" charset="0"/>
+              </a:rPr>
+              <a:t>, </a:t>
+            </a:r>
+            <a:r>
+              <a:rPr lang="en-IN" sz="1600" b="0" i="1" dirty="0">
+                <a:solidFill>
+                  <a:srgbClr val="000000"/>
+                </a:solidFill>
+                <a:effectLst/>
+                <a:latin typeface="Calibri" panose="020F0502020204030204" pitchFamily="34" charset="0"/>
+                <a:cs typeface="Calibri" panose="020F0502020204030204" pitchFamily="34" charset="0"/>
+              </a:rPr>
+              <a:t>long</a:t>
+            </a:r>
+            <a:r>
+              <a:rPr lang="en-IN" sz="1600" b="0" i="0" dirty="0">
+                <a:solidFill>
+                  <a:srgbClr val="000000"/>
+                </a:solidFill>
+                <a:effectLst/>
+                <a:latin typeface="Calibri" panose="020F0502020204030204" pitchFamily="34" charset="0"/>
+                <a:cs typeface="Calibri" panose="020F0502020204030204" pitchFamily="34" charset="0"/>
+              </a:rPr>
+              <a:t>, and their combinations in argument and return types:</a:t>
+            </a:r>
+          </a:p>
+          <a:p>
+            <a:pPr lvl="1"/>
+            <a:r>
+              <a:rPr lang="en-IN" sz="1600" b="0" i="1" dirty="0" err="1">
+                <a:solidFill>
+                  <a:srgbClr val="000000"/>
+                </a:solidFill>
+                <a:effectLst/>
+                <a:latin typeface="Calibri" panose="020F0502020204030204" pitchFamily="34" charset="0"/>
+                <a:cs typeface="Calibri" panose="020F0502020204030204" pitchFamily="34" charset="0"/>
+              </a:rPr>
+              <a:t>IntFunction</a:t>
+            </a:r>
+            <a:r>
+              <a:rPr lang="en-IN" sz="1600" b="0" i="0" dirty="0">
+                <a:solidFill>
+                  <a:srgbClr val="000000"/>
+                </a:solidFill>
+                <a:effectLst/>
+                <a:latin typeface="Calibri" panose="020F0502020204030204" pitchFamily="34" charset="0"/>
+                <a:cs typeface="Calibri" panose="020F0502020204030204" pitchFamily="34" charset="0"/>
+              </a:rPr>
+              <a:t>, </a:t>
+            </a:r>
+            <a:r>
+              <a:rPr lang="en-IN" sz="1600" b="0" i="1" dirty="0" err="1">
+                <a:solidFill>
+                  <a:srgbClr val="000000"/>
+                </a:solidFill>
+                <a:effectLst/>
+                <a:latin typeface="Calibri" panose="020F0502020204030204" pitchFamily="34" charset="0"/>
+                <a:cs typeface="Calibri" panose="020F0502020204030204" pitchFamily="34" charset="0"/>
+              </a:rPr>
+              <a:t>LongFunction</a:t>
+            </a:r>
+            <a:r>
+              <a:rPr lang="en-IN" sz="1600" b="0" i="0" dirty="0">
+                <a:solidFill>
+                  <a:srgbClr val="000000"/>
+                </a:solidFill>
+                <a:effectLst/>
+                <a:latin typeface="Calibri" panose="020F0502020204030204" pitchFamily="34" charset="0"/>
+                <a:cs typeface="Calibri" panose="020F0502020204030204" pitchFamily="34" charset="0"/>
+              </a:rPr>
+              <a:t>, </a:t>
+            </a:r>
+            <a:r>
+              <a:rPr lang="en-IN" sz="1600" b="0" i="1" dirty="0" err="1">
+                <a:solidFill>
+                  <a:srgbClr val="000000"/>
+                </a:solidFill>
+                <a:effectLst/>
+                <a:latin typeface="Calibri" panose="020F0502020204030204" pitchFamily="34" charset="0"/>
+                <a:cs typeface="Calibri" panose="020F0502020204030204" pitchFamily="34" charset="0"/>
+              </a:rPr>
+              <a:t>DoubleFunction</a:t>
+            </a:r>
+            <a:r>
+              <a:rPr lang="en-IN" sz="1600" b="0" i="1" dirty="0">
+                <a:solidFill>
+                  <a:srgbClr val="000000"/>
+                </a:solidFill>
+                <a:effectLst/>
+                <a:latin typeface="Calibri" panose="020F0502020204030204" pitchFamily="34" charset="0"/>
+                <a:cs typeface="Calibri" panose="020F0502020204030204" pitchFamily="34" charset="0"/>
+              </a:rPr>
+              <a:t>: </a:t>
+            </a:r>
+            <a:r>
+              <a:rPr lang="en-IN" sz="1600" b="0" i="0" dirty="0">
+                <a:solidFill>
+                  <a:srgbClr val="000000"/>
+                </a:solidFill>
+                <a:effectLst/>
+                <a:latin typeface="Calibri" panose="020F0502020204030204" pitchFamily="34" charset="0"/>
+                <a:cs typeface="Calibri" panose="020F0502020204030204" pitchFamily="34" charset="0"/>
+              </a:rPr>
+              <a:t>arguments are of specified type, return type is parameterized</a:t>
+            </a:r>
+          </a:p>
+          <a:p>
+            <a:pPr lvl="1"/>
+            <a:endParaRPr lang="en-IN" sz="1600" b="0" i="1" dirty="0">
+              <a:solidFill>
+                <a:srgbClr val="000000"/>
+              </a:solidFill>
+              <a:effectLst/>
+              <a:latin typeface="Calibri" panose="020F0502020204030204" pitchFamily="34" charset="0"/>
+              <a:cs typeface="Calibri" panose="020F0502020204030204" pitchFamily="34" charset="0"/>
+            </a:endParaRPr>
+          </a:p>
+          <a:p>
+            <a:pPr lvl="1"/>
+            <a:r>
+              <a:rPr lang="en-IN" sz="1600" b="0" i="1" dirty="0" err="1">
+                <a:solidFill>
+                  <a:srgbClr val="000000"/>
+                </a:solidFill>
+                <a:effectLst/>
+                <a:latin typeface="Calibri" panose="020F0502020204030204" pitchFamily="34" charset="0"/>
+                <a:cs typeface="Calibri" panose="020F0502020204030204" pitchFamily="34" charset="0"/>
+              </a:rPr>
+              <a:t>ToIntFunction</a:t>
+            </a:r>
+            <a:r>
+              <a:rPr lang="en-IN" sz="1600" b="0" i="0" dirty="0">
+                <a:solidFill>
+                  <a:srgbClr val="000000"/>
+                </a:solidFill>
+                <a:effectLst/>
+                <a:latin typeface="Calibri" panose="020F0502020204030204" pitchFamily="34" charset="0"/>
+                <a:cs typeface="Calibri" panose="020F0502020204030204" pitchFamily="34" charset="0"/>
+              </a:rPr>
+              <a:t>, </a:t>
+            </a:r>
+            <a:r>
+              <a:rPr lang="en-IN" sz="1600" b="0" i="1" dirty="0" err="1">
+                <a:solidFill>
+                  <a:srgbClr val="000000"/>
+                </a:solidFill>
+                <a:effectLst/>
+                <a:latin typeface="Calibri" panose="020F0502020204030204" pitchFamily="34" charset="0"/>
+                <a:cs typeface="Calibri" panose="020F0502020204030204" pitchFamily="34" charset="0"/>
+              </a:rPr>
+              <a:t>ToLongFunction</a:t>
+            </a:r>
+            <a:r>
+              <a:rPr lang="en-IN" sz="1600" b="0" i="0" dirty="0">
+                <a:solidFill>
+                  <a:srgbClr val="000000"/>
+                </a:solidFill>
+                <a:effectLst/>
+                <a:latin typeface="Calibri" panose="020F0502020204030204" pitchFamily="34" charset="0"/>
+                <a:cs typeface="Calibri" panose="020F0502020204030204" pitchFamily="34" charset="0"/>
+              </a:rPr>
+              <a:t>, </a:t>
+            </a:r>
+            <a:r>
+              <a:rPr lang="en-IN" sz="1600" b="0" i="1" dirty="0" err="1">
+                <a:solidFill>
+                  <a:srgbClr val="000000"/>
+                </a:solidFill>
+                <a:effectLst/>
+                <a:latin typeface="Calibri" panose="020F0502020204030204" pitchFamily="34" charset="0"/>
+                <a:cs typeface="Calibri" panose="020F0502020204030204" pitchFamily="34" charset="0"/>
+              </a:rPr>
+              <a:t>ToDoubleFunction</a:t>
+            </a:r>
+            <a:r>
+              <a:rPr lang="en-IN" sz="1600" b="0" i="1" dirty="0">
+                <a:solidFill>
+                  <a:srgbClr val="000000"/>
+                </a:solidFill>
+                <a:effectLst/>
+                <a:latin typeface="Calibri" panose="020F0502020204030204" pitchFamily="34" charset="0"/>
+                <a:cs typeface="Calibri" panose="020F0502020204030204" pitchFamily="34" charset="0"/>
+              </a:rPr>
+              <a:t>: </a:t>
+            </a:r>
+            <a:r>
+              <a:rPr lang="en-IN" sz="1600" b="0" i="0" dirty="0">
+                <a:solidFill>
+                  <a:srgbClr val="000000"/>
+                </a:solidFill>
+                <a:effectLst/>
+                <a:latin typeface="Calibri" panose="020F0502020204030204" pitchFamily="34" charset="0"/>
+                <a:cs typeface="Calibri" panose="020F0502020204030204" pitchFamily="34" charset="0"/>
+              </a:rPr>
+              <a:t>return type is of specified type, arguments are parameterized</a:t>
+            </a:r>
+          </a:p>
+          <a:p>
+            <a:pPr lvl="1"/>
+            <a:endParaRPr lang="en-IN" sz="1600" b="0" i="0" dirty="0">
+              <a:solidFill>
+                <a:srgbClr val="000000"/>
+              </a:solidFill>
+              <a:effectLst/>
+              <a:latin typeface="Calibri" panose="020F0502020204030204" pitchFamily="34" charset="0"/>
+              <a:cs typeface="Calibri" panose="020F0502020204030204" pitchFamily="34" charset="0"/>
+            </a:endParaRPr>
+          </a:p>
+          <a:p>
+            <a:pPr lvl="1"/>
+            <a:r>
+              <a:rPr lang="en-IN" sz="1600" b="0" i="1" dirty="0" err="1">
+                <a:solidFill>
+                  <a:srgbClr val="000000"/>
+                </a:solidFill>
+                <a:effectLst/>
+                <a:latin typeface="Calibri" panose="020F0502020204030204" pitchFamily="34" charset="0"/>
+                <a:cs typeface="Calibri" panose="020F0502020204030204" pitchFamily="34" charset="0"/>
+              </a:rPr>
+              <a:t>DoubleToIntFunction</a:t>
+            </a:r>
+            <a:r>
+              <a:rPr lang="en-IN" sz="1600" b="0" i="0" dirty="0">
+                <a:solidFill>
+                  <a:srgbClr val="000000"/>
+                </a:solidFill>
+                <a:effectLst/>
+                <a:latin typeface="Calibri" panose="020F0502020204030204" pitchFamily="34" charset="0"/>
+                <a:cs typeface="Calibri" panose="020F0502020204030204" pitchFamily="34" charset="0"/>
+              </a:rPr>
+              <a:t>, </a:t>
+            </a:r>
+            <a:r>
+              <a:rPr lang="en-IN" sz="1600" b="0" i="1" dirty="0" err="1">
+                <a:solidFill>
+                  <a:srgbClr val="000000"/>
+                </a:solidFill>
+                <a:effectLst/>
+                <a:latin typeface="Calibri" panose="020F0502020204030204" pitchFamily="34" charset="0"/>
+                <a:cs typeface="Calibri" panose="020F0502020204030204" pitchFamily="34" charset="0"/>
+              </a:rPr>
+              <a:t>DoubleToLongFunction</a:t>
+            </a:r>
+            <a:r>
+              <a:rPr lang="en-IN" sz="1600" b="0" i="0" dirty="0">
+                <a:solidFill>
+                  <a:srgbClr val="000000"/>
+                </a:solidFill>
+                <a:effectLst/>
+                <a:latin typeface="Calibri" panose="020F0502020204030204" pitchFamily="34" charset="0"/>
+                <a:cs typeface="Calibri" panose="020F0502020204030204" pitchFamily="34" charset="0"/>
+              </a:rPr>
+              <a:t>, </a:t>
+            </a:r>
+            <a:r>
+              <a:rPr lang="en-IN" sz="1600" b="0" i="1" dirty="0" err="1">
+                <a:solidFill>
+                  <a:srgbClr val="000000"/>
+                </a:solidFill>
+                <a:effectLst/>
+                <a:latin typeface="Calibri" panose="020F0502020204030204" pitchFamily="34" charset="0"/>
+                <a:cs typeface="Calibri" panose="020F0502020204030204" pitchFamily="34" charset="0"/>
+              </a:rPr>
+              <a:t>IntToDoubleFunction</a:t>
+            </a:r>
+            <a:r>
+              <a:rPr lang="en-IN" sz="1600" b="0" i="0" dirty="0">
+                <a:solidFill>
+                  <a:srgbClr val="000000"/>
+                </a:solidFill>
+                <a:effectLst/>
+                <a:latin typeface="Calibri" panose="020F0502020204030204" pitchFamily="34" charset="0"/>
+                <a:cs typeface="Calibri" panose="020F0502020204030204" pitchFamily="34" charset="0"/>
+              </a:rPr>
+              <a:t>, </a:t>
+            </a:r>
+            <a:r>
+              <a:rPr lang="en-IN" sz="1600" b="0" i="1" dirty="0" err="1">
+                <a:solidFill>
+                  <a:srgbClr val="000000"/>
+                </a:solidFill>
+                <a:effectLst/>
+                <a:latin typeface="Calibri" panose="020F0502020204030204" pitchFamily="34" charset="0"/>
+                <a:cs typeface="Calibri" panose="020F0502020204030204" pitchFamily="34" charset="0"/>
+              </a:rPr>
+              <a:t>IntToLongFunction</a:t>
+            </a:r>
+            <a:r>
+              <a:rPr lang="en-IN" sz="1600" b="0" i="0" dirty="0">
+                <a:solidFill>
+                  <a:srgbClr val="000000"/>
+                </a:solidFill>
+                <a:effectLst/>
+                <a:latin typeface="Calibri" panose="020F0502020204030204" pitchFamily="34" charset="0"/>
+                <a:cs typeface="Calibri" panose="020F0502020204030204" pitchFamily="34" charset="0"/>
+              </a:rPr>
+              <a:t>, </a:t>
+            </a:r>
+            <a:r>
+              <a:rPr lang="en-IN" sz="1600" b="0" i="1" dirty="0" err="1">
+                <a:solidFill>
+                  <a:srgbClr val="000000"/>
+                </a:solidFill>
+                <a:effectLst/>
+                <a:latin typeface="Calibri" panose="020F0502020204030204" pitchFamily="34" charset="0"/>
+                <a:cs typeface="Calibri" panose="020F0502020204030204" pitchFamily="34" charset="0"/>
+              </a:rPr>
+              <a:t>LongToIntFunction</a:t>
+            </a:r>
+            <a:r>
+              <a:rPr lang="en-IN" sz="1600" b="0" i="0" dirty="0">
+                <a:solidFill>
+                  <a:srgbClr val="000000"/>
+                </a:solidFill>
+                <a:effectLst/>
+                <a:latin typeface="Calibri" panose="020F0502020204030204" pitchFamily="34" charset="0"/>
+                <a:cs typeface="Calibri" panose="020F0502020204030204" pitchFamily="34" charset="0"/>
+              </a:rPr>
+              <a:t>, </a:t>
+            </a:r>
+            <a:r>
+              <a:rPr lang="en-IN" sz="1600" b="0" i="1" dirty="0" err="1">
+                <a:solidFill>
+                  <a:srgbClr val="000000"/>
+                </a:solidFill>
+                <a:effectLst/>
+                <a:latin typeface="Calibri" panose="020F0502020204030204" pitchFamily="34" charset="0"/>
+                <a:cs typeface="Calibri" panose="020F0502020204030204" pitchFamily="34" charset="0"/>
+              </a:rPr>
+              <a:t>LongToDoubleFunction</a:t>
+            </a:r>
+            <a:r>
+              <a:rPr lang="en-IN" sz="1600" b="0" i="1" dirty="0">
+                <a:solidFill>
+                  <a:srgbClr val="000000"/>
+                </a:solidFill>
+                <a:effectLst/>
+                <a:latin typeface="Calibri" panose="020F0502020204030204" pitchFamily="34" charset="0"/>
+                <a:cs typeface="Calibri" panose="020F0502020204030204" pitchFamily="34" charset="0"/>
+              </a:rPr>
+              <a:t>: </a:t>
+            </a:r>
+            <a:r>
+              <a:rPr lang="en-IN" sz="1600" b="0" i="0" dirty="0">
+                <a:solidFill>
+                  <a:srgbClr val="000000"/>
+                </a:solidFill>
+                <a:effectLst/>
+                <a:latin typeface="Calibri" panose="020F0502020204030204" pitchFamily="34" charset="0"/>
+                <a:cs typeface="Calibri" panose="020F0502020204030204" pitchFamily="34" charset="0"/>
+              </a:rPr>
+              <a:t>having both argument and return type defined as primitive types, as specified by their names</a:t>
+            </a:r>
+          </a:p>
+        </p:txBody>
+      </p:sp>
+    </p:spTree>
+    <p:extLst>
+      <p:ext uri="{BB962C8B-B14F-4D97-AF65-F5344CB8AC3E}">
+        <p14:creationId xmlns:p14="http://schemas.microsoft.com/office/powerpoint/2010/main" val="675256338"/>
+      </p:ext>
+    </p:extLst>
+  </p:cSld>
+  <p:clrMapOvr>
+    <a:masterClrMapping/>
+  </p:clrMapOvr>
+</p:sld>
+</file>
+
+<file path=ppt/slides/slide28.xml><?xml version="1.0" encoding="utf-8"?>
+<p:sld xmlns:a="http://schemas.openxmlformats.org/drawingml/2006/main" xmlns:r="http://schemas.openxmlformats.org/officeDocument/2006/relationships" xmlns:p="http://schemas.openxmlformats.org/presentationml/2006/main">
+  <p:cSld>
+    <p:spTree>
+      <p:nvGrpSpPr>
+        <p:cNvPr id="1" name=""/>
+        <p:cNvGrpSpPr/>
+        <p:nvPr/>
+      </p:nvGrpSpPr>
+      <p:grpSpPr>
+        <a:xfrm>
+          <a:off x="0" y="0"/>
+          <a:ext cx="0" cy="0"/>
+          <a:chOff x="0" y="0"/>
+          <a:chExt cx="0" cy="0"/>
+        </a:xfrm>
+      </p:grpSpPr>
+      <p:sp>
+        <p:nvSpPr>
+          <p:cNvPr id="2" name="Title 1"/>
+          <p:cNvSpPr>
+            <a:spLocks noGrp="1"/>
+          </p:cNvSpPr>
+          <p:nvPr>
+            <p:ph type="title"/>
+          </p:nvPr>
+        </p:nvSpPr>
+        <p:spPr/>
+        <p:txBody>
+          <a:bodyPr/>
+          <a:lstStyle/>
+          <a:p>
+            <a:r>
+              <a:rPr lang="en-US" sz="2400" dirty="0"/>
+              <a:t>Two-Arity Functions </a:t>
+            </a:r>
+            <a:endParaRPr lang="en-IN" sz="2400" dirty="0">
+              <a:latin typeface="Arial" panose="020B0604020202020204" pitchFamily="34" charset="0"/>
+              <a:cs typeface="Arial" panose="020B0604020202020204" pitchFamily="34" charset="0"/>
+            </a:endParaRPr>
+          </a:p>
+        </p:txBody>
+      </p:sp>
+      <p:sp>
+        <p:nvSpPr>
+          <p:cNvPr id="3" name="Text Placeholder 2"/>
+          <p:cNvSpPr>
+            <a:spLocks noGrp="1"/>
+          </p:cNvSpPr>
+          <p:nvPr>
+            <p:ph type="body" sz="quarter" idx="10"/>
+          </p:nvPr>
+        </p:nvSpPr>
+        <p:spPr/>
+        <p:txBody>
+          <a:bodyPr>
+            <a:normAutofit/>
+          </a:bodyPr>
+          <a:lstStyle/>
+          <a:p>
+            <a:pPr algn="l"/>
+            <a:r>
+              <a:rPr lang="en-IN" sz="1600" b="0" i="0" dirty="0">
+                <a:solidFill>
+                  <a:srgbClr val="000000"/>
+                </a:solidFill>
+                <a:effectLst/>
+                <a:latin typeface="Calibri" panose="020F0502020204030204" pitchFamily="34" charset="0"/>
+                <a:cs typeface="Calibri" panose="020F0502020204030204" pitchFamily="34" charset="0"/>
+              </a:rPr>
+              <a:t>To define lambdas with two arguments, we have to use additional interfaces that contain “</a:t>
+            </a:r>
+            <a:r>
+              <a:rPr lang="en-IN" sz="1600" b="0" i="1" dirty="0">
+                <a:solidFill>
+                  <a:srgbClr val="000000"/>
+                </a:solidFill>
+                <a:effectLst/>
+                <a:latin typeface="Calibri" panose="020F0502020204030204" pitchFamily="34" charset="0"/>
+                <a:cs typeface="Calibri" panose="020F0502020204030204" pitchFamily="34" charset="0"/>
+              </a:rPr>
+              <a:t>Bi”</a:t>
+            </a:r>
+            <a:r>
+              <a:rPr lang="en-IN" sz="1600" b="0" i="0" dirty="0">
+                <a:solidFill>
+                  <a:srgbClr val="000000"/>
+                </a:solidFill>
+                <a:effectLst/>
+                <a:latin typeface="Calibri" panose="020F0502020204030204" pitchFamily="34" charset="0"/>
+                <a:cs typeface="Calibri" panose="020F0502020204030204" pitchFamily="34" charset="0"/>
+              </a:rPr>
+              <a:t> keyword in their names: </a:t>
+            </a:r>
+            <a:r>
+              <a:rPr lang="en-IN" sz="1600" b="0" i="1" dirty="0" err="1">
+                <a:solidFill>
+                  <a:srgbClr val="000000"/>
+                </a:solidFill>
+                <a:effectLst/>
+                <a:latin typeface="Calibri" panose="020F0502020204030204" pitchFamily="34" charset="0"/>
+                <a:cs typeface="Calibri" panose="020F0502020204030204" pitchFamily="34" charset="0"/>
+              </a:rPr>
+              <a:t>BiFunction</a:t>
+            </a:r>
+            <a:r>
+              <a:rPr lang="en-IN" sz="1600" b="0" i="0" dirty="0">
+                <a:solidFill>
+                  <a:srgbClr val="000000"/>
+                </a:solidFill>
+                <a:effectLst/>
+                <a:latin typeface="Calibri" panose="020F0502020204030204" pitchFamily="34" charset="0"/>
+                <a:cs typeface="Calibri" panose="020F0502020204030204" pitchFamily="34" charset="0"/>
+              </a:rPr>
+              <a:t>, </a:t>
+            </a:r>
+            <a:r>
+              <a:rPr lang="en-IN" sz="1600" b="0" i="1" dirty="0" err="1">
+                <a:solidFill>
+                  <a:srgbClr val="000000"/>
+                </a:solidFill>
+                <a:effectLst/>
+                <a:latin typeface="Calibri" panose="020F0502020204030204" pitchFamily="34" charset="0"/>
+                <a:cs typeface="Calibri" panose="020F0502020204030204" pitchFamily="34" charset="0"/>
+              </a:rPr>
+              <a:t>ToDoubleBiFunction</a:t>
+            </a:r>
+            <a:r>
+              <a:rPr lang="en-IN" sz="1600" b="0" i="0" dirty="0">
+                <a:solidFill>
+                  <a:srgbClr val="000000"/>
+                </a:solidFill>
+                <a:effectLst/>
+                <a:latin typeface="Calibri" panose="020F0502020204030204" pitchFamily="34" charset="0"/>
+                <a:cs typeface="Calibri" panose="020F0502020204030204" pitchFamily="34" charset="0"/>
+              </a:rPr>
+              <a:t>, </a:t>
+            </a:r>
+            <a:r>
+              <a:rPr lang="en-IN" sz="1600" b="0" i="1" dirty="0" err="1">
+                <a:solidFill>
+                  <a:srgbClr val="000000"/>
+                </a:solidFill>
+                <a:effectLst/>
+                <a:latin typeface="Calibri" panose="020F0502020204030204" pitchFamily="34" charset="0"/>
+                <a:cs typeface="Calibri" panose="020F0502020204030204" pitchFamily="34" charset="0"/>
+              </a:rPr>
+              <a:t>ToIntBiFunction</a:t>
+            </a:r>
+            <a:r>
+              <a:rPr lang="en-IN" sz="1600" b="0" i="0" dirty="0">
+                <a:solidFill>
+                  <a:srgbClr val="000000"/>
+                </a:solidFill>
+                <a:effectLst/>
+                <a:latin typeface="Calibri" panose="020F0502020204030204" pitchFamily="34" charset="0"/>
+                <a:cs typeface="Calibri" panose="020F0502020204030204" pitchFamily="34" charset="0"/>
+              </a:rPr>
+              <a:t>, and </a:t>
+            </a:r>
+            <a:r>
+              <a:rPr lang="en-IN" sz="1600" b="0" i="1" dirty="0" err="1">
+                <a:solidFill>
+                  <a:srgbClr val="000000"/>
+                </a:solidFill>
+                <a:effectLst/>
+                <a:latin typeface="Calibri" panose="020F0502020204030204" pitchFamily="34" charset="0"/>
+                <a:cs typeface="Calibri" panose="020F0502020204030204" pitchFamily="34" charset="0"/>
+              </a:rPr>
+              <a:t>ToLongBiFunction</a:t>
+            </a:r>
+            <a:r>
+              <a:rPr lang="en-IN" sz="1600" b="0" i="0" dirty="0">
+                <a:solidFill>
+                  <a:srgbClr val="000000"/>
+                </a:solidFill>
+                <a:effectLst/>
+                <a:latin typeface="Calibri" panose="020F0502020204030204" pitchFamily="34" charset="0"/>
+                <a:cs typeface="Calibri" panose="020F0502020204030204" pitchFamily="34" charset="0"/>
+              </a:rPr>
+              <a:t>.</a:t>
+            </a:r>
+          </a:p>
+          <a:p>
+            <a:pPr algn="l"/>
+            <a:r>
+              <a:rPr lang="en-IN" sz="1600" b="0" i="1" dirty="0" err="1">
+                <a:solidFill>
+                  <a:srgbClr val="000000"/>
+                </a:solidFill>
+                <a:effectLst/>
+                <a:latin typeface="Calibri" panose="020F0502020204030204" pitchFamily="34" charset="0"/>
+                <a:cs typeface="Calibri" panose="020F0502020204030204" pitchFamily="34" charset="0"/>
+              </a:rPr>
+              <a:t>BiFunction</a:t>
+            </a:r>
+            <a:r>
+              <a:rPr lang="en-IN" sz="1600" b="0" i="0" dirty="0">
+                <a:solidFill>
+                  <a:srgbClr val="000000"/>
+                </a:solidFill>
+                <a:effectLst/>
+                <a:latin typeface="Calibri" panose="020F0502020204030204" pitchFamily="34" charset="0"/>
+                <a:cs typeface="Calibri" panose="020F0502020204030204" pitchFamily="34" charset="0"/>
+              </a:rPr>
+              <a:t> has both arguments and a return type generified, while </a:t>
+            </a:r>
+            <a:r>
+              <a:rPr lang="en-IN" sz="1600" b="0" i="1" dirty="0" err="1">
+                <a:solidFill>
+                  <a:srgbClr val="000000"/>
+                </a:solidFill>
+                <a:effectLst/>
+                <a:latin typeface="Calibri" panose="020F0502020204030204" pitchFamily="34" charset="0"/>
+                <a:cs typeface="Calibri" panose="020F0502020204030204" pitchFamily="34" charset="0"/>
+              </a:rPr>
+              <a:t>ToDoubleBiFunction</a:t>
+            </a:r>
+            <a:r>
+              <a:rPr lang="en-IN" sz="1600" b="0" i="0" dirty="0">
+                <a:solidFill>
+                  <a:srgbClr val="000000"/>
+                </a:solidFill>
+                <a:effectLst/>
+                <a:latin typeface="Calibri" panose="020F0502020204030204" pitchFamily="34" charset="0"/>
+                <a:cs typeface="Calibri" panose="020F0502020204030204" pitchFamily="34" charset="0"/>
+              </a:rPr>
+              <a:t> and others allow us to return a primitive value.</a:t>
+            </a:r>
+          </a:p>
+          <a:p>
+            <a:pPr algn="l"/>
+            <a:endParaRPr lang="en-IN" sz="1600" dirty="0">
+              <a:solidFill>
+                <a:srgbClr val="000000"/>
+              </a:solidFill>
+              <a:latin typeface="Calibri" panose="020F0502020204030204" pitchFamily="34" charset="0"/>
+              <a:cs typeface="Calibri" panose="020F0502020204030204" pitchFamily="34" charset="0"/>
+            </a:endParaRPr>
+          </a:p>
+          <a:p>
+            <a:r>
+              <a:rPr lang="en-IN" sz="1600" b="0" i="0" dirty="0">
+                <a:solidFill>
+                  <a:srgbClr val="000000"/>
+                </a:solidFill>
+                <a:effectLst/>
+                <a:latin typeface="Calibri" panose="020F0502020204030204" pitchFamily="34" charset="0"/>
+                <a:cs typeface="Calibri" panose="020F0502020204030204" pitchFamily="34" charset="0"/>
+              </a:rPr>
+              <a:t>One of the typical examples of using this interface in the standard API is in the </a:t>
+            </a:r>
+            <a:r>
+              <a:rPr lang="en-IN" sz="1600" b="0" i="0" dirty="0" err="1">
+                <a:solidFill>
+                  <a:srgbClr val="000000"/>
+                </a:solidFill>
+                <a:effectLst/>
+                <a:latin typeface="Calibri" panose="020F0502020204030204" pitchFamily="34" charset="0"/>
+                <a:cs typeface="Calibri" panose="020F0502020204030204" pitchFamily="34" charset="0"/>
+              </a:rPr>
+              <a:t>Map.replaceAll</a:t>
+            </a:r>
+            <a:r>
+              <a:rPr lang="en-IN" sz="1600" b="0" i="0" dirty="0">
+                <a:solidFill>
+                  <a:srgbClr val="000000"/>
+                </a:solidFill>
+                <a:effectLst/>
+                <a:latin typeface="Calibri" panose="020F0502020204030204" pitchFamily="34" charset="0"/>
+                <a:cs typeface="Calibri" panose="020F0502020204030204" pitchFamily="34" charset="0"/>
+              </a:rPr>
+              <a:t> method, which allows replacing all values in a map with some computed value.</a:t>
+            </a:r>
+          </a:p>
+          <a:p>
+            <a:r>
+              <a:rPr lang="en-IN" sz="1600" b="0" i="0" dirty="0">
+                <a:solidFill>
+                  <a:srgbClr val="000000"/>
+                </a:solidFill>
+                <a:effectLst/>
+                <a:latin typeface="Calibri" panose="020F0502020204030204" pitchFamily="34" charset="0"/>
+                <a:cs typeface="Calibri" panose="020F0502020204030204" pitchFamily="34" charset="0"/>
+              </a:rPr>
+              <a:t>Let’s use a </a:t>
+            </a:r>
+            <a:r>
+              <a:rPr lang="en-IN" sz="1600" b="0" i="0" dirty="0" err="1">
+                <a:solidFill>
+                  <a:srgbClr val="000000"/>
+                </a:solidFill>
+                <a:effectLst/>
+                <a:latin typeface="Calibri" panose="020F0502020204030204" pitchFamily="34" charset="0"/>
+                <a:cs typeface="Calibri" panose="020F0502020204030204" pitchFamily="34" charset="0"/>
+              </a:rPr>
+              <a:t>BiFunction</a:t>
+            </a:r>
+            <a:r>
+              <a:rPr lang="en-IN" sz="1600" b="0" i="0" dirty="0">
+                <a:solidFill>
+                  <a:srgbClr val="000000"/>
+                </a:solidFill>
+                <a:effectLst/>
+                <a:latin typeface="Calibri" panose="020F0502020204030204" pitchFamily="34" charset="0"/>
+                <a:cs typeface="Calibri" panose="020F0502020204030204" pitchFamily="34" charset="0"/>
+              </a:rPr>
+              <a:t> implementation that receives a key and an old value to calculate a new value for the salary and return it.</a:t>
+            </a:r>
+            <a:br>
+              <a:rPr lang="en-IN" sz="1600" b="0" i="0" dirty="0">
+                <a:solidFill>
+                  <a:srgbClr val="000000"/>
+                </a:solidFill>
+                <a:effectLst/>
+                <a:latin typeface="Calibri" panose="020F0502020204030204" pitchFamily="34" charset="0"/>
+                <a:cs typeface="Calibri" panose="020F0502020204030204" pitchFamily="34" charset="0"/>
+              </a:rPr>
+            </a:br>
+            <a:r>
+              <a:rPr lang="en-IN" sz="1600" b="0" i="0" dirty="0">
+                <a:solidFill>
+                  <a:srgbClr val="000000"/>
+                </a:solidFill>
+                <a:effectLst/>
+                <a:latin typeface="Calibri" panose="020F0502020204030204" pitchFamily="34" charset="0"/>
+                <a:cs typeface="Calibri" panose="020F0502020204030204" pitchFamily="34" charset="0"/>
+              </a:rPr>
+              <a:t>Map&lt;String, Integer&gt; salaries = new HashMap&lt;&gt;(); </a:t>
+            </a:r>
+            <a:br>
+              <a:rPr lang="en-IN" sz="1600" b="0" i="0" dirty="0">
+                <a:solidFill>
+                  <a:srgbClr val="000000"/>
+                </a:solidFill>
+                <a:effectLst/>
+                <a:latin typeface="Calibri" panose="020F0502020204030204" pitchFamily="34" charset="0"/>
+                <a:cs typeface="Calibri" panose="020F0502020204030204" pitchFamily="34" charset="0"/>
+              </a:rPr>
+            </a:br>
+            <a:r>
+              <a:rPr lang="en-IN" sz="1600" b="0" i="0" dirty="0" err="1">
+                <a:solidFill>
+                  <a:srgbClr val="000000"/>
+                </a:solidFill>
+                <a:effectLst/>
+                <a:latin typeface="Calibri" panose="020F0502020204030204" pitchFamily="34" charset="0"/>
+                <a:cs typeface="Calibri" panose="020F0502020204030204" pitchFamily="34" charset="0"/>
+              </a:rPr>
+              <a:t>salaries.put</a:t>
+            </a:r>
+            <a:r>
+              <a:rPr lang="en-IN" sz="1600" b="0" i="0" dirty="0">
+                <a:solidFill>
+                  <a:srgbClr val="000000"/>
+                </a:solidFill>
+                <a:effectLst/>
+                <a:latin typeface="Calibri" panose="020F0502020204030204" pitchFamily="34" charset="0"/>
+                <a:cs typeface="Calibri" panose="020F0502020204030204" pitchFamily="34" charset="0"/>
+              </a:rPr>
+              <a:t>("John", 40000); </a:t>
+            </a:r>
+            <a:br>
+              <a:rPr lang="en-IN" sz="1600" b="0" i="0" dirty="0">
+                <a:solidFill>
+                  <a:srgbClr val="000000"/>
+                </a:solidFill>
+                <a:effectLst/>
+                <a:latin typeface="Calibri" panose="020F0502020204030204" pitchFamily="34" charset="0"/>
+                <a:cs typeface="Calibri" panose="020F0502020204030204" pitchFamily="34" charset="0"/>
+              </a:rPr>
+            </a:br>
+            <a:r>
+              <a:rPr lang="en-IN" sz="1600" b="0" i="0" dirty="0" err="1">
+                <a:solidFill>
+                  <a:srgbClr val="000000"/>
+                </a:solidFill>
+                <a:effectLst/>
+                <a:latin typeface="Calibri" panose="020F0502020204030204" pitchFamily="34" charset="0"/>
+                <a:cs typeface="Calibri" panose="020F0502020204030204" pitchFamily="34" charset="0"/>
+              </a:rPr>
+              <a:t>salaries.put</a:t>
+            </a:r>
+            <a:r>
+              <a:rPr lang="en-IN" sz="1600" b="0" i="0" dirty="0">
+                <a:solidFill>
+                  <a:srgbClr val="000000"/>
+                </a:solidFill>
+                <a:effectLst/>
+                <a:latin typeface="Calibri" panose="020F0502020204030204" pitchFamily="34" charset="0"/>
+                <a:cs typeface="Calibri" panose="020F0502020204030204" pitchFamily="34" charset="0"/>
+              </a:rPr>
+              <a:t>("Freddy", 30000); </a:t>
+            </a:r>
+            <a:br>
+              <a:rPr lang="en-IN" sz="1600" b="0" i="0" dirty="0">
+                <a:solidFill>
+                  <a:srgbClr val="000000"/>
+                </a:solidFill>
+                <a:effectLst/>
+                <a:latin typeface="Calibri" panose="020F0502020204030204" pitchFamily="34" charset="0"/>
+                <a:cs typeface="Calibri" panose="020F0502020204030204" pitchFamily="34" charset="0"/>
+              </a:rPr>
+            </a:br>
+            <a:r>
+              <a:rPr lang="en-IN" sz="1600" b="0" i="0" dirty="0" err="1">
+                <a:solidFill>
+                  <a:srgbClr val="000000"/>
+                </a:solidFill>
+                <a:effectLst/>
+                <a:latin typeface="Calibri" panose="020F0502020204030204" pitchFamily="34" charset="0"/>
+                <a:cs typeface="Calibri" panose="020F0502020204030204" pitchFamily="34" charset="0"/>
+              </a:rPr>
+              <a:t>salaries.put</a:t>
+            </a:r>
+            <a:r>
+              <a:rPr lang="en-IN" sz="1600" b="0" i="0" dirty="0">
+                <a:solidFill>
+                  <a:srgbClr val="000000"/>
+                </a:solidFill>
+                <a:effectLst/>
+                <a:latin typeface="Calibri" panose="020F0502020204030204" pitchFamily="34" charset="0"/>
+                <a:cs typeface="Calibri" panose="020F0502020204030204" pitchFamily="34" charset="0"/>
+              </a:rPr>
+              <a:t>("Samuel", 50000); </a:t>
+            </a:r>
+            <a:br>
+              <a:rPr lang="en-IN" sz="1600" b="0" i="0" dirty="0">
+                <a:solidFill>
+                  <a:srgbClr val="000000"/>
+                </a:solidFill>
+                <a:effectLst/>
+                <a:latin typeface="Calibri" panose="020F0502020204030204" pitchFamily="34" charset="0"/>
+                <a:cs typeface="Calibri" panose="020F0502020204030204" pitchFamily="34" charset="0"/>
+              </a:rPr>
+            </a:br>
+            <a:r>
+              <a:rPr lang="en-IN" sz="1600" b="0" i="0" dirty="0" err="1">
+                <a:solidFill>
+                  <a:srgbClr val="000000"/>
+                </a:solidFill>
+                <a:effectLst/>
+                <a:latin typeface="Calibri" panose="020F0502020204030204" pitchFamily="34" charset="0"/>
+                <a:cs typeface="Calibri" panose="020F0502020204030204" pitchFamily="34" charset="0"/>
+              </a:rPr>
+              <a:t>salaries.replaceAll</a:t>
+            </a:r>
+            <a:r>
+              <a:rPr lang="en-IN" sz="1600" b="0" i="0" dirty="0">
+                <a:solidFill>
+                  <a:srgbClr val="000000"/>
+                </a:solidFill>
+                <a:effectLst/>
+                <a:latin typeface="Calibri" panose="020F0502020204030204" pitchFamily="34" charset="0"/>
+                <a:cs typeface="Calibri" panose="020F0502020204030204" pitchFamily="34" charset="0"/>
+              </a:rPr>
+              <a:t>((name, </a:t>
+            </a:r>
+            <a:r>
+              <a:rPr lang="en-IN" sz="1600" b="0" i="0" dirty="0" err="1">
+                <a:solidFill>
+                  <a:srgbClr val="000000"/>
+                </a:solidFill>
+                <a:effectLst/>
+                <a:latin typeface="Calibri" panose="020F0502020204030204" pitchFamily="34" charset="0"/>
+                <a:cs typeface="Calibri" panose="020F0502020204030204" pitchFamily="34" charset="0"/>
+              </a:rPr>
+              <a:t>oldValue</a:t>
+            </a:r>
+            <a:r>
+              <a:rPr lang="en-IN" sz="1600" b="0" i="0" dirty="0">
+                <a:solidFill>
+                  <a:srgbClr val="000000"/>
+                </a:solidFill>
+                <a:effectLst/>
+                <a:latin typeface="Calibri" panose="020F0502020204030204" pitchFamily="34" charset="0"/>
+                <a:cs typeface="Calibri" panose="020F0502020204030204" pitchFamily="34" charset="0"/>
+              </a:rPr>
+              <a:t>) -&gt; </a:t>
+            </a:r>
+            <a:r>
+              <a:rPr lang="en-IN" sz="1600" b="0" i="0" dirty="0" err="1">
+                <a:solidFill>
+                  <a:srgbClr val="000000"/>
+                </a:solidFill>
+                <a:effectLst/>
+                <a:latin typeface="Calibri" panose="020F0502020204030204" pitchFamily="34" charset="0"/>
+                <a:cs typeface="Calibri" panose="020F0502020204030204" pitchFamily="34" charset="0"/>
+              </a:rPr>
+              <a:t>name.equals</a:t>
+            </a:r>
+            <a:r>
+              <a:rPr lang="en-IN" sz="1600" b="0" i="0" dirty="0">
+                <a:solidFill>
+                  <a:srgbClr val="000000"/>
+                </a:solidFill>
+                <a:effectLst/>
+                <a:latin typeface="Calibri" panose="020F0502020204030204" pitchFamily="34" charset="0"/>
+                <a:cs typeface="Calibri" panose="020F0502020204030204" pitchFamily="34" charset="0"/>
+              </a:rPr>
+              <a:t>("Freddy") ? </a:t>
+            </a:r>
+            <a:r>
+              <a:rPr lang="en-IN" sz="1600" b="0" i="0" dirty="0" err="1">
+                <a:solidFill>
+                  <a:srgbClr val="000000"/>
+                </a:solidFill>
+                <a:effectLst/>
+                <a:latin typeface="Calibri" panose="020F0502020204030204" pitchFamily="34" charset="0"/>
+                <a:cs typeface="Calibri" panose="020F0502020204030204" pitchFamily="34" charset="0"/>
+              </a:rPr>
+              <a:t>oldValue</a:t>
+            </a:r>
+            <a:r>
+              <a:rPr lang="en-IN" sz="1600" b="0" i="0" dirty="0">
+                <a:solidFill>
+                  <a:srgbClr val="000000"/>
+                </a:solidFill>
+                <a:effectLst/>
+                <a:latin typeface="Calibri" panose="020F0502020204030204" pitchFamily="34" charset="0"/>
+                <a:cs typeface="Calibri" panose="020F0502020204030204" pitchFamily="34" charset="0"/>
+              </a:rPr>
+              <a:t> : </a:t>
+            </a:r>
+            <a:r>
+              <a:rPr lang="en-IN" sz="1600" b="0" i="0" dirty="0" err="1">
+                <a:solidFill>
+                  <a:srgbClr val="000000"/>
+                </a:solidFill>
+                <a:effectLst/>
+                <a:latin typeface="Calibri" panose="020F0502020204030204" pitchFamily="34" charset="0"/>
+                <a:cs typeface="Calibri" panose="020F0502020204030204" pitchFamily="34" charset="0"/>
+              </a:rPr>
+              <a:t>oldValue</a:t>
+            </a:r>
+            <a:r>
+              <a:rPr lang="en-IN" sz="1600" b="0" i="0" dirty="0">
+                <a:solidFill>
+                  <a:srgbClr val="000000"/>
+                </a:solidFill>
+                <a:effectLst/>
+                <a:latin typeface="Calibri" panose="020F0502020204030204" pitchFamily="34" charset="0"/>
+                <a:cs typeface="Calibri" panose="020F0502020204030204" pitchFamily="34" charset="0"/>
+              </a:rPr>
+              <a:t> + 10000);</a:t>
+            </a:r>
+          </a:p>
+        </p:txBody>
+      </p:sp>
+    </p:spTree>
+    <p:extLst>
+      <p:ext uri="{BB962C8B-B14F-4D97-AF65-F5344CB8AC3E}">
+        <p14:creationId xmlns:p14="http://schemas.microsoft.com/office/powerpoint/2010/main" val="2466735195"/>
+      </p:ext>
+    </p:extLst>
+  </p:cSld>
+  <p:clrMapOvr>
+    <a:masterClrMapping/>
+  </p:clrMapOvr>
+</p:sld>
+</file>
+
+<file path=ppt/slides/slide29.xml><?xml version="1.0" encoding="utf-8"?>
+<p:sld xmlns:a="http://schemas.openxmlformats.org/drawingml/2006/main" xmlns:r="http://schemas.openxmlformats.org/officeDocument/2006/relationships" xmlns:p="http://schemas.openxmlformats.org/presentationml/2006/main">
+  <p:cSld>
+    <p:spTree>
+      <p:nvGrpSpPr>
+        <p:cNvPr id="1" name=""/>
+        <p:cNvGrpSpPr/>
+        <p:nvPr/>
+      </p:nvGrpSpPr>
+      <p:grpSpPr>
+        <a:xfrm>
+          <a:off x="0" y="0"/>
+          <a:ext cx="0" cy="0"/>
+          <a:chOff x="0" y="0"/>
+          <a:chExt cx="0" cy="0"/>
+        </a:xfrm>
+      </p:grpSpPr>
+      <p:sp>
+        <p:nvSpPr>
+          <p:cNvPr id="2" name="Title 1"/>
+          <p:cNvSpPr>
+            <a:spLocks noGrp="1"/>
+          </p:cNvSpPr>
+          <p:nvPr>
+            <p:ph type="title"/>
+          </p:nvPr>
+        </p:nvSpPr>
+        <p:spPr/>
+        <p:txBody>
+          <a:bodyPr/>
+          <a:lstStyle/>
+          <a:p>
+            <a:r>
+              <a:rPr lang="en-US" sz="2400" dirty="0"/>
+              <a:t>Supplier</a:t>
+            </a:r>
+            <a:endParaRPr lang="en-IN" sz="2400" dirty="0">
+              <a:latin typeface="Arial" panose="020B0604020202020204" pitchFamily="34" charset="0"/>
+              <a:cs typeface="Arial" panose="020B0604020202020204" pitchFamily="34" charset="0"/>
+            </a:endParaRPr>
+          </a:p>
+        </p:txBody>
+      </p:sp>
+      <p:sp>
+        <p:nvSpPr>
+          <p:cNvPr id="3" name="Text Placeholder 2"/>
+          <p:cNvSpPr>
+            <a:spLocks noGrp="1"/>
+          </p:cNvSpPr>
+          <p:nvPr>
+            <p:ph type="body" sz="quarter" idx="10"/>
+          </p:nvPr>
+        </p:nvSpPr>
+        <p:spPr/>
+        <p:txBody>
+          <a:bodyPr>
+            <a:noAutofit/>
+          </a:bodyPr>
+          <a:lstStyle/>
+          <a:p>
+            <a:pPr algn="l"/>
+            <a:r>
+              <a:rPr lang="en-IN" sz="1600" b="0" i="0" dirty="0">
+                <a:solidFill>
+                  <a:srgbClr val="000000"/>
+                </a:solidFill>
+                <a:effectLst/>
+                <a:latin typeface="Calibri" panose="020F0502020204030204" pitchFamily="34" charset="0"/>
+                <a:cs typeface="Calibri" panose="020F0502020204030204" pitchFamily="34" charset="0"/>
+              </a:rPr>
+              <a:t>It does not take any arguments. </a:t>
+            </a:r>
+          </a:p>
+          <a:p>
+            <a:pPr algn="l"/>
+            <a:r>
+              <a:rPr lang="en-IN" sz="1600" b="0" i="0" dirty="0">
+                <a:solidFill>
+                  <a:srgbClr val="000000"/>
+                </a:solidFill>
+                <a:effectLst/>
+                <a:latin typeface="Calibri" panose="020F0502020204030204" pitchFamily="34" charset="0"/>
+                <a:cs typeface="Calibri" panose="020F0502020204030204" pitchFamily="34" charset="0"/>
+              </a:rPr>
+              <a:t>Used for lazy generation of values. </a:t>
+            </a:r>
+          </a:p>
+          <a:p>
+            <a:pPr algn="l"/>
+            <a:r>
+              <a:rPr lang="en-IN" sz="1600" b="0" i="0" dirty="0">
+                <a:solidFill>
+                  <a:srgbClr val="000000"/>
+                </a:solidFill>
+                <a:effectLst/>
+                <a:latin typeface="Calibri" panose="020F0502020204030204" pitchFamily="34" charset="0"/>
+                <a:cs typeface="Calibri" panose="020F0502020204030204" pitchFamily="34" charset="0"/>
+              </a:rPr>
+              <a:t>For instance, let’s define a function that squares a </a:t>
+            </a:r>
+            <a:r>
+              <a:rPr lang="en-IN" sz="1600" b="0" i="1" dirty="0">
+                <a:solidFill>
+                  <a:srgbClr val="000000"/>
+                </a:solidFill>
+                <a:effectLst/>
+                <a:latin typeface="Calibri" panose="020F0502020204030204" pitchFamily="34" charset="0"/>
+                <a:cs typeface="Calibri" panose="020F0502020204030204" pitchFamily="34" charset="0"/>
+              </a:rPr>
+              <a:t>double</a:t>
+            </a:r>
+            <a:r>
+              <a:rPr lang="en-IN" sz="1600" b="0" i="0" dirty="0">
+                <a:solidFill>
+                  <a:srgbClr val="000000"/>
+                </a:solidFill>
+                <a:effectLst/>
+                <a:latin typeface="Calibri" panose="020F0502020204030204" pitchFamily="34" charset="0"/>
+                <a:cs typeface="Calibri" panose="020F0502020204030204" pitchFamily="34" charset="0"/>
+              </a:rPr>
+              <a:t> value. It will not receive a value itself, but a </a:t>
+            </a:r>
+            <a:r>
+              <a:rPr lang="en-IN" sz="1600" b="0" i="1" dirty="0">
+                <a:solidFill>
+                  <a:srgbClr val="000000"/>
+                </a:solidFill>
+                <a:effectLst/>
+                <a:latin typeface="Calibri" panose="020F0502020204030204" pitchFamily="34" charset="0"/>
+                <a:cs typeface="Calibri" panose="020F0502020204030204" pitchFamily="34" charset="0"/>
+              </a:rPr>
+              <a:t>Supplier</a:t>
+            </a:r>
+            <a:r>
+              <a:rPr lang="en-IN" sz="1600" b="0" i="0" dirty="0">
+                <a:solidFill>
+                  <a:srgbClr val="000000"/>
+                </a:solidFill>
+                <a:effectLst/>
+                <a:latin typeface="Calibri" panose="020F0502020204030204" pitchFamily="34" charset="0"/>
+                <a:cs typeface="Calibri" panose="020F0502020204030204" pitchFamily="34" charset="0"/>
+              </a:rPr>
+              <a:t> of this value:</a:t>
+            </a:r>
+            <a:br>
+              <a:rPr lang="en-IN" sz="1600" b="0" i="0" dirty="0">
+                <a:solidFill>
+                  <a:srgbClr val="000000"/>
+                </a:solidFill>
+                <a:effectLst/>
+                <a:latin typeface="Calibri" panose="020F0502020204030204" pitchFamily="34" charset="0"/>
+                <a:cs typeface="Calibri" panose="020F0502020204030204" pitchFamily="34" charset="0"/>
+              </a:rPr>
+            </a:br>
+            <a:br>
+              <a:rPr lang="en-IN" sz="1600" b="0" i="0" dirty="0">
+                <a:solidFill>
+                  <a:srgbClr val="000000"/>
+                </a:solidFill>
+                <a:effectLst/>
+                <a:latin typeface="Calibri" panose="020F0502020204030204" pitchFamily="34" charset="0"/>
+                <a:cs typeface="Calibri" panose="020F0502020204030204" pitchFamily="34" charset="0"/>
+              </a:rPr>
+            </a:br>
+            <a:r>
+              <a:rPr lang="en-IN" sz="1600" b="1" dirty="0">
+                <a:solidFill>
+                  <a:srgbClr val="63B175"/>
+                </a:solidFill>
+                <a:effectLst/>
+                <a:latin typeface="Calibri" panose="020F0502020204030204" pitchFamily="34" charset="0"/>
+                <a:cs typeface="Calibri" panose="020F0502020204030204" pitchFamily="34" charset="0"/>
+              </a:rPr>
+              <a:t>public</a:t>
+            </a:r>
+            <a:r>
+              <a:rPr lang="en-IN" sz="1600" dirty="0">
+                <a:latin typeface="Calibri" panose="020F0502020204030204" pitchFamily="34" charset="0"/>
+                <a:cs typeface="Calibri" panose="020F0502020204030204" pitchFamily="34" charset="0"/>
+              </a:rPr>
+              <a:t> </a:t>
+            </a:r>
+            <a:r>
+              <a:rPr lang="en-IN" sz="1600" b="1" dirty="0">
+                <a:solidFill>
+                  <a:srgbClr val="4E9359"/>
+                </a:solidFill>
+                <a:effectLst/>
+                <a:latin typeface="Calibri" panose="020F0502020204030204" pitchFamily="34" charset="0"/>
+                <a:cs typeface="Calibri" panose="020F0502020204030204" pitchFamily="34" charset="0"/>
+              </a:rPr>
+              <a:t>double</a:t>
+            </a:r>
+            <a:r>
+              <a:rPr lang="en-IN" sz="1600" dirty="0">
+                <a:latin typeface="Calibri" panose="020F0502020204030204" pitchFamily="34" charset="0"/>
+                <a:cs typeface="Calibri" panose="020F0502020204030204" pitchFamily="34" charset="0"/>
+              </a:rPr>
+              <a:t> </a:t>
+            </a:r>
+            <a:r>
+              <a:rPr lang="en-IN" sz="1600" b="1" dirty="0" err="1">
+                <a:solidFill>
+                  <a:srgbClr val="267438"/>
+                </a:solidFill>
+                <a:effectLst/>
+                <a:latin typeface="Calibri" panose="020F0502020204030204" pitchFamily="34" charset="0"/>
+                <a:cs typeface="Calibri" panose="020F0502020204030204" pitchFamily="34" charset="0"/>
+              </a:rPr>
+              <a:t>squareLazy</a:t>
+            </a:r>
+            <a:r>
+              <a:rPr lang="en-IN" sz="1600" dirty="0">
+                <a:effectLst/>
+                <a:latin typeface="Calibri" panose="020F0502020204030204" pitchFamily="34" charset="0"/>
+                <a:cs typeface="Calibri" panose="020F0502020204030204" pitchFamily="34" charset="0"/>
+              </a:rPr>
+              <a:t>(Supplier&lt;Double&gt; </a:t>
+            </a:r>
+            <a:r>
+              <a:rPr lang="en-IN" sz="1600" dirty="0" err="1">
+                <a:effectLst/>
+                <a:latin typeface="Calibri" panose="020F0502020204030204" pitchFamily="34" charset="0"/>
+                <a:cs typeface="Calibri" panose="020F0502020204030204" pitchFamily="34" charset="0"/>
+              </a:rPr>
+              <a:t>lazyValue</a:t>
+            </a:r>
+            <a:r>
+              <a:rPr lang="en-IN" sz="1600" dirty="0">
+                <a:effectLst/>
+                <a:latin typeface="Calibri" panose="020F0502020204030204" pitchFamily="34" charset="0"/>
+                <a:cs typeface="Calibri" panose="020F0502020204030204" pitchFamily="34" charset="0"/>
+              </a:rPr>
+              <a:t>)</a:t>
+            </a:r>
+            <a:r>
+              <a:rPr lang="en-IN" sz="1600" dirty="0">
+                <a:latin typeface="Calibri" panose="020F0502020204030204" pitchFamily="34" charset="0"/>
+                <a:cs typeface="Calibri" panose="020F0502020204030204" pitchFamily="34" charset="0"/>
+              </a:rPr>
+              <a:t> {</a:t>
+            </a:r>
+            <a:br>
+              <a:rPr lang="en-IN" sz="1600" dirty="0">
+                <a:latin typeface="Calibri" panose="020F0502020204030204" pitchFamily="34" charset="0"/>
+                <a:cs typeface="Calibri" panose="020F0502020204030204" pitchFamily="34" charset="0"/>
+              </a:rPr>
+            </a:br>
+            <a:r>
+              <a:rPr lang="en-IN" sz="1600" dirty="0">
+                <a:latin typeface="Calibri" panose="020F0502020204030204" pitchFamily="34" charset="0"/>
+                <a:cs typeface="Calibri" panose="020F0502020204030204" pitchFamily="34" charset="0"/>
+              </a:rPr>
+              <a:t>	 </a:t>
+            </a:r>
+            <a:r>
+              <a:rPr lang="en-IN" sz="1600" b="1" dirty="0">
+                <a:solidFill>
+                  <a:srgbClr val="63B175"/>
+                </a:solidFill>
+                <a:effectLst/>
+                <a:latin typeface="Calibri" panose="020F0502020204030204" pitchFamily="34" charset="0"/>
+                <a:cs typeface="Calibri" panose="020F0502020204030204" pitchFamily="34" charset="0"/>
+              </a:rPr>
+              <a:t>return</a:t>
+            </a:r>
+            <a:r>
+              <a:rPr lang="en-IN" sz="1600" dirty="0">
+                <a:latin typeface="Calibri" panose="020F0502020204030204" pitchFamily="34" charset="0"/>
+                <a:cs typeface="Calibri" panose="020F0502020204030204" pitchFamily="34" charset="0"/>
+              </a:rPr>
+              <a:t> </a:t>
+            </a:r>
+            <a:r>
+              <a:rPr lang="en-IN" sz="1600" dirty="0" err="1">
+                <a:latin typeface="Calibri" panose="020F0502020204030204" pitchFamily="34" charset="0"/>
+                <a:cs typeface="Calibri" panose="020F0502020204030204" pitchFamily="34" charset="0"/>
+              </a:rPr>
+              <a:t>Math.pow</a:t>
+            </a:r>
+            <a:r>
+              <a:rPr lang="en-IN" sz="1600" dirty="0">
+                <a:latin typeface="Calibri" panose="020F0502020204030204" pitchFamily="34" charset="0"/>
+                <a:cs typeface="Calibri" panose="020F0502020204030204" pitchFamily="34" charset="0"/>
+              </a:rPr>
+              <a:t>(</a:t>
+            </a:r>
+            <a:r>
+              <a:rPr lang="en-IN" sz="1600" dirty="0" err="1">
+                <a:latin typeface="Calibri" panose="020F0502020204030204" pitchFamily="34" charset="0"/>
+                <a:cs typeface="Calibri" panose="020F0502020204030204" pitchFamily="34" charset="0"/>
+              </a:rPr>
+              <a:t>lazyValue.get</a:t>
+            </a:r>
+            <a:r>
+              <a:rPr lang="en-IN" sz="1600" dirty="0">
+                <a:latin typeface="Calibri" panose="020F0502020204030204" pitchFamily="34" charset="0"/>
+                <a:cs typeface="Calibri" panose="020F0502020204030204" pitchFamily="34" charset="0"/>
+              </a:rPr>
+              <a:t>(), </a:t>
+            </a:r>
+            <a:r>
+              <a:rPr lang="en-IN" sz="1600" dirty="0">
+                <a:solidFill>
+                  <a:srgbClr val="4E9359"/>
+                </a:solidFill>
+                <a:effectLst/>
+                <a:latin typeface="Calibri" panose="020F0502020204030204" pitchFamily="34" charset="0"/>
+                <a:cs typeface="Calibri" panose="020F0502020204030204" pitchFamily="34" charset="0"/>
+              </a:rPr>
+              <a:t>2</a:t>
+            </a:r>
+            <a:r>
+              <a:rPr lang="en-IN" sz="1600" dirty="0">
+                <a:latin typeface="Calibri" panose="020F0502020204030204" pitchFamily="34" charset="0"/>
+                <a:cs typeface="Calibri" panose="020F0502020204030204" pitchFamily="34" charset="0"/>
+              </a:rPr>
+              <a:t>); </a:t>
+            </a:r>
+            <a:br>
+              <a:rPr lang="en-IN" sz="1600" dirty="0">
+                <a:latin typeface="Calibri" panose="020F0502020204030204" pitchFamily="34" charset="0"/>
+                <a:cs typeface="Calibri" panose="020F0502020204030204" pitchFamily="34" charset="0"/>
+              </a:rPr>
+            </a:br>
+            <a:r>
+              <a:rPr lang="en-IN" sz="1600" dirty="0">
+                <a:latin typeface="Calibri" panose="020F0502020204030204" pitchFamily="34" charset="0"/>
+                <a:cs typeface="Calibri" panose="020F0502020204030204" pitchFamily="34" charset="0"/>
+              </a:rPr>
+              <a:t>}</a:t>
+            </a:r>
+          </a:p>
+          <a:p>
+            <a:pPr algn="l"/>
+            <a:r>
+              <a:rPr lang="en-IN" sz="1600" dirty="0">
+                <a:solidFill>
+                  <a:srgbClr val="000000"/>
+                </a:solidFill>
+                <a:latin typeface="Calibri" panose="020F0502020204030204" pitchFamily="34" charset="0"/>
+                <a:cs typeface="Calibri" panose="020F0502020204030204" pitchFamily="34" charset="0"/>
+              </a:rPr>
+              <a:t>Useful if value generation takes time.</a:t>
+            </a:r>
+          </a:p>
+          <a:p>
+            <a:pPr marL="400050" lvl="1" indent="0">
+              <a:buNone/>
+            </a:pPr>
+            <a:r>
+              <a:rPr lang="en-IN" sz="1600" b="0" i="0" dirty="0">
+                <a:solidFill>
+                  <a:srgbClr val="000000"/>
+                </a:solidFill>
+                <a:effectLst/>
+                <a:latin typeface="Calibri" panose="020F0502020204030204" pitchFamily="34" charset="0"/>
+                <a:cs typeface="Calibri" panose="020F0502020204030204" pitchFamily="34" charset="0"/>
+              </a:rPr>
+              <a:t>Supplier&lt;Double&gt; </a:t>
+            </a:r>
+            <a:r>
+              <a:rPr lang="en-IN" sz="1600" b="0" i="0" dirty="0" err="1">
+                <a:solidFill>
+                  <a:srgbClr val="000000"/>
+                </a:solidFill>
+                <a:effectLst/>
+                <a:latin typeface="Calibri" panose="020F0502020204030204" pitchFamily="34" charset="0"/>
+                <a:cs typeface="Calibri" panose="020F0502020204030204" pitchFamily="34" charset="0"/>
+              </a:rPr>
+              <a:t>lazyValue</a:t>
+            </a:r>
+            <a:r>
+              <a:rPr lang="en-IN" sz="1600" b="0" i="0" dirty="0">
+                <a:solidFill>
+                  <a:srgbClr val="000000"/>
+                </a:solidFill>
+                <a:effectLst/>
+                <a:latin typeface="Calibri" panose="020F0502020204030204" pitchFamily="34" charset="0"/>
+                <a:cs typeface="Calibri" panose="020F0502020204030204" pitchFamily="34" charset="0"/>
+              </a:rPr>
+              <a:t> = () -&gt; {</a:t>
+            </a:r>
+          </a:p>
+          <a:p>
+            <a:pPr marL="800100" lvl="2" indent="0">
+              <a:buNone/>
+            </a:pPr>
+            <a:r>
+              <a:rPr lang="en-IN" sz="1600" b="0" i="0" dirty="0">
+                <a:solidFill>
+                  <a:srgbClr val="000000"/>
+                </a:solidFill>
+                <a:effectLst/>
+                <a:latin typeface="Calibri" panose="020F0502020204030204" pitchFamily="34" charset="0"/>
+                <a:cs typeface="Calibri" panose="020F0502020204030204" pitchFamily="34" charset="0"/>
+              </a:rPr>
+              <a:t>try {	</a:t>
+            </a:r>
+            <a:br>
+              <a:rPr lang="en-IN" sz="1600" b="0" i="0" dirty="0">
+                <a:solidFill>
+                  <a:srgbClr val="000000"/>
+                </a:solidFill>
+                <a:effectLst/>
+                <a:latin typeface="Calibri" panose="020F0502020204030204" pitchFamily="34" charset="0"/>
+                <a:cs typeface="Calibri" panose="020F0502020204030204" pitchFamily="34" charset="0"/>
+              </a:rPr>
+            </a:br>
+            <a:r>
+              <a:rPr lang="en-IN" sz="1600" b="0" i="0" dirty="0">
+                <a:solidFill>
+                  <a:srgbClr val="000000"/>
+                </a:solidFill>
+                <a:effectLst/>
+                <a:latin typeface="Calibri" panose="020F0502020204030204" pitchFamily="34" charset="0"/>
+                <a:cs typeface="Calibri" panose="020F0502020204030204" pitchFamily="34" charset="0"/>
+              </a:rPr>
+              <a:t>		</a:t>
+            </a:r>
+            <a:r>
+              <a:rPr lang="en-IN" sz="1600" b="0" i="0" dirty="0" err="1">
+                <a:solidFill>
+                  <a:srgbClr val="000000"/>
+                </a:solidFill>
+                <a:effectLst/>
+                <a:latin typeface="Calibri" panose="020F0502020204030204" pitchFamily="34" charset="0"/>
+                <a:cs typeface="Calibri" panose="020F0502020204030204" pitchFamily="34" charset="0"/>
+              </a:rPr>
+              <a:t>Thread.sleep</a:t>
+            </a:r>
+            <a:r>
+              <a:rPr lang="en-IN" sz="1600" b="0" i="0" dirty="0">
+                <a:solidFill>
+                  <a:srgbClr val="000000"/>
+                </a:solidFill>
+                <a:effectLst/>
+                <a:latin typeface="Calibri" panose="020F0502020204030204" pitchFamily="34" charset="0"/>
+                <a:cs typeface="Calibri" panose="020F0502020204030204" pitchFamily="34" charset="0"/>
+              </a:rPr>
+              <a:t>(1000);</a:t>
+            </a:r>
+          </a:p>
+          <a:p>
+            <a:pPr marL="800100" lvl="2" indent="0">
+              <a:buNone/>
+            </a:pPr>
+            <a:r>
+              <a:rPr lang="en-IN" sz="1600" b="0" i="0" dirty="0">
+                <a:solidFill>
+                  <a:srgbClr val="000000"/>
+                </a:solidFill>
+                <a:effectLst/>
+                <a:latin typeface="Calibri" panose="020F0502020204030204" pitchFamily="34" charset="0"/>
+                <a:cs typeface="Calibri" panose="020F0502020204030204" pitchFamily="34" charset="0"/>
+              </a:rPr>
+              <a:t>} catch (</a:t>
+            </a:r>
+            <a:r>
+              <a:rPr lang="en-IN" sz="1600" b="0" i="0" dirty="0" err="1">
+                <a:solidFill>
+                  <a:srgbClr val="000000"/>
+                </a:solidFill>
+                <a:effectLst/>
+                <a:latin typeface="Calibri" panose="020F0502020204030204" pitchFamily="34" charset="0"/>
+                <a:cs typeface="Calibri" panose="020F0502020204030204" pitchFamily="34" charset="0"/>
+              </a:rPr>
+              <a:t>InterruptedException</a:t>
+            </a:r>
+            <a:r>
+              <a:rPr lang="en-IN" sz="1600" b="0" i="0" dirty="0">
+                <a:solidFill>
+                  <a:srgbClr val="000000"/>
+                </a:solidFill>
+                <a:effectLst/>
+                <a:latin typeface="Calibri" panose="020F0502020204030204" pitchFamily="34" charset="0"/>
+                <a:cs typeface="Calibri" panose="020F0502020204030204" pitchFamily="34" charset="0"/>
+              </a:rPr>
+              <a:t> e) {</a:t>
+            </a:r>
+          </a:p>
+          <a:p>
+            <a:pPr marL="400050" lvl="1" indent="0">
+              <a:buNone/>
+            </a:pPr>
+            <a:r>
+              <a:rPr lang="en-IN" sz="1600" b="0" i="0" dirty="0">
+                <a:solidFill>
+                  <a:srgbClr val="000000"/>
+                </a:solidFill>
+                <a:effectLst/>
+                <a:latin typeface="Calibri" panose="020F0502020204030204" pitchFamily="34" charset="0"/>
+                <a:cs typeface="Calibri" panose="020F0502020204030204" pitchFamily="34" charset="0"/>
+              </a:rPr>
+              <a:t>		</a:t>
+            </a:r>
+            <a:r>
+              <a:rPr lang="en-IN" sz="1600" b="0" i="0" dirty="0" err="1">
+                <a:solidFill>
+                  <a:srgbClr val="000000"/>
+                </a:solidFill>
+                <a:effectLst/>
+                <a:latin typeface="Calibri" panose="020F0502020204030204" pitchFamily="34" charset="0"/>
+                <a:cs typeface="Calibri" panose="020F0502020204030204" pitchFamily="34" charset="0"/>
+              </a:rPr>
+              <a:t>e.printStackTrace</a:t>
+            </a:r>
+            <a:r>
+              <a:rPr lang="en-IN" sz="1600" b="0" i="0" dirty="0">
+                <a:solidFill>
+                  <a:srgbClr val="000000"/>
+                </a:solidFill>
+                <a:effectLst/>
+                <a:latin typeface="Calibri" panose="020F0502020204030204" pitchFamily="34" charset="0"/>
+                <a:cs typeface="Calibri" panose="020F0502020204030204" pitchFamily="34" charset="0"/>
+              </a:rPr>
+              <a:t>();</a:t>
+            </a:r>
+          </a:p>
+          <a:p>
+            <a:pPr marL="400050" lvl="1" indent="0">
+              <a:buNone/>
+            </a:pPr>
+            <a:r>
+              <a:rPr lang="en-IN" sz="1600" b="0" i="0" dirty="0">
+                <a:solidFill>
+                  <a:srgbClr val="000000"/>
+                </a:solidFill>
+                <a:effectLst/>
+                <a:latin typeface="Calibri" panose="020F0502020204030204" pitchFamily="34" charset="0"/>
+                <a:cs typeface="Calibri" panose="020F0502020204030204" pitchFamily="34" charset="0"/>
+              </a:rPr>
+              <a:t>	}</a:t>
+            </a:r>
+          </a:p>
+          <a:p>
+            <a:pPr marL="400050" lvl="1" indent="0">
+              <a:buNone/>
+            </a:pPr>
+            <a:r>
+              <a:rPr lang="en-IN" sz="1600" b="0" i="0" dirty="0">
+                <a:solidFill>
+                  <a:srgbClr val="000000"/>
+                </a:solidFill>
+                <a:effectLst/>
+                <a:latin typeface="Calibri" panose="020F0502020204030204" pitchFamily="34" charset="0"/>
+                <a:cs typeface="Calibri" panose="020F0502020204030204" pitchFamily="34" charset="0"/>
+              </a:rPr>
+              <a:t>	return 9d;</a:t>
+            </a:r>
+          </a:p>
+          <a:p>
+            <a:pPr marL="400050" lvl="1" indent="0">
+              <a:buNone/>
+            </a:pPr>
+            <a:r>
+              <a:rPr lang="en-IN" sz="1600" b="0" i="0" dirty="0">
+                <a:solidFill>
+                  <a:srgbClr val="000000"/>
+                </a:solidFill>
+                <a:effectLst/>
+                <a:latin typeface="Calibri" panose="020F0502020204030204" pitchFamily="34" charset="0"/>
+                <a:cs typeface="Calibri" panose="020F0502020204030204" pitchFamily="34" charset="0"/>
+              </a:rPr>
+              <a:t>};</a:t>
+            </a:r>
+          </a:p>
+          <a:p>
+            <a:pPr marL="400050" lvl="1" indent="0">
+              <a:buNone/>
+            </a:pPr>
+            <a:r>
+              <a:rPr lang="en-IN" sz="1600" b="0" i="0" dirty="0">
+                <a:solidFill>
+                  <a:srgbClr val="000000"/>
+                </a:solidFill>
+                <a:effectLst/>
+                <a:latin typeface="Calibri" panose="020F0502020204030204" pitchFamily="34" charset="0"/>
+                <a:cs typeface="Calibri" panose="020F0502020204030204" pitchFamily="34" charset="0"/>
+              </a:rPr>
+              <a:t>Double </a:t>
+            </a:r>
+            <a:r>
+              <a:rPr lang="en-IN" sz="1600" b="0" i="0" dirty="0" err="1">
+                <a:solidFill>
+                  <a:srgbClr val="000000"/>
+                </a:solidFill>
+                <a:effectLst/>
+                <a:latin typeface="Calibri" panose="020F0502020204030204" pitchFamily="34" charset="0"/>
+                <a:cs typeface="Calibri" panose="020F0502020204030204" pitchFamily="34" charset="0"/>
+              </a:rPr>
+              <a:t>valueSquared</a:t>
+            </a:r>
+            <a:r>
+              <a:rPr lang="en-IN" sz="1600" b="0" i="0" dirty="0">
+                <a:solidFill>
+                  <a:srgbClr val="000000"/>
+                </a:solidFill>
+                <a:effectLst/>
+                <a:latin typeface="Calibri" panose="020F0502020204030204" pitchFamily="34" charset="0"/>
+                <a:cs typeface="Calibri" panose="020F0502020204030204" pitchFamily="34" charset="0"/>
+              </a:rPr>
+              <a:t> = </a:t>
+            </a:r>
+            <a:r>
+              <a:rPr lang="en-IN" sz="1600" b="0" i="0" dirty="0" err="1">
+                <a:solidFill>
+                  <a:srgbClr val="000000"/>
+                </a:solidFill>
+                <a:effectLst/>
+                <a:latin typeface="Calibri" panose="020F0502020204030204" pitchFamily="34" charset="0"/>
+                <a:cs typeface="Calibri" panose="020F0502020204030204" pitchFamily="34" charset="0"/>
+              </a:rPr>
+              <a:t>squareLazy</a:t>
+            </a:r>
+            <a:r>
+              <a:rPr lang="en-IN" sz="1600" b="0" i="0" dirty="0">
+                <a:solidFill>
+                  <a:srgbClr val="000000"/>
+                </a:solidFill>
+                <a:effectLst/>
+                <a:latin typeface="Calibri" panose="020F0502020204030204" pitchFamily="34" charset="0"/>
+                <a:cs typeface="Calibri" panose="020F0502020204030204" pitchFamily="34" charset="0"/>
+              </a:rPr>
+              <a:t>(</a:t>
+            </a:r>
+            <a:r>
+              <a:rPr lang="en-IN" sz="1600" b="0" i="0" dirty="0" err="1">
+                <a:solidFill>
+                  <a:srgbClr val="000000"/>
+                </a:solidFill>
+                <a:effectLst/>
+                <a:latin typeface="Calibri" panose="020F0502020204030204" pitchFamily="34" charset="0"/>
+                <a:cs typeface="Calibri" panose="020F0502020204030204" pitchFamily="34" charset="0"/>
+              </a:rPr>
+              <a:t>lazyValue</a:t>
+            </a:r>
+            <a:r>
+              <a:rPr lang="en-IN" sz="1600" b="0" i="0" dirty="0">
+                <a:solidFill>
+                  <a:srgbClr val="000000"/>
+                </a:solidFill>
+                <a:effectLst/>
+                <a:latin typeface="Calibri" panose="020F0502020204030204" pitchFamily="34" charset="0"/>
+                <a:cs typeface="Calibri" panose="020F0502020204030204" pitchFamily="34" charset="0"/>
+              </a:rPr>
+              <a:t>);</a:t>
+            </a:r>
+          </a:p>
+          <a:p>
+            <a:r>
+              <a:rPr lang="en-IN" sz="1600" b="0" i="0" dirty="0">
+                <a:solidFill>
+                  <a:srgbClr val="000000"/>
+                </a:solidFill>
+                <a:effectLst/>
+                <a:latin typeface="Calibri" panose="020F0502020204030204" pitchFamily="34" charset="0"/>
+                <a:cs typeface="Calibri" panose="020F0502020204030204" pitchFamily="34" charset="0"/>
+              </a:rPr>
+              <a:t>Other specializations of the Supplier functional interface include </a:t>
+            </a:r>
+            <a:r>
+              <a:rPr lang="en-IN" sz="1600" b="0" i="0" dirty="0" err="1">
+                <a:solidFill>
+                  <a:srgbClr val="000000"/>
+                </a:solidFill>
+                <a:effectLst/>
+                <a:latin typeface="Calibri" panose="020F0502020204030204" pitchFamily="34" charset="0"/>
+                <a:cs typeface="Calibri" panose="020F0502020204030204" pitchFamily="34" charset="0"/>
+              </a:rPr>
+              <a:t>BooleanSupplier</a:t>
+            </a:r>
+            <a:r>
+              <a:rPr lang="en-IN" sz="1600" dirty="0">
+                <a:solidFill>
+                  <a:srgbClr val="000000"/>
+                </a:solidFill>
+                <a:latin typeface="Calibri" panose="020F0502020204030204" pitchFamily="34" charset="0"/>
+                <a:cs typeface="Calibri" panose="020F0502020204030204" pitchFamily="34" charset="0"/>
+              </a:rPr>
+              <a:t>, </a:t>
+            </a:r>
+            <a:r>
+              <a:rPr lang="en-IN" sz="1600" b="0" i="0" dirty="0" err="1">
+                <a:solidFill>
+                  <a:srgbClr val="000000"/>
+                </a:solidFill>
+                <a:effectLst/>
+                <a:latin typeface="Calibri" panose="020F0502020204030204" pitchFamily="34" charset="0"/>
+                <a:cs typeface="Calibri" panose="020F0502020204030204" pitchFamily="34" charset="0"/>
+              </a:rPr>
+              <a:t>DoubleSupplier</a:t>
+            </a:r>
+            <a:r>
+              <a:rPr lang="en-IN" sz="1600" b="0" i="0" dirty="0">
+                <a:solidFill>
+                  <a:srgbClr val="000000"/>
+                </a:solidFill>
+                <a:effectLst/>
+                <a:latin typeface="Calibri" panose="020F0502020204030204" pitchFamily="34" charset="0"/>
+                <a:cs typeface="Calibri" panose="020F0502020204030204" pitchFamily="34" charset="0"/>
+              </a:rPr>
+              <a:t>, </a:t>
+            </a:r>
+            <a:r>
+              <a:rPr lang="en-IN" sz="1600" b="0" i="0" dirty="0" err="1">
+                <a:solidFill>
+                  <a:srgbClr val="000000"/>
+                </a:solidFill>
+                <a:effectLst/>
+                <a:latin typeface="Calibri" panose="020F0502020204030204" pitchFamily="34" charset="0"/>
+                <a:cs typeface="Calibri" panose="020F0502020204030204" pitchFamily="34" charset="0"/>
+              </a:rPr>
+              <a:t>LongSupplier</a:t>
+            </a:r>
+            <a:r>
+              <a:rPr lang="en-IN" sz="1600" b="0" i="0" dirty="0">
+                <a:solidFill>
+                  <a:srgbClr val="000000"/>
+                </a:solidFill>
+                <a:effectLst/>
+                <a:latin typeface="Calibri" panose="020F0502020204030204" pitchFamily="34" charset="0"/>
+                <a:cs typeface="Calibri" panose="020F0502020204030204" pitchFamily="34" charset="0"/>
+              </a:rPr>
+              <a:t> and </a:t>
+            </a:r>
+            <a:r>
+              <a:rPr lang="en-IN" sz="1600" b="0" i="0" dirty="0" err="1">
+                <a:solidFill>
+                  <a:srgbClr val="000000"/>
+                </a:solidFill>
+                <a:effectLst/>
+                <a:latin typeface="Calibri" panose="020F0502020204030204" pitchFamily="34" charset="0"/>
+                <a:cs typeface="Calibri" panose="020F0502020204030204" pitchFamily="34" charset="0"/>
+              </a:rPr>
+              <a:t>IntSupplier</a:t>
+            </a:r>
+            <a:r>
+              <a:rPr lang="en-IN" sz="1600" b="0" i="0" dirty="0">
+                <a:solidFill>
+                  <a:srgbClr val="000000"/>
+                </a:solidFill>
+                <a:effectLst/>
+                <a:latin typeface="Calibri" panose="020F0502020204030204" pitchFamily="34" charset="0"/>
+                <a:cs typeface="Calibri" panose="020F0502020204030204" pitchFamily="34" charset="0"/>
+              </a:rPr>
+              <a:t>, whose return types are corresponding primitives.</a:t>
+            </a:r>
+          </a:p>
+          <a:p>
+            <a:pPr marL="0" indent="0" algn="l">
+              <a:buNone/>
+            </a:pPr>
+            <a:br>
+              <a:rPr lang="en-IN" sz="1600" b="0" i="0" dirty="0">
+                <a:solidFill>
+                  <a:srgbClr val="000000"/>
+                </a:solidFill>
+                <a:effectLst/>
+                <a:latin typeface="Calibri" panose="020F0502020204030204" pitchFamily="34" charset="0"/>
+                <a:cs typeface="Calibri" panose="020F0502020204030204" pitchFamily="34" charset="0"/>
+              </a:rPr>
+            </a:br>
+            <a:br>
+              <a:rPr lang="en-IN" sz="1600" b="0" i="0" dirty="0">
+                <a:solidFill>
+                  <a:srgbClr val="000000"/>
+                </a:solidFill>
+                <a:effectLst/>
+                <a:latin typeface="Calibri" panose="020F0502020204030204" pitchFamily="34" charset="0"/>
+                <a:cs typeface="Calibri" panose="020F0502020204030204" pitchFamily="34" charset="0"/>
+              </a:rPr>
+            </a:br>
+            <a:endParaRPr lang="en-IN" sz="1600" b="0" i="0" dirty="0">
+              <a:solidFill>
+                <a:srgbClr val="000000"/>
+              </a:solidFill>
+              <a:effectLst/>
+              <a:latin typeface="Calibri" panose="020F0502020204030204" pitchFamily="34" charset="0"/>
+              <a:cs typeface="Calibri" panose="020F0502020204030204" pitchFamily="34" charset="0"/>
+            </a:endParaRPr>
+          </a:p>
+        </p:txBody>
+      </p:sp>
+    </p:spTree>
+    <p:extLst>
+      <p:ext uri="{BB962C8B-B14F-4D97-AF65-F5344CB8AC3E}">
+        <p14:creationId xmlns:p14="http://schemas.microsoft.com/office/powerpoint/2010/main" val="4075879684"/>
       </p:ext>
     </p:extLst>
   </p:cSld>
@@ -8716,6 +12031,1728 @@
     <p:extLst>
       <p:ext uri="{BB962C8B-B14F-4D97-AF65-F5344CB8AC3E}">
         <p14:creationId xmlns:p14="http://schemas.microsoft.com/office/powerpoint/2010/main" val="1338862344"/>
+      </p:ext>
+    </p:extLst>
+  </p:cSld>
+  <p:clrMapOvr>
+    <a:masterClrMapping/>
+  </p:clrMapOvr>
+</p:sld>
+</file>
+
+<file path=ppt/slides/slide30.xml><?xml version="1.0" encoding="utf-8"?>
+<p:sld xmlns:a="http://schemas.openxmlformats.org/drawingml/2006/main" xmlns:r="http://schemas.openxmlformats.org/officeDocument/2006/relationships" xmlns:p="http://schemas.openxmlformats.org/presentationml/2006/main">
+  <p:cSld>
+    <p:spTree>
+      <p:nvGrpSpPr>
+        <p:cNvPr id="1" name=""/>
+        <p:cNvGrpSpPr/>
+        <p:nvPr/>
+      </p:nvGrpSpPr>
+      <p:grpSpPr>
+        <a:xfrm>
+          <a:off x="0" y="0"/>
+          <a:ext cx="0" cy="0"/>
+          <a:chOff x="0" y="0"/>
+          <a:chExt cx="0" cy="0"/>
+        </a:xfrm>
+      </p:grpSpPr>
+      <p:sp>
+        <p:nvSpPr>
+          <p:cNvPr id="2" name="Title 1"/>
+          <p:cNvSpPr>
+            <a:spLocks noGrp="1"/>
+          </p:cNvSpPr>
+          <p:nvPr>
+            <p:ph type="title"/>
+          </p:nvPr>
+        </p:nvSpPr>
+        <p:spPr/>
+        <p:txBody>
+          <a:bodyPr/>
+          <a:lstStyle/>
+          <a:p>
+            <a:r>
+              <a:rPr lang="en-US" sz="2400" dirty="0"/>
+              <a:t>Consumer</a:t>
+            </a:r>
+            <a:endParaRPr lang="en-IN" sz="2400" dirty="0">
+              <a:latin typeface="Arial" panose="020B0604020202020204" pitchFamily="34" charset="0"/>
+              <a:cs typeface="Arial" panose="020B0604020202020204" pitchFamily="34" charset="0"/>
+            </a:endParaRPr>
+          </a:p>
+        </p:txBody>
+      </p:sp>
+      <p:sp>
+        <p:nvSpPr>
+          <p:cNvPr id="3" name="Text Placeholder 2"/>
+          <p:cNvSpPr>
+            <a:spLocks noGrp="1"/>
+          </p:cNvSpPr>
+          <p:nvPr>
+            <p:ph type="body" sz="quarter" idx="10"/>
+          </p:nvPr>
+        </p:nvSpPr>
+        <p:spPr/>
+        <p:txBody>
+          <a:bodyPr>
+            <a:noAutofit/>
+          </a:bodyPr>
+          <a:lstStyle/>
+          <a:p>
+            <a:pPr algn="l"/>
+            <a:r>
+              <a:rPr lang="en-IN" sz="1600" dirty="0">
+                <a:solidFill>
+                  <a:srgbClr val="000000"/>
+                </a:solidFill>
+                <a:latin typeface="Calibri" panose="020F0502020204030204" pitchFamily="34" charset="0"/>
+                <a:cs typeface="Calibri" panose="020F0502020204030204" pitchFamily="34" charset="0"/>
+              </a:rPr>
+              <a:t>T</a:t>
+            </a:r>
+            <a:r>
+              <a:rPr lang="en-IN" sz="1600" b="0" i="0" dirty="0">
+                <a:solidFill>
+                  <a:srgbClr val="000000"/>
+                </a:solidFill>
+                <a:effectLst/>
+                <a:latin typeface="Calibri" panose="020F0502020204030204" pitchFamily="34" charset="0"/>
+                <a:cs typeface="Calibri" panose="020F0502020204030204" pitchFamily="34" charset="0"/>
+              </a:rPr>
+              <a:t>he </a:t>
+            </a:r>
+            <a:r>
+              <a:rPr lang="en-IN" sz="1600" b="0" i="1" dirty="0">
+                <a:solidFill>
+                  <a:srgbClr val="000000"/>
+                </a:solidFill>
+                <a:effectLst/>
+                <a:latin typeface="Calibri" panose="020F0502020204030204" pitchFamily="34" charset="0"/>
+                <a:cs typeface="Calibri" panose="020F0502020204030204" pitchFamily="34" charset="0"/>
+              </a:rPr>
+              <a:t>Consumer</a:t>
+            </a:r>
+            <a:r>
+              <a:rPr lang="en-IN" sz="1600" b="0" i="0" dirty="0">
+                <a:solidFill>
+                  <a:srgbClr val="000000"/>
+                </a:solidFill>
+                <a:effectLst/>
+                <a:latin typeface="Calibri" panose="020F0502020204030204" pitchFamily="34" charset="0"/>
+                <a:cs typeface="Calibri" panose="020F0502020204030204" pitchFamily="34" charset="0"/>
+              </a:rPr>
+              <a:t> accepts a generified argument and returns nothing</a:t>
+            </a:r>
+          </a:p>
+          <a:p>
+            <a:pPr algn="l"/>
+            <a:r>
+              <a:rPr lang="en-IN" sz="1600" dirty="0">
+                <a:solidFill>
+                  <a:srgbClr val="000000"/>
+                </a:solidFill>
+                <a:latin typeface="Calibri" panose="020F0502020204030204" pitchFamily="34" charset="0"/>
+                <a:cs typeface="Calibri" panose="020F0502020204030204" pitchFamily="34" charset="0"/>
+              </a:rPr>
+              <a:t>Example:</a:t>
+            </a:r>
+            <a:br>
+              <a:rPr lang="en-IN" sz="1600" dirty="0">
+                <a:solidFill>
+                  <a:srgbClr val="000000"/>
+                </a:solidFill>
+                <a:latin typeface="Calibri" panose="020F0502020204030204" pitchFamily="34" charset="0"/>
+                <a:cs typeface="Calibri" panose="020F0502020204030204" pitchFamily="34" charset="0"/>
+              </a:rPr>
+            </a:br>
+            <a:r>
+              <a:rPr lang="en-IN" sz="1600" dirty="0">
+                <a:solidFill>
+                  <a:srgbClr val="000000"/>
+                </a:solidFill>
+                <a:latin typeface="Calibri" panose="020F0502020204030204" pitchFamily="34" charset="0"/>
+                <a:cs typeface="Calibri" panose="020F0502020204030204" pitchFamily="34" charset="0"/>
+              </a:rPr>
+              <a:t>List&lt;String&gt; names = </a:t>
+            </a:r>
+            <a:r>
+              <a:rPr lang="en-IN" sz="1600" dirty="0" err="1">
+                <a:solidFill>
+                  <a:srgbClr val="000000"/>
+                </a:solidFill>
+                <a:latin typeface="Calibri" panose="020F0502020204030204" pitchFamily="34" charset="0"/>
+                <a:cs typeface="Calibri" panose="020F0502020204030204" pitchFamily="34" charset="0"/>
+              </a:rPr>
+              <a:t>Arrays.asList</a:t>
+            </a:r>
+            <a:r>
+              <a:rPr lang="en-IN" sz="1600" dirty="0">
+                <a:solidFill>
+                  <a:srgbClr val="000000"/>
+                </a:solidFill>
+                <a:latin typeface="Calibri" panose="020F0502020204030204" pitchFamily="34" charset="0"/>
+                <a:cs typeface="Calibri" panose="020F0502020204030204" pitchFamily="34" charset="0"/>
+              </a:rPr>
+              <a:t>("John", "Freddy", "Samuel");</a:t>
+            </a:r>
+            <a:br>
+              <a:rPr lang="en-IN" sz="1600" dirty="0">
+                <a:solidFill>
+                  <a:srgbClr val="000000"/>
+                </a:solidFill>
+                <a:latin typeface="Calibri" panose="020F0502020204030204" pitchFamily="34" charset="0"/>
+                <a:cs typeface="Calibri" panose="020F0502020204030204" pitchFamily="34" charset="0"/>
+              </a:rPr>
+            </a:br>
+            <a:r>
+              <a:rPr lang="en-IN" sz="1600" dirty="0" err="1">
+                <a:solidFill>
+                  <a:srgbClr val="000000"/>
+                </a:solidFill>
+                <a:latin typeface="Calibri" panose="020F0502020204030204" pitchFamily="34" charset="0"/>
+                <a:cs typeface="Calibri" panose="020F0502020204030204" pitchFamily="34" charset="0"/>
+              </a:rPr>
+              <a:t>names.forEach</a:t>
+            </a:r>
+            <a:r>
+              <a:rPr lang="en-IN" sz="1600" dirty="0">
+                <a:solidFill>
+                  <a:srgbClr val="000000"/>
+                </a:solidFill>
+                <a:latin typeface="Calibri" panose="020F0502020204030204" pitchFamily="34" charset="0"/>
+                <a:cs typeface="Calibri" panose="020F0502020204030204" pitchFamily="34" charset="0"/>
+              </a:rPr>
+              <a:t>(name -&gt; </a:t>
+            </a:r>
+            <a:r>
+              <a:rPr lang="en-IN" sz="1600" dirty="0" err="1">
+                <a:solidFill>
+                  <a:srgbClr val="000000"/>
+                </a:solidFill>
+                <a:latin typeface="Calibri" panose="020F0502020204030204" pitchFamily="34" charset="0"/>
+                <a:cs typeface="Calibri" panose="020F0502020204030204" pitchFamily="34" charset="0"/>
+              </a:rPr>
+              <a:t>System.out.println</a:t>
+            </a:r>
+            <a:r>
+              <a:rPr lang="en-IN" sz="1600" dirty="0">
+                <a:solidFill>
+                  <a:srgbClr val="000000"/>
+                </a:solidFill>
+                <a:latin typeface="Calibri" panose="020F0502020204030204" pitchFamily="34" charset="0"/>
+                <a:cs typeface="Calibri" panose="020F0502020204030204" pitchFamily="34" charset="0"/>
+              </a:rPr>
+              <a:t>("Hello, " + name));</a:t>
+            </a:r>
+          </a:p>
+          <a:p>
+            <a:pPr algn="l"/>
+            <a:endParaRPr lang="en-IN" sz="1600" b="0" i="0" dirty="0">
+              <a:solidFill>
+                <a:srgbClr val="000000"/>
+              </a:solidFill>
+              <a:effectLst/>
+              <a:latin typeface="Calibri" panose="020F0502020204030204" pitchFamily="34" charset="0"/>
+              <a:cs typeface="Calibri" panose="020F0502020204030204" pitchFamily="34" charset="0"/>
+            </a:endParaRPr>
+          </a:p>
+          <a:p>
+            <a:r>
+              <a:rPr lang="en-IN" sz="1600" b="0" i="0" dirty="0">
+                <a:solidFill>
+                  <a:srgbClr val="000000"/>
+                </a:solidFill>
+                <a:effectLst/>
+                <a:latin typeface="Calibri" panose="020F0502020204030204" pitchFamily="34" charset="0"/>
+                <a:cs typeface="Calibri" panose="020F0502020204030204" pitchFamily="34" charset="0"/>
+              </a:rPr>
+              <a:t>There are also specialized versions of the Consumer — </a:t>
+            </a:r>
+            <a:r>
+              <a:rPr lang="en-IN" sz="1600" b="0" i="0" dirty="0" err="1">
+                <a:solidFill>
+                  <a:srgbClr val="000000"/>
+                </a:solidFill>
+                <a:effectLst/>
+                <a:latin typeface="Calibri" panose="020F0502020204030204" pitchFamily="34" charset="0"/>
+                <a:cs typeface="Calibri" panose="020F0502020204030204" pitchFamily="34" charset="0"/>
+              </a:rPr>
+              <a:t>DoubleConsumer</a:t>
+            </a:r>
+            <a:r>
+              <a:rPr lang="en-IN" sz="1600" b="0" i="0" dirty="0">
+                <a:solidFill>
+                  <a:srgbClr val="000000"/>
+                </a:solidFill>
+                <a:effectLst/>
+                <a:latin typeface="Calibri" panose="020F0502020204030204" pitchFamily="34" charset="0"/>
+                <a:cs typeface="Calibri" panose="020F0502020204030204" pitchFamily="34" charset="0"/>
+              </a:rPr>
+              <a:t>, </a:t>
+            </a:r>
+            <a:r>
+              <a:rPr lang="en-IN" sz="1600" b="0" i="0" dirty="0" err="1">
+                <a:solidFill>
+                  <a:srgbClr val="000000"/>
+                </a:solidFill>
+                <a:effectLst/>
+                <a:latin typeface="Calibri" panose="020F0502020204030204" pitchFamily="34" charset="0"/>
+                <a:cs typeface="Calibri" panose="020F0502020204030204" pitchFamily="34" charset="0"/>
+              </a:rPr>
+              <a:t>IntConsumer</a:t>
+            </a:r>
+            <a:r>
+              <a:rPr lang="en-IN" sz="1600" b="0" i="0" dirty="0">
+                <a:solidFill>
+                  <a:srgbClr val="000000"/>
+                </a:solidFill>
+                <a:effectLst/>
+                <a:latin typeface="Calibri" panose="020F0502020204030204" pitchFamily="34" charset="0"/>
+                <a:cs typeface="Calibri" panose="020F0502020204030204" pitchFamily="34" charset="0"/>
+              </a:rPr>
+              <a:t> and </a:t>
+            </a:r>
+            <a:r>
+              <a:rPr lang="en-IN" sz="1600" b="0" i="0" dirty="0" err="1">
+                <a:solidFill>
+                  <a:srgbClr val="000000"/>
+                </a:solidFill>
+                <a:effectLst/>
+                <a:latin typeface="Calibri" panose="020F0502020204030204" pitchFamily="34" charset="0"/>
+                <a:cs typeface="Calibri" panose="020F0502020204030204" pitchFamily="34" charset="0"/>
+              </a:rPr>
+              <a:t>LongConsumer</a:t>
+            </a:r>
+            <a:r>
+              <a:rPr lang="en-IN" sz="1600" b="0" i="0" dirty="0">
+                <a:solidFill>
+                  <a:srgbClr val="000000"/>
+                </a:solidFill>
+                <a:effectLst/>
+                <a:latin typeface="Calibri" panose="020F0502020204030204" pitchFamily="34" charset="0"/>
+                <a:cs typeface="Calibri" panose="020F0502020204030204" pitchFamily="34" charset="0"/>
+              </a:rPr>
+              <a:t> — that receive primitive values as arguments. </a:t>
+            </a:r>
+          </a:p>
+          <a:p>
+            <a:endParaRPr lang="en-IN" sz="1600" dirty="0">
+              <a:solidFill>
+                <a:srgbClr val="000000"/>
+              </a:solidFill>
+              <a:latin typeface="Calibri" panose="020F0502020204030204" pitchFamily="34" charset="0"/>
+              <a:cs typeface="Calibri" panose="020F0502020204030204" pitchFamily="34" charset="0"/>
+            </a:endParaRPr>
+          </a:p>
+          <a:p>
+            <a:r>
+              <a:rPr lang="en-IN" sz="1600" b="0" i="0" dirty="0">
+                <a:solidFill>
+                  <a:srgbClr val="000000"/>
+                </a:solidFill>
+                <a:effectLst/>
+                <a:latin typeface="Calibri" panose="020F0502020204030204" pitchFamily="34" charset="0"/>
+                <a:cs typeface="Calibri" panose="020F0502020204030204" pitchFamily="34" charset="0"/>
+              </a:rPr>
+              <a:t>Another Consumer is Bi Consumer that takes in 2 arguments. Usually used with maps</a:t>
+            </a:r>
+            <a:br>
+              <a:rPr lang="en-IN" sz="1600" b="0" i="0" dirty="0">
+                <a:solidFill>
+                  <a:srgbClr val="000000"/>
+                </a:solidFill>
+                <a:effectLst/>
+                <a:latin typeface="Calibri" panose="020F0502020204030204" pitchFamily="34" charset="0"/>
+                <a:cs typeface="Calibri" panose="020F0502020204030204" pitchFamily="34" charset="0"/>
+              </a:rPr>
+            </a:br>
+            <a:br>
+              <a:rPr lang="en-IN" sz="1600" b="0" i="0" dirty="0">
+                <a:solidFill>
+                  <a:srgbClr val="000000"/>
+                </a:solidFill>
+                <a:effectLst/>
+                <a:latin typeface="Calibri" panose="020F0502020204030204" pitchFamily="34" charset="0"/>
+                <a:cs typeface="Calibri" panose="020F0502020204030204" pitchFamily="34" charset="0"/>
+              </a:rPr>
+            </a:br>
+            <a:r>
+              <a:rPr lang="en-IN" sz="1600" b="0" i="0" dirty="0">
+                <a:solidFill>
+                  <a:srgbClr val="000000"/>
+                </a:solidFill>
+                <a:effectLst/>
+                <a:latin typeface="Calibri" panose="020F0502020204030204" pitchFamily="34" charset="0"/>
+                <a:cs typeface="Calibri" panose="020F0502020204030204" pitchFamily="34" charset="0"/>
+              </a:rPr>
+              <a:t>Map&lt;String, Integer&gt; ages = new HashMap&lt;&gt;();</a:t>
+            </a:r>
+          </a:p>
+          <a:p>
+            <a:pPr marL="400050" lvl="1" indent="0">
+              <a:buNone/>
+            </a:pPr>
+            <a:r>
+              <a:rPr lang="en-IN" sz="1600" b="0" i="0" dirty="0" err="1">
+                <a:solidFill>
+                  <a:srgbClr val="000000"/>
+                </a:solidFill>
+                <a:effectLst/>
+                <a:latin typeface="Calibri" panose="020F0502020204030204" pitchFamily="34" charset="0"/>
+                <a:cs typeface="Calibri" panose="020F0502020204030204" pitchFamily="34" charset="0"/>
+              </a:rPr>
+              <a:t>ages.put</a:t>
+            </a:r>
+            <a:r>
+              <a:rPr lang="en-IN" sz="1600" b="0" i="0" dirty="0">
+                <a:solidFill>
+                  <a:srgbClr val="000000"/>
+                </a:solidFill>
+                <a:effectLst/>
+                <a:latin typeface="Calibri" panose="020F0502020204030204" pitchFamily="34" charset="0"/>
+                <a:cs typeface="Calibri" panose="020F0502020204030204" pitchFamily="34" charset="0"/>
+              </a:rPr>
+              <a:t>("John", 25);</a:t>
+            </a:r>
+          </a:p>
+          <a:p>
+            <a:pPr marL="400050" lvl="1" indent="0">
+              <a:buNone/>
+            </a:pPr>
+            <a:r>
+              <a:rPr lang="en-IN" sz="1600" b="0" i="0" dirty="0" err="1">
+                <a:solidFill>
+                  <a:srgbClr val="000000"/>
+                </a:solidFill>
+                <a:effectLst/>
+                <a:latin typeface="Calibri" panose="020F0502020204030204" pitchFamily="34" charset="0"/>
+                <a:cs typeface="Calibri" panose="020F0502020204030204" pitchFamily="34" charset="0"/>
+              </a:rPr>
+              <a:t>ages.put</a:t>
+            </a:r>
+            <a:r>
+              <a:rPr lang="en-IN" sz="1600" b="0" i="0" dirty="0">
+                <a:solidFill>
+                  <a:srgbClr val="000000"/>
+                </a:solidFill>
+                <a:effectLst/>
+                <a:latin typeface="Calibri" panose="020F0502020204030204" pitchFamily="34" charset="0"/>
+                <a:cs typeface="Calibri" panose="020F0502020204030204" pitchFamily="34" charset="0"/>
+              </a:rPr>
+              <a:t>("Freddy", 24);</a:t>
+            </a:r>
+          </a:p>
+          <a:p>
+            <a:pPr marL="400050" lvl="1" indent="0">
+              <a:buNone/>
+            </a:pPr>
+            <a:r>
+              <a:rPr lang="en-IN" sz="1600" b="0" i="0" dirty="0" err="1">
+                <a:solidFill>
+                  <a:srgbClr val="000000"/>
+                </a:solidFill>
+                <a:effectLst/>
+                <a:latin typeface="Calibri" panose="020F0502020204030204" pitchFamily="34" charset="0"/>
+                <a:cs typeface="Calibri" panose="020F0502020204030204" pitchFamily="34" charset="0"/>
+              </a:rPr>
+              <a:t>ages.put</a:t>
+            </a:r>
+            <a:r>
+              <a:rPr lang="en-IN" sz="1600" b="0" i="0" dirty="0">
+                <a:solidFill>
+                  <a:srgbClr val="000000"/>
+                </a:solidFill>
+                <a:effectLst/>
+                <a:latin typeface="Calibri" panose="020F0502020204030204" pitchFamily="34" charset="0"/>
+                <a:cs typeface="Calibri" panose="020F0502020204030204" pitchFamily="34" charset="0"/>
+              </a:rPr>
+              <a:t>("Samuel", 30);</a:t>
+            </a:r>
+          </a:p>
+          <a:p>
+            <a:pPr marL="400050" lvl="1" indent="0">
+              <a:buNone/>
+            </a:pPr>
+            <a:r>
+              <a:rPr lang="en-IN" sz="1600" b="0" i="0" dirty="0" err="1">
+                <a:solidFill>
+                  <a:srgbClr val="000000"/>
+                </a:solidFill>
+                <a:effectLst/>
+                <a:latin typeface="Calibri" panose="020F0502020204030204" pitchFamily="34" charset="0"/>
+                <a:cs typeface="Calibri" panose="020F0502020204030204" pitchFamily="34" charset="0"/>
+              </a:rPr>
+              <a:t>ages.forEach</a:t>
+            </a:r>
+            <a:r>
+              <a:rPr lang="en-IN" sz="1600" b="0" i="0" dirty="0">
+                <a:solidFill>
+                  <a:srgbClr val="000000"/>
+                </a:solidFill>
+                <a:effectLst/>
+                <a:latin typeface="Calibri" panose="020F0502020204030204" pitchFamily="34" charset="0"/>
+                <a:cs typeface="Calibri" panose="020F0502020204030204" pitchFamily="34" charset="0"/>
+              </a:rPr>
+              <a:t>((name, age) -&gt; </a:t>
+            </a:r>
+            <a:r>
+              <a:rPr lang="en-IN" sz="1600" b="0" i="0" dirty="0" err="1">
+                <a:solidFill>
+                  <a:srgbClr val="000000"/>
+                </a:solidFill>
+                <a:effectLst/>
+                <a:latin typeface="Calibri" panose="020F0502020204030204" pitchFamily="34" charset="0"/>
+                <a:cs typeface="Calibri" panose="020F0502020204030204" pitchFamily="34" charset="0"/>
+              </a:rPr>
+              <a:t>System.out.println</a:t>
+            </a:r>
+            <a:r>
+              <a:rPr lang="en-IN" sz="1600" b="0" i="0" dirty="0">
+                <a:solidFill>
+                  <a:srgbClr val="000000"/>
+                </a:solidFill>
+                <a:effectLst/>
+                <a:latin typeface="Calibri" panose="020F0502020204030204" pitchFamily="34" charset="0"/>
+                <a:cs typeface="Calibri" panose="020F0502020204030204" pitchFamily="34" charset="0"/>
+              </a:rPr>
+              <a:t>(name + " is " + age + " years old"));</a:t>
+            </a:r>
+          </a:p>
+          <a:p>
+            <a:pPr marL="400050" lvl="1" indent="0">
+              <a:buNone/>
+            </a:pPr>
+            <a:endParaRPr lang="en-IN" sz="1600" b="0" i="0" dirty="0">
+              <a:solidFill>
+                <a:srgbClr val="000000"/>
+              </a:solidFill>
+              <a:effectLst/>
+              <a:latin typeface="Calibri" panose="020F0502020204030204" pitchFamily="34" charset="0"/>
+              <a:cs typeface="Calibri" panose="020F0502020204030204" pitchFamily="34" charset="0"/>
+            </a:endParaRPr>
+          </a:p>
+          <a:p>
+            <a:r>
+              <a:rPr lang="en-IN" sz="1600" b="0" i="0" dirty="0">
+                <a:solidFill>
+                  <a:srgbClr val="000000"/>
+                </a:solidFill>
+                <a:effectLst/>
+                <a:latin typeface="Calibri" panose="020F0502020204030204" pitchFamily="34" charset="0"/>
+                <a:cs typeface="Calibri" panose="020F0502020204030204" pitchFamily="34" charset="0"/>
+              </a:rPr>
+              <a:t>Another set of specialized </a:t>
+            </a:r>
+            <a:r>
+              <a:rPr lang="en-IN" sz="1600" b="0" i="0" dirty="0" err="1">
+                <a:solidFill>
+                  <a:srgbClr val="000000"/>
+                </a:solidFill>
+                <a:effectLst/>
+                <a:latin typeface="Calibri" panose="020F0502020204030204" pitchFamily="34" charset="0"/>
+                <a:cs typeface="Calibri" panose="020F0502020204030204" pitchFamily="34" charset="0"/>
+              </a:rPr>
+              <a:t>BiConsumer</a:t>
+            </a:r>
+            <a:r>
+              <a:rPr lang="en-IN" sz="1600" b="0" i="0" dirty="0">
+                <a:solidFill>
+                  <a:srgbClr val="000000"/>
+                </a:solidFill>
+                <a:effectLst/>
+                <a:latin typeface="Calibri" panose="020F0502020204030204" pitchFamily="34" charset="0"/>
+                <a:cs typeface="Calibri" panose="020F0502020204030204" pitchFamily="34" charset="0"/>
+              </a:rPr>
+              <a:t> versions is comprised of </a:t>
+            </a:r>
+            <a:r>
+              <a:rPr lang="en-IN" sz="1600" b="0" i="0" dirty="0" err="1">
+                <a:solidFill>
+                  <a:srgbClr val="000000"/>
+                </a:solidFill>
+                <a:effectLst/>
+                <a:latin typeface="Calibri" panose="020F0502020204030204" pitchFamily="34" charset="0"/>
+                <a:cs typeface="Calibri" panose="020F0502020204030204" pitchFamily="34" charset="0"/>
+              </a:rPr>
+              <a:t>ObjDoubleConsumer</a:t>
+            </a:r>
+            <a:r>
+              <a:rPr lang="en-IN" sz="1600" b="0" i="0" dirty="0">
+                <a:solidFill>
+                  <a:srgbClr val="000000"/>
+                </a:solidFill>
+                <a:effectLst/>
+                <a:latin typeface="Calibri" panose="020F0502020204030204" pitchFamily="34" charset="0"/>
+                <a:cs typeface="Calibri" panose="020F0502020204030204" pitchFamily="34" charset="0"/>
+              </a:rPr>
+              <a:t>, </a:t>
+            </a:r>
+            <a:r>
+              <a:rPr lang="en-IN" sz="1600" b="0" i="0" dirty="0" err="1">
+                <a:solidFill>
+                  <a:srgbClr val="000000"/>
+                </a:solidFill>
+                <a:effectLst/>
+                <a:latin typeface="Calibri" panose="020F0502020204030204" pitchFamily="34" charset="0"/>
+                <a:cs typeface="Calibri" panose="020F0502020204030204" pitchFamily="34" charset="0"/>
+              </a:rPr>
+              <a:t>ObjIntConsumer</a:t>
+            </a:r>
+            <a:r>
+              <a:rPr lang="en-IN" sz="1600" b="0" i="0" dirty="0">
+                <a:solidFill>
+                  <a:srgbClr val="000000"/>
+                </a:solidFill>
+                <a:effectLst/>
+                <a:latin typeface="Calibri" panose="020F0502020204030204" pitchFamily="34" charset="0"/>
+                <a:cs typeface="Calibri" panose="020F0502020204030204" pitchFamily="34" charset="0"/>
+              </a:rPr>
+              <a:t>, and </a:t>
+            </a:r>
+            <a:r>
+              <a:rPr lang="en-IN" sz="1600" b="0" i="0" dirty="0" err="1">
+                <a:solidFill>
+                  <a:srgbClr val="000000"/>
+                </a:solidFill>
+                <a:effectLst/>
+                <a:latin typeface="Calibri" panose="020F0502020204030204" pitchFamily="34" charset="0"/>
+                <a:cs typeface="Calibri" panose="020F0502020204030204" pitchFamily="34" charset="0"/>
+              </a:rPr>
+              <a:t>ObjLongConsumer</a:t>
+            </a:r>
+            <a:r>
+              <a:rPr lang="en-IN" sz="1600" b="0" i="0" dirty="0">
+                <a:solidFill>
+                  <a:srgbClr val="000000"/>
+                </a:solidFill>
+                <a:effectLst/>
+                <a:latin typeface="Calibri" panose="020F0502020204030204" pitchFamily="34" charset="0"/>
+                <a:cs typeface="Calibri" panose="020F0502020204030204" pitchFamily="34" charset="0"/>
+              </a:rPr>
+              <a:t>, which receive two arguments; one of the arguments is generified, and the other is a primitive type.</a:t>
+            </a:r>
+          </a:p>
+        </p:txBody>
+      </p:sp>
+    </p:spTree>
+    <p:extLst>
+      <p:ext uri="{BB962C8B-B14F-4D97-AF65-F5344CB8AC3E}">
+        <p14:creationId xmlns:p14="http://schemas.microsoft.com/office/powerpoint/2010/main" val="1500598616"/>
+      </p:ext>
+    </p:extLst>
+  </p:cSld>
+  <p:clrMapOvr>
+    <a:masterClrMapping/>
+  </p:clrMapOvr>
+</p:sld>
+</file>
+
+<file path=ppt/slides/slide31.xml><?xml version="1.0" encoding="utf-8"?>
+<p:sld xmlns:a="http://schemas.openxmlformats.org/drawingml/2006/main" xmlns:r="http://schemas.openxmlformats.org/officeDocument/2006/relationships" xmlns:p="http://schemas.openxmlformats.org/presentationml/2006/main">
+  <p:cSld>
+    <p:spTree>
+      <p:nvGrpSpPr>
+        <p:cNvPr id="1" name=""/>
+        <p:cNvGrpSpPr/>
+        <p:nvPr/>
+      </p:nvGrpSpPr>
+      <p:grpSpPr>
+        <a:xfrm>
+          <a:off x="0" y="0"/>
+          <a:ext cx="0" cy="0"/>
+          <a:chOff x="0" y="0"/>
+          <a:chExt cx="0" cy="0"/>
+        </a:xfrm>
+      </p:grpSpPr>
+      <p:sp>
+        <p:nvSpPr>
+          <p:cNvPr id="2" name="Title 1"/>
+          <p:cNvSpPr>
+            <a:spLocks noGrp="1"/>
+          </p:cNvSpPr>
+          <p:nvPr>
+            <p:ph type="title"/>
+          </p:nvPr>
+        </p:nvSpPr>
+        <p:spPr/>
+        <p:txBody>
+          <a:bodyPr/>
+          <a:lstStyle/>
+          <a:p>
+            <a:r>
+              <a:rPr lang="en-US" sz="2400" dirty="0"/>
+              <a:t>Predicates</a:t>
+            </a:r>
+            <a:endParaRPr lang="en-IN" sz="2400" dirty="0">
+              <a:latin typeface="Arial" panose="020B0604020202020204" pitchFamily="34" charset="0"/>
+              <a:cs typeface="Arial" panose="020B0604020202020204" pitchFamily="34" charset="0"/>
+            </a:endParaRPr>
+          </a:p>
+        </p:txBody>
+      </p:sp>
+      <p:sp>
+        <p:nvSpPr>
+          <p:cNvPr id="3" name="Text Placeholder 2"/>
+          <p:cNvSpPr>
+            <a:spLocks noGrp="1"/>
+          </p:cNvSpPr>
+          <p:nvPr>
+            <p:ph type="body" sz="quarter" idx="10"/>
+          </p:nvPr>
+        </p:nvSpPr>
+        <p:spPr/>
+        <p:txBody>
+          <a:bodyPr>
+            <a:noAutofit/>
+          </a:bodyPr>
+          <a:lstStyle/>
+          <a:p>
+            <a:pPr algn="l"/>
+            <a:r>
+              <a:rPr lang="en-IN" sz="1600" b="0" i="0" dirty="0">
+                <a:solidFill>
+                  <a:srgbClr val="000000"/>
+                </a:solidFill>
+                <a:effectLst/>
+                <a:latin typeface="Calibri" panose="020F0502020204030204" pitchFamily="34" charset="0"/>
+                <a:cs typeface="Calibri" panose="020F0502020204030204" pitchFamily="34" charset="0"/>
+              </a:rPr>
+              <a:t>It receives a generified value and returns a </a:t>
+            </a:r>
+            <a:r>
+              <a:rPr lang="en-IN" sz="1600" b="0" i="0" dirty="0" err="1">
+                <a:solidFill>
+                  <a:srgbClr val="000000"/>
+                </a:solidFill>
+                <a:effectLst/>
+                <a:latin typeface="Calibri" panose="020F0502020204030204" pitchFamily="34" charset="0"/>
+                <a:cs typeface="Calibri" panose="020F0502020204030204" pitchFamily="34" charset="0"/>
+              </a:rPr>
+              <a:t>boolean</a:t>
+            </a:r>
+            <a:r>
+              <a:rPr lang="en-IN" sz="1600" b="0" i="0" dirty="0">
+                <a:solidFill>
+                  <a:srgbClr val="000000"/>
+                </a:solidFill>
+                <a:effectLst/>
+                <a:latin typeface="Calibri" panose="020F0502020204030204" pitchFamily="34" charset="0"/>
+                <a:cs typeface="Calibri" panose="020F0502020204030204" pitchFamily="34" charset="0"/>
+              </a:rPr>
+              <a:t>.</a:t>
+            </a:r>
+          </a:p>
+          <a:p>
+            <a:pPr algn="l"/>
+            <a:r>
+              <a:rPr lang="en-IN" sz="1600" b="0" i="0" dirty="0">
+                <a:solidFill>
+                  <a:srgbClr val="000000"/>
+                </a:solidFill>
+                <a:effectLst/>
+                <a:latin typeface="Calibri" panose="020F0502020204030204" pitchFamily="34" charset="0"/>
+                <a:cs typeface="Calibri" panose="020F0502020204030204" pitchFamily="34" charset="0"/>
+              </a:rPr>
+              <a:t> A typical use case of the </a:t>
+            </a:r>
+            <a:r>
+              <a:rPr lang="en-IN" sz="1600" b="0" i="1" dirty="0">
+                <a:solidFill>
+                  <a:srgbClr val="000000"/>
+                </a:solidFill>
+                <a:effectLst/>
+                <a:latin typeface="Calibri" panose="020F0502020204030204" pitchFamily="34" charset="0"/>
+                <a:cs typeface="Calibri" panose="020F0502020204030204" pitchFamily="34" charset="0"/>
+              </a:rPr>
+              <a:t>Predicate</a:t>
+            </a:r>
+            <a:r>
+              <a:rPr lang="en-IN" sz="1600" b="0" i="0" dirty="0">
+                <a:solidFill>
+                  <a:srgbClr val="000000"/>
+                </a:solidFill>
+                <a:effectLst/>
+                <a:latin typeface="Calibri" panose="020F0502020204030204" pitchFamily="34" charset="0"/>
+                <a:cs typeface="Calibri" panose="020F0502020204030204" pitchFamily="34" charset="0"/>
+              </a:rPr>
+              <a:t> lambda is to filter a collection of values:</a:t>
+            </a:r>
+          </a:p>
+          <a:p>
+            <a:pPr marL="400050" lvl="1" indent="0">
+              <a:buNone/>
+            </a:pPr>
+            <a:br>
+              <a:rPr lang="en-IN" sz="1600" b="0" i="0" dirty="0">
+                <a:solidFill>
+                  <a:srgbClr val="000000"/>
+                </a:solidFill>
+                <a:effectLst/>
+                <a:latin typeface="Calibri" panose="020F0502020204030204" pitchFamily="34" charset="0"/>
+                <a:cs typeface="Calibri" panose="020F0502020204030204" pitchFamily="34" charset="0"/>
+              </a:rPr>
+            </a:br>
+            <a:r>
+              <a:rPr lang="en-IN" sz="1600" b="0" i="0" dirty="0">
+                <a:solidFill>
+                  <a:srgbClr val="000000"/>
+                </a:solidFill>
+                <a:effectLst/>
+                <a:latin typeface="Calibri" panose="020F0502020204030204" pitchFamily="34" charset="0"/>
+                <a:cs typeface="Calibri" panose="020F0502020204030204" pitchFamily="34" charset="0"/>
+              </a:rPr>
+              <a:t>public static void </a:t>
+            </a:r>
+            <a:r>
+              <a:rPr lang="en-IN" sz="1600" b="0" i="0" dirty="0" err="1">
+                <a:solidFill>
+                  <a:srgbClr val="000000"/>
+                </a:solidFill>
+                <a:effectLst/>
+                <a:latin typeface="Calibri" panose="020F0502020204030204" pitchFamily="34" charset="0"/>
+                <a:cs typeface="Calibri" panose="020F0502020204030204" pitchFamily="34" charset="0"/>
+              </a:rPr>
+              <a:t>displayNames</a:t>
+            </a:r>
+            <a:r>
+              <a:rPr lang="en-IN" sz="1600" b="0" i="0" dirty="0">
+                <a:solidFill>
+                  <a:srgbClr val="000000"/>
+                </a:solidFill>
+                <a:effectLst/>
+                <a:latin typeface="Calibri" panose="020F0502020204030204" pitchFamily="34" charset="0"/>
+                <a:cs typeface="Calibri" panose="020F0502020204030204" pitchFamily="34" charset="0"/>
+              </a:rPr>
+              <a:t>(List&lt;String&gt; names, Predicate&lt;String&gt; predicate) {</a:t>
+            </a:r>
+          </a:p>
+          <a:p>
+            <a:pPr marL="400050" lvl="1" indent="0">
+              <a:buNone/>
+            </a:pPr>
+            <a:r>
+              <a:rPr lang="en-IN" sz="1600" b="0" i="0" dirty="0">
+                <a:solidFill>
+                  <a:srgbClr val="000000"/>
+                </a:solidFill>
+                <a:effectLst/>
+                <a:latin typeface="Calibri" panose="020F0502020204030204" pitchFamily="34" charset="0"/>
+                <a:cs typeface="Calibri" panose="020F0502020204030204" pitchFamily="34" charset="0"/>
+              </a:rPr>
+              <a:t>	for(String </a:t>
+            </a:r>
+            <a:r>
+              <a:rPr lang="en-IN" sz="1600" b="0" i="0" dirty="0" err="1">
+                <a:solidFill>
+                  <a:srgbClr val="000000"/>
+                </a:solidFill>
+                <a:effectLst/>
+                <a:latin typeface="Calibri" panose="020F0502020204030204" pitchFamily="34" charset="0"/>
+                <a:cs typeface="Calibri" panose="020F0502020204030204" pitchFamily="34" charset="0"/>
+              </a:rPr>
+              <a:t>name:names</a:t>
+            </a:r>
+            <a:r>
+              <a:rPr lang="en-IN" sz="1600" b="0" i="0" dirty="0">
+                <a:solidFill>
+                  <a:srgbClr val="000000"/>
+                </a:solidFill>
+                <a:effectLst/>
+                <a:latin typeface="Calibri" panose="020F0502020204030204" pitchFamily="34" charset="0"/>
+                <a:cs typeface="Calibri" panose="020F0502020204030204" pitchFamily="34" charset="0"/>
+              </a:rPr>
+              <a:t>)</a:t>
+            </a:r>
+          </a:p>
+          <a:p>
+            <a:pPr marL="400050" lvl="1" indent="0">
+              <a:buNone/>
+            </a:pPr>
+            <a:r>
+              <a:rPr lang="en-IN" sz="1600" b="0" i="0" dirty="0">
+                <a:solidFill>
+                  <a:srgbClr val="000000"/>
+                </a:solidFill>
+                <a:effectLst/>
+                <a:latin typeface="Calibri" panose="020F0502020204030204" pitchFamily="34" charset="0"/>
+                <a:cs typeface="Calibri" panose="020F0502020204030204" pitchFamily="34" charset="0"/>
+              </a:rPr>
+              <a:t>		if(</a:t>
+            </a:r>
+            <a:r>
+              <a:rPr lang="en-IN" sz="1600" b="0" i="0" dirty="0" err="1">
+                <a:solidFill>
+                  <a:srgbClr val="000000"/>
+                </a:solidFill>
+                <a:effectLst/>
+                <a:latin typeface="Calibri" panose="020F0502020204030204" pitchFamily="34" charset="0"/>
+                <a:cs typeface="Calibri" panose="020F0502020204030204" pitchFamily="34" charset="0"/>
+              </a:rPr>
+              <a:t>predicate.test</a:t>
+            </a:r>
+            <a:r>
+              <a:rPr lang="en-IN" sz="1600" b="0" i="0" dirty="0">
+                <a:solidFill>
+                  <a:srgbClr val="000000"/>
+                </a:solidFill>
+                <a:effectLst/>
+                <a:latin typeface="Calibri" panose="020F0502020204030204" pitchFamily="34" charset="0"/>
+                <a:cs typeface="Calibri" panose="020F0502020204030204" pitchFamily="34" charset="0"/>
+              </a:rPr>
+              <a:t>(name))</a:t>
+            </a:r>
+          </a:p>
+          <a:p>
+            <a:pPr marL="400050" lvl="1" indent="0">
+              <a:buNone/>
+            </a:pPr>
+            <a:r>
+              <a:rPr lang="en-IN" sz="1600" b="0" i="0" dirty="0">
+                <a:solidFill>
+                  <a:srgbClr val="000000"/>
+                </a:solidFill>
+                <a:effectLst/>
+                <a:latin typeface="Calibri" panose="020F0502020204030204" pitchFamily="34" charset="0"/>
+                <a:cs typeface="Calibri" panose="020F0502020204030204" pitchFamily="34" charset="0"/>
+              </a:rPr>
+              <a:t>			</a:t>
+            </a:r>
+            <a:r>
+              <a:rPr lang="en-IN" sz="1600" b="0" i="0" dirty="0" err="1">
+                <a:solidFill>
+                  <a:srgbClr val="000000"/>
+                </a:solidFill>
+                <a:effectLst/>
+                <a:latin typeface="Calibri" panose="020F0502020204030204" pitchFamily="34" charset="0"/>
+                <a:cs typeface="Calibri" panose="020F0502020204030204" pitchFamily="34" charset="0"/>
+              </a:rPr>
+              <a:t>System.out.println</a:t>
+            </a:r>
+            <a:r>
+              <a:rPr lang="en-IN" sz="1600" b="0" i="0" dirty="0">
+                <a:solidFill>
+                  <a:srgbClr val="000000"/>
+                </a:solidFill>
+                <a:effectLst/>
+                <a:latin typeface="Calibri" panose="020F0502020204030204" pitchFamily="34" charset="0"/>
+                <a:cs typeface="Calibri" panose="020F0502020204030204" pitchFamily="34" charset="0"/>
+              </a:rPr>
+              <a:t>(name);</a:t>
+            </a:r>
+          </a:p>
+          <a:p>
+            <a:pPr marL="400050" lvl="1" indent="0">
+              <a:buNone/>
+            </a:pPr>
+            <a:r>
+              <a:rPr lang="en-IN" sz="1600" b="0" i="0" dirty="0">
+                <a:solidFill>
+                  <a:srgbClr val="000000"/>
+                </a:solidFill>
+                <a:effectLst/>
+                <a:latin typeface="Calibri" panose="020F0502020204030204" pitchFamily="34" charset="0"/>
+                <a:cs typeface="Calibri" panose="020F0502020204030204" pitchFamily="34" charset="0"/>
+              </a:rPr>
+              <a:t>}</a:t>
+            </a:r>
+          </a:p>
+          <a:p>
+            <a:pPr marL="400050" lvl="1" indent="0">
+              <a:buNone/>
+            </a:pPr>
+            <a:endParaRPr lang="en-IN" sz="1600" dirty="0">
+              <a:solidFill>
+                <a:srgbClr val="000000"/>
+              </a:solidFill>
+              <a:latin typeface="Calibri" panose="020F0502020204030204" pitchFamily="34" charset="0"/>
+              <a:cs typeface="Calibri" panose="020F0502020204030204" pitchFamily="34" charset="0"/>
+            </a:endParaRPr>
+          </a:p>
+          <a:p>
+            <a:pPr marL="400050" lvl="1" indent="0">
+              <a:buNone/>
+            </a:pPr>
+            <a:r>
+              <a:rPr lang="en-IN" sz="1600" b="0" i="0" dirty="0">
+                <a:solidFill>
+                  <a:srgbClr val="000000"/>
+                </a:solidFill>
+                <a:effectLst/>
+                <a:latin typeface="Calibri" panose="020F0502020204030204" pitchFamily="34" charset="0"/>
+                <a:cs typeface="Calibri" panose="020F0502020204030204" pitchFamily="34" charset="0"/>
+              </a:rPr>
+              <a:t>List&lt;String&gt; names = </a:t>
+            </a:r>
+            <a:r>
+              <a:rPr lang="en-IN" sz="1600" b="0" i="0" dirty="0" err="1">
+                <a:solidFill>
+                  <a:srgbClr val="000000"/>
+                </a:solidFill>
+                <a:effectLst/>
+                <a:latin typeface="Calibri" panose="020F0502020204030204" pitchFamily="34" charset="0"/>
+                <a:cs typeface="Calibri" panose="020F0502020204030204" pitchFamily="34" charset="0"/>
+              </a:rPr>
+              <a:t>Arrays.asList</a:t>
+            </a:r>
+            <a:r>
+              <a:rPr lang="en-IN" sz="1600" b="0" i="0" dirty="0">
+                <a:solidFill>
+                  <a:srgbClr val="000000"/>
+                </a:solidFill>
+                <a:effectLst/>
+                <a:latin typeface="Calibri" panose="020F0502020204030204" pitchFamily="34" charset="0"/>
+                <a:cs typeface="Calibri" panose="020F0502020204030204" pitchFamily="34" charset="0"/>
+              </a:rPr>
+              <a:t>("Angela", "Aaron", "Bob", "Claire", "David");</a:t>
+            </a:r>
+          </a:p>
+          <a:p>
+            <a:pPr marL="400050" lvl="1" indent="0">
+              <a:buNone/>
+            </a:pPr>
+            <a:r>
+              <a:rPr lang="en-IN" sz="1600" b="0" i="0" dirty="0" err="1">
+                <a:solidFill>
+                  <a:srgbClr val="000000"/>
+                </a:solidFill>
+                <a:effectLst/>
+                <a:latin typeface="Calibri" panose="020F0502020204030204" pitchFamily="34" charset="0"/>
+                <a:cs typeface="Calibri" panose="020F0502020204030204" pitchFamily="34" charset="0"/>
+              </a:rPr>
+              <a:t>displayNames</a:t>
+            </a:r>
+            <a:r>
+              <a:rPr lang="en-IN" sz="1600" b="0" i="0" dirty="0">
+                <a:solidFill>
+                  <a:srgbClr val="000000"/>
+                </a:solidFill>
+                <a:effectLst/>
+                <a:latin typeface="Calibri" panose="020F0502020204030204" pitchFamily="34" charset="0"/>
+                <a:cs typeface="Calibri" panose="020F0502020204030204" pitchFamily="34" charset="0"/>
+              </a:rPr>
+              <a:t>(names, name-&gt;</a:t>
+            </a:r>
+            <a:r>
+              <a:rPr lang="en-IN" sz="1600" b="0" i="0" dirty="0" err="1">
+                <a:solidFill>
+                  <a:srgbClr val="000000"/>
+                </a:solidFill>
+                <a:effectLst/>
+                <a:latin typeface="Calibri" panose="020F0502020204030204" pitchFamily="34" charset="0"/>
+                <a:cs typeface="Calibri" panose="020F0502020204030204" pitchFamily="34" charset="0"/>
+              </a:rPr>
+              <a:t>name.startsWith</a:t>
+            </a:r>
+            <a:r>
+              <a:rPr lang="en-IN" sz="1600" b="0" i="0" dirty="0">
+                <a:solidFill>
+                  <a:srgbClr val="000000"/>
+                </a:solidFill>
+                <a:effectLst/>
+                <a:latin typeface="Calibri" panose="020F0502020204030204" pitchFamily="34" charset="0"/>
+                <a:cs typeface="Calibri" panose="020F0502020204030204" pitchFamily="34" charset="0"/>
+              </a:rPr>
+              <a:t>("A"));</a:t>
+            </a:r>
+          </a:p>
+          <a:p>
+            <a:pPr marL="400050" lvl="1" indent="0">
+              <a:buNone/>
+            </a:pPr>
+            <a:endParaRPr lang="en-IN" sz="1600" b="0" i="0" dirty="0">
+              <a:solidFill>
+                <a:srgbClr val="000000"/>
+              </a:solidFill>
+              <a:effectLst/>
+              <a:latin typeface="Calibri" panose="020F0502020204030204" pitchFamily="34" charset="0"/>
+              <a:cs typeface="Calibri" panose="020F0502020204030204" pitchFamily="34" charset="0"/>
+            </a:endParaRPr>
+          </a:p>
+          <a:p>
+            <a:pPr algn="l"/>
+            <a:endParaRPr lang="en-IN" sz="1600" b="0" i="0" dirty="0">
+              <a:solidFill>
+                <a:srgbClr val="000000"/>
+              </a:solidFill>
+              <a:effectLst/>
+              <a:latin typeface="Calibri" panose="020F0502020204030204" pitchFamily="34" charset="0"/>
+              <a:cs typeface="Calibri" panose="020F0502020204030204" pitchFamily="34" charset="0"/>
+            </a:endParaRPr>
+          </a:p>
+        </p:txBody>
+      </p:sp>
+    </p:spTree>
+    <p:extLst>
+      <p:ext uri="{BB962C8B-B14F-4D97-AF65-F5344CB8AC3E}">
+        <p14:creationId xmlns:p14="http://schemas.microsoft.com/office/powerpoint/2010/main" val="2804180594"/>
+      </p:ext>
+    </p:extLst>
+  </p:cSld>
+  <p:clrMapOvr>
+    <a:masterClrMapping/>
+  </p:clrMapOvr>
+</p:sld>
+</file>
+
+<file path=ppt/slides/slide32.xml><?xml version="1.0" encoding="utf-8"?>
+<p:sld xmlns:a="http://schemas.openxmlformats.org/drawingml/2006/main" xmlns:r="http://schemas.openxmlformats.org/officeDocument/2006/relationships" xmlns:p="http://schemas.openxmlformats.org/presentationml/2006/main">
+  <p:cSld>
+    <p:spTree>
+      <p:nvGrpSpPr>
+        <p:cNvPr id="1" name=""/>
+        <p:cNvGrpSpPr/>
+        <p:nvPr/>
+      </p:nvGrpSpPr>
+      <p:grpSpPr>
+        <a:xfrm>
+          <a:off x="0" y="0"/>
+          <a:ext cx="0" cy="0"/>
+          <a:chOff x="0" y="0"/>
+          <a:chExt cx="0" cy="0"/>
+        </a:xfrm>
+      </p:grpSpPr>
+      <p:sp>
+        <p:nvSpPr>
+          <p:cNvPr id="2" name="Title 1"/>
+          <p:cNvSpPr>
+            <a:spLocks noGrp="1"/>
+          </p:cNvSpPr>
+          <p:nvPr>
+            <p:ph type="title"/>
+          </p:nvPr>
+        </p:nvSpPr>
+        <p:spPr/>
+        <p:txBody>
+          <a:bodyPr/>
+          <a:lstStyle/>
+          <a:p>
+            <a:r>
+              <a:rPr lang="en-US" sz="2400" dirty="0"/>
+              <a:t>Operator</a:t>
+            </a:r>
+            <a:endParaRPr lang="en-IN" sz="2400" dirty="0">
+              <a:latin typeface="Arial" panose="020B0604020202020204" pitchFamily="34" charset="0"/>
+              <a:cs typeface="Arial" panose="020B0604020202020204" pitchFamily="34" charset="0"/>
+            </a:endParaRPr>
+          </a:p>
+        </p:txBody>
+      </p:sp>
+      <p:sp>
+        <p:nvSpPr>
+          <p:cNvPr id="3" name="Text Placeholder 2"/>
+          <p:cNvSpPr>
+            <a:spLocks noGrp="1"/>
+          </p:cNvSpPr>
+          <p:nvPr>
+            <p:ph type="body" sz="quarter" idx="10"/>
+          </p:nvPr>
+        </p:nvSpPr>
+        <p:spPr/>
+        <p:txBody>
+          <a:bodyPr>
+            <a:noAutofit/>
+          </a:bodyPr>
+          <a:lstStyle/>
+          <a:p>
+            <a:pPr algn="l"/>
+            <a:r>
+              <a:rPr lang="en-IN" sz="1600" b="0" i="1" dirty="0">
+                <a:solidFill>
+                  <a:srgbClr val="000000"/>
+                </a:solidFill>
+                <a:effectLst/>
+                <a:latin typeface="Calibri" panose="020F0502020204030204" pitchFamily="34" charset="0"/>
+                <a:cs typeface="Calibri" panose="020F0502020204030204" pitchFamily="34" charset="0"/>
+              </a:rPr>
+              <a:t>Operator</a:t>
+            </a:r>
+            <a:r>
+              <a:rPr lang="en-IN" sz="1600" b="0" i="0" dirty="0">
+                <a:solidFill>
+                  <a:srgbClr val="000000"/>
+                </a:solidFill>
+                <a:effectLst/>
+                <a:latin typeface="Calibri" panose="020F0502020204030204" pitchFamily="34" charset="0"/>
+                <a:cs typeface="Calibri" panose="020F0502020204030204" pitchFamily="34" charset="0"/>
+              </a:rPr>
+              <a:t> interfaces are special cases of a function that receive and return the same value type. The </a:t>
+            </a:r>
+            <a:r>
+              <a:rPr lang="en-IN" sz="1600" b="0" i="1" dirty="0" err="1">
+                <a:solidFill>
+                  <a:srgbClr val="000000"/>
+                </a:solidFill>
+                <a:effectLst/>
+                <a:latin typeface="Calibri" panose="020F0502020204030204" pitchFamily="34" charset="0"/>
+                <a:cs typeface="Calibri" panose="020F0502020204030204" pitchFamily="34" charset="0"/>
+              </a:rPr>
+              <a:t>UnaryOperator</a:t>
+            </a:r>
+            <a:r>
+              <a:rPr lang="en-IN" sz="1600" b="0" i="0" dirty="0">
+                <a:solidFill>
+                  <a:srgbClr val="000000"/>
+                </a:solidFill>
+                <a:effectLst/>
+                <a:latin typeface="Calibri" panose="020F0502020204030204" pitchFamily="34" charset="0"/>
+                <a:cs typeface="Calibri" panose="020F0502020204030204" pitchFamily="34" charset="0"/>
+              </a:rPr>
+              <a:t> interface receives a single argument. One of its use cases in the Collections API is to replace all values in a list with some computed values of the same type:</a:t>
+            </a:r>
+          </a:p>
+          <a:p>
+            <a:pPr marL="400050" lvl="1" indent="0">
+              <a:buNone/>
+            </a:pPr>
+            <a:endParaRPr lang="en-IN" sz="1600" b="0" i="0" dirty="0">
+              <a:solidFill>
+                <a:srgbClr val="000000"/>
+              </a:solidFill>
+              <a:effectLst/>
+              <a:latin typeface="Calibri" panose="020F0502020204030204" pitchFamily="34" charset="0"/>
+              <a:cs typeface="Calibri" panose="020F0502020204030204" pitchFamily="34" charset="0"/>
+            </a:endParaRPr>
+          </a:p>
+          <a:p>
+            <a:pPr marL="400050" lvl="1" indent="0">
+              <a:buNone/>
+            </a:pPr>
+            <a:r>
+              <a:rPr lang="en-IN" sz="1600" b="0" i="0" dirty="0">
+                <a:solidFill>
+                  <a:srgbClr val="000000"/>
+                </a:solidFill>
+                <a:effectLst/>
+                <a:latin typeface="Calibri" panose="020F0502020204030204" pitchFamily="34" charset="0"/>
+                <a:cs typeface="Calibri" panose="020F0502020204030204" pitchFamily="34" charset="0"/>
+              </a:rPr>
+              <a:t>List&lt;String&gt; names = </a:t>
+            </a:r>
+            <a:r>
+              <a:rPr lang="en-IN" sz="1600" b="0" i="0" dirty="0" err="1">
+                <a:solidFill>
+                  <a:srgbClr val="000000"/>
+                </a:solidFill>
+                <a:effectLst/>
+                <a:latin typeface="Calibri" panose="020F0502020204030204" pitchFamily="34" charset="0"/>
+                <a:cs typeface="Calibri" panose="020F0502020204030204" pitchFamily="34" charset="0"/>
+              </a:rPr>
+              <a:t>Arrays.asList</a:t>
+            </a:r>
+            <a:r>
+              <a:rPr lang="en-IN" sz="1600" b="0" i="0" dirty="0">
+                <a:solidFill>
+                  <a:srgbClr val="000000"/>
+                </a:solidFill>
+                <a:effectLst/>
+                <a:latin typeface="Calibri" panose="020F0502020204030204" pitchFamily="34" charset="0"/>
+                <a:cs typeface="Calibri" panose="020F0502020204030204" pitchFamily="34" charset="0"/>
+              </a:rPr>
+              <a:t>("bob", "josh", "</a:t>
+            </a:r>
+            <a:r>
+              <a:rPr lang="en-IN" sz="1600" b="0" i="0" dirty="0" err="1">
+                <a:solidFill>
+                  <a:srgbClr val="000000"/>
+                </a:solidFill>
+                <a:effectLst/>
+                <a:latin typeface="Calibri" panose="020F0502020204030204" pitchFamily="34" charset="0"/>
+                <a:cs typeface="Calibri" panose="020F0502020204030204" pitchFamily="34" charset="0"/>
+              </a:rPr>
+              <a:t>megan</a:t>
+            </a:r>
+            <a:r>
+              <a:rPr lang="en-IN" sz="1600" b="0" i="0" dirty="0">
+                <a:solidFill>
+                  <a:srgbClr val="000000"/>
+                </a:solidFill>
+                <a:effectLst/>
+                <a:latin typeface="Calibri" panose="020F0502020204030204" pitchFamily="34" charset="0"/>
+                <a:cs typeface="Calibri" panose="020F0502020204030204" pitchFamily="34" charset="0"/>
+              </a:rPr>
+              <a:t>");</a:t>
+            </a:r>
+          </a:p>
+          <a:p>
+            <a:pPr marL="400050" lvl="1" indent="0">
+              <a:buNone/>
+            </a:pPr>
+            <a:endParaRPr lang="en-IN" sz="1600" b="0" i="0" dirty="0">
+              <a:solidFill>
+                <a:srgbClr val="000000"/>
+              </a:solidFill>
+              <a:effectLst/>
+              <a:latin typeface="Calibri" panose="020F0502020204030204" pitchFamily="34" charset="0"/>
+              <a:cs typeface="Calibri" panose="020F0502020204030204" pitchFamily="34" charset="0"/>
+            </a:endParaRPr>
+          </a:p>
+          <a:p>
+            <a:pPr marL="400050" lvl="1" indent="0">
+              <a:buNone/>
+            </a:pPr>
+            <a:r>
+              <a:rPr lang="en-IN" sz="1600" b="0" i="0" dirty="0" err="1">
+                <a:solidFill>
+                  <a:srgbClr val="000000"/>
+                </a:solidFill>
+                <a:effectLst/>
+                <a:latin typeface="Calibri" panose="020F0502020204030204" pitchFamily="34" charset="0"/>
+                <a:cs typeface="Calibri" panose="020F0502020204030204" pitchFamily="34" charset="0"/>
+              </a:rPr>
+              <a:t>names.replaceAll</a:t>
+            </a:r>
+            <a:r>
+              <a:rPr lang="en-IN" sz="1600" b="0" i="0" dirty="0">
+                <a:solidFill>
+                  <a:srgbClr val="000000"/>
+                </a:solidFill>
+                <a:effectLst/>
+                <a:latin typeface="Calibri" panose="020F0502020204030204" pitchFamily="34" charset="0"/>
+                <a:cs typeface="Calibri" panose="020F0502020204030204" pitchFamily="34" charset="0"/>
+              </a:rPr>
+              <a:t>(name -&gt; </a:t>
+            </a:r>
+            <a:r>
+              <a:rPr lang="en-IN" sz="1600" b="0" i="0" dirty="0" err="1">
+                <a:solidFill>
+                  <a:srgbClr val="000000"/>
+                </a:solidFill>
+                <a:effectLst/>
+                <a:latin typeface="Calibri" panose="020F0502020204030204" pitchFamily="34" charset="0"/>
+                <a:cs typeface="Calibri" panose="020F0502020204030204" pitchFamily="34" charset="0"/>
+              </a:rPr>
+              <a:t>name.toUpperCase</a:t>
+            </a:r>
+            <a:r>
+              <a:rPr lang="en-IN" sz="1600" b="0" i="0" dirty="0">
+                <a:solidFill>
+                  <a:srgbClr val="000000"/>
+                </a:solidFill>
+                <a:effectLst/>
+                <a:latin typeface="Calibri" panose="020F0502020204030204" pitchFamily="34" charset="0"/>
+                <a:cs typeface="Calibri" panose="020F0502020204030204" pitchFamily="34" charset="0"/>
+              </a:rPr>
+              <a:t>());</a:t>
+            </a:r>
+          </a:p>
+          <a:p>
+            <a:endParaRPr lang="en-IN" sz="1600" b="0" i="0" dirty="0">
+              <a:solidFill>
+                <a:srgbClr val="000000"/>
+              </a:solidFill>
+              <a:effectLst/>
+              <a:latin typeface="Calibri" panose="020F0502020204030204" pitchFamily="34" charset="0"/>
+              <a:cs typeface="Calibri" panose="020F0502020204030204" pitchFamily="34" charset="0"/>
+            </a:endParaRPr>
+          </a:p>
+          <a:p>
+            <a:r>
+              <a:rPr lang="en-IN" sz="1600" b="0" i="0" dirty="0">
+                <a:solidFill>
+                  <a:srgbClr val="000000"/>
+                </a:solidFill>
+                <a:effectLst/>
+                <a:latin typeface="Calibri" panose="020F0502020204030204" pitchFamily="34" charset="0"/>
+                <a:cs typeface="Calibri" panose="020F0502020204030204" pitchFamily="34" charset="0"/>
+              </a:rPr>
+              <a:t>The </a:t>
+            </a:r>
+            <a:r>
+              <a:rPr lang="en-IN" sz="1600" b="0" i="1" dirty="0" err="1">
+                <a:solidFill>
+                  <a:srgbClr val="000000"/>
+                </a:solidFill>
+                <a:effectLst/>
+                <a:latin typeface="Calibri" panose="020F0502020204030204" pitchFamily="34" charset="0"/>
+                <a:cs typeface="Calibri" panose="020F0502020204030204" pitchFamily="34" charset="0"/>
+              </a:rPr>
+              <a:t>List.replaceAll</a:t>
+            </a:r>
+            <a:r>
+              <a:rPr lang="en-IN" sz="1600" b="0" i="0" dirty="0">
+                <a:solidFill>
+                  <a:srgbClr val="000000"/>
+                </a:solidFill>
+                <a:effectLst/>
+                <a:latin typeface="Calibri" panose="020F0502020204030204" pitchFamily="34" charset="0"/>
+                <a:cs typeface="Calibri" panose="020F0502020204030204" pitchFamily="34" charset="0"/>
+              </a:rPr>
+              <a:t> function returns </a:t>
+            </a:r>
+            <a:r>
+              <a:rPr lang="en-IN" sz="1600" b="0" i="1" dirty="0">
+                <a:solidFill>
+                  <a:srgbClr val="000000"/>
+                </a:solidFill>
+                <a:effectLst/>
+                <a:latin typeface="Calibri" panose="020F0502020204030204" pitchFamily="34" charset="0"/>
+                <a:cs typeface="Calibri" panose="020F0502020204030204" pitchFamily="34" charset="0"/>
+              </a:rPr>
+              <a:t>void</a:t>
+            </a:r>
+            <a:r>
+              <a:rPr lang="en-IN" sz="1600" b="0" i="0" dirty="0">
+                <a:solidFill>
+                  <a:srgbClr val="000000"/>
+                </a:solidFill>
+                <a:effectLst/>
+                <a:latin typeface="Calibri" panose="020F0502020204030204" pitchFamily="34" charset="0"/>
+                <a:cs typeface="Calibri" panose="020F0502020204030204" pitchFamily="34" charset="0"/>
+              </a:rPr>
+              <a:t> as it replaces the values in place</a:t>
+            </a:r>
+          </a:p>
+          <a:p>
+            <a:pPr algn="l"/>
+            <a:endParaRPr lang="en-IN" sz="1600" b="0" i="0" dirty="0">
+              <a:solidFill>
+                <a:srgbClr val="000000"/>
+              </a:solidFill>
+              <a:effectLst/>
+              <a:latin typeface="Calibri" panose="020F0502020204030204" pitchFamily="34" charset="0"/>
+              <a:cs typeface="Calibri" panose="020F0502020204030204" pitchFamily="34" charset="0"/>
+            </a:endParaRPr>
+          </a:p>
+          <a:p>
+            <a:pPr algn="l"/>
+            <a:endParaRPr lang="en-IN" sz="1600" dirty="0">
+              <a:solidFill>
+                <a:srgbClr val="000000"/>
+              </a:solidFill>
+              <a:latin typeface="Calibri" panose="020F0502020204030204" pitchFamily="34" charset="0"/>
+              <a:cs typeface="Calibri" panose="020F0502020204030204" pitchFamily="34" charset="0"/>
+            </a:endParaRPr>
+          </a:p>
+          <a:p>
+            <a:pPr marL="400050" lvl="1" indent="0">
+              <a:buNone/>
+            </a:pPr>
+            <a:endParaRPr lang="en-IN" sz="1600" dirty="0">
+              <a:solidFill>
+                <a:srgbClr val="000000"/>
+              </a:solidFill>
+              <a:latin typeface="Calibri" panose="020F0502020204030204" pitchFamily="34" charset="0"/>
+              <a:cs typeface="Calibri" panose="020F0502020204030204" pitchFamily="34" charset="0"/>
+            </a:endParaRPr>
+          </a:p>
+        </p:txBody>
+      </p:sp>
+    </p:spTree>
+    <p:extLst>
+      <p:ext uri="{BB962C8B-B14F-4D97-AF65-F5344CB8AC3E}">
+        <p14:creationId xmlns:p14="http://schemas.microsoft.com/office/powerpoint/2010/main" val="1404253221"/>
+      </p:ext>
+    </p:extLst>
+  </p:cSld>
+  <p:clrMapOvr>
+    <a:masterClrMapping/>
+  </p:clrMapOvr>
+</p:sld>
+</file>
+
+<file path=ppt/slides/slide33.xml><?xml version="1.0" encoding="utf-8"?>
+<p:sld xmlns:a="http://schemas.openxmlformats.org/drawingml/2006/main" xmlns:r="http://schemas.openxmlformats.org/officeDocument/2006/relationships" xmlns:p="http://schemas.openxmlformats.org/presentationml/2006/main">
+  <p:cSld>
+    <p:spTree>
+      <p:nvGrpSpPr>
+        <p:cNvPr id="1" name=""/>
+        <p:cNvGrpSpPr/>
+        <p:nvPr/>
+      </p:nvGrpSpPr>
+      <p:grpSpPr>
+        <a:xfrm>
+          <a:off x="0" y="0"/>
+          <a:ext cx="0" cy="0"/>
+          <a:chOff x="0" y="0"/>
+          <a:chExt cx="0" cy="0"/>
+        </a:xfrm>
+      </p:grpSpPr>
+      <p:sp>
+        <p:nvSpPr>
+          <p:cNvPr id="2" name="Title 1"/>
+          <p:cNvSpPr>
+            <a:spLocks noGrp="1"/>
+          </p:cNvSpPr>
+          <p:nvPr>
+            <p:ph type="title"/>
+          </p:nvPr>
+        </p:nvSpPr>
+        <p:spPr/>
+        <p:txBody>
+          <a:bodyPr/>
+          <a:lstStyle/>
+          <a:p>
+            <a:r>
+              <a:rPr lang="en-US" sz="2400" dirty="0"/>
+              <a:t>References</a:t>
+            </a:r>
+            <a:endParaRPr lang="en-IN" sz="2400" dirty="0">
+              <a:latin typeface="Arial" panose="020B0604020202020204" pitchFamily="34" charset="0"/>
+              <a:cs typeface="Arial" panose="020B0604020202020204" pitchFamily="34" charset="0"/>
+            </a:endParaRPr>
+          </a:p>
+        </p:txBody>
+      </p:sp>
+      <p:sp>
+        <p:nvSpPr>
+          <p:cNvPr id="3" name="Text Placeholder 2"/>
+          <p:cNvSpPr>
+            <a:spLocks noGrp="1"/>
+          </p:cNvSpPr>
+          <p:nvPr>
+            <p:ph type="body" sz="quarter" idx="10"/>
+          </p:nvPr>
+        </p:nvSpPr>
+        <p:spPr/>
+        <p:txBody>
+          <a:bodyPr>
+            <a:noAutofit/>
+          </a:bodyPr>
+          <a:lstStyle/>
+          <a:p>
+            <a:pPr algn="l"/>
+            <a:r>
+              <a:rPr lang="en-IN" sz="1600" b="0" i="1" dirty="0">
+                <a:solidFill>
+                  <a:srgbClr val="000000"/>
+                </a:solidFill>
+                <a:effectLst/>
+                <a:latin typeface="Calibri" panose="020F0502020204030204" pitchFamily="34" charset="0"/>
+                <a:cs typeface="Calibri" panose="020F0502020204030204" pitchFamily="34" charset="0"/>
+              </a:rPr>
+              <a:t>https://</a:t>
+            </a:r>
+            <a:r>
+              <a:rPr lang="en-IN" sz="1600" b="0" i="1" dirty="0" err="1">
+                <a:solidFill>
+                  <a:srgbClr val="000000"/>
+                </a:solidFill>
+                <a:effectLst/>
+                <a:latin typeface="Calibri" panose="020F0502020204030204" pitchFamily="34" charset="0"/>
+                <a:cs typeface="Calibri" panose="020F0502020204030204" pitchFamily="34" charset="0"/>
+              </a:rPr>
+              <a:t>www.baeldung.com</a:t>
+            </a:r>
+            <a:r>
+              <a:rPr lang="en-IN" sz="1600" b="0" i="1" dirty="0">
+                <a:solidFill>
+                  <a:srgbClr val="000000"/>
+                </a:solidFill>
+                <a:effectLst/>
+                <a:latin typeface="Calibri" panose="020F0502020204030204" pitchFamily="34" charset="0"/>
+                <a:cs typeface="Calibri" panose="020F0502020204030204" pitchFamily="34" charset="0"/>
+              </a:rPr>
+              <a:t>/java-8-lambda-expressions-tips</a:t>
+            </a:r>
+            <a:endParaRPr lang="en-IN" sz="1600" dirty="0">
+              <a:solidFill>
+                <a:srgbClr val="000000"/>
+              </a:solidFill>
+              <a:latin typeface="Calibri" panose="020F0502020204030204" pitchFamily="34" charset="0"/>
+              <a:cs typeface="Calibri" panose="020F0502020204030204" pitchFamily="34" charset="0"/>
+            </a:endParaRPr>
+          </a:p>
+        </p:txBody>
+      </p:sp>
+    </p:spTree>
+    <p:extLst>
+      <p:ext uri="{BB962C8B-B14F-4D97-AF65-F5344CB8AC3E}">
+        <p14:creationId xmlns:p14="http://schemas.microsoft.com/office/powerpoint/2010/main" val="2425827943"/>
+      </p:ext>
+    </p:extLst>
+  </p:cSld>
+  <p:clrMapOvr>
+    <a:masterClrMapping/>
+  </p:clrMapOvr>
+</p:sld>
+</file>
+
+<file path=ppt/slides/slide34.xml><?xml version="1.0" encoding="utf-8"?>
+<p:sld xmlns:a="http://schemas.openxmlformats.org/drawingml/2006/main" xmlns:r="http://schemas.openxmlformats.org/officeDocument/2006/relationships" xmlns:p="http://schemas.openxmlformats.org/presentationml/2006/main">
+  <p:cSld>
+    <p:spTree>
+      <p:nvGrpSpPr>
+        <p:cNvPr id="1" name=""/>
+        <p:cNvGrpSpPr/>
+        <p:nvPr/>
+      </p:nvGrpSpPr>
+      <p:grpSpPr>
+        <a:xfrm>
+          <a:off x="0" y="0"/>
+          <a:ext cx="0" cy="0"/>
+          <a:chOff x="0" y="0"/>
+          <a:chExt cx="0" cy="0"/>
+        </a:xfrm>
+      </p:grpSpPr>
+      <p:sp>
+        <p:nvSpPr>
+          <p:cNvPr id="2" name="Title 1"/>
+          <p:cNvSpPr>
+            <a:spLocks noGrp="1"/>
+          </p:cNvSpPr>
+          <p:nvPr>
+            <p:ph type="title"/>
+          </p:nvPr>
+        </p:nvSpPr>
+        <p:spPr/>
+        <p:txBody>
+          <a:bodyPr/>
+          <a:lstStyle/>
+          <a:p>
+            <a:r>
+              <a:rPr lang="en-US" dirty="0"/>
+              <a:t>Any Question ?</a:t>
+            </a:r>
+            <a:endParaRPr lang="en-IN" dirty="0"/>
+          </a:p>
+        </p:txBody>
+      </p:sp>
+      <p:pic>
+        <p:nvPicPr>
+          <p:cNvPr id="1026" name="Picture 2" descr="C:\Users\anurags\Desktop\index.jpg"/>
+          <p:cNvPicPr>
+            <a:picLocks noChangeAspect="1" noChangeArrowheads="1"/>
+          </p:cNvPicPr>
+          <p:nvPr/>
+        </p:nvPicPr>
+        <p:blipFill>
+          <a:blip r:embed="rId2">
+            <a:extLst>
+              <a:ext uri="{28A0092B-C50C-407E-A947-70E740481C1C}">
+                <a14:useLocalDpi xmlns:a14="http://schemas.microsoft.com/office/drawing/2010/main" val="0"/>
+              </a:ext>
+            </a:extLst>
+          </a:blip>
+          <a:srcRect/>
+          <a:stretch>
+            <a:fillRect/>
+          </a:stretch>
+        </p:blipFill>
+        <p:spPr bwMode="auto">
+          <a:xfrm>
+            <a:off x="2441802" y="1516063"/>
+            <a:ext cx="3958998" cy="3941402"/>
+          </a:xfrm>
+          <a:prstGeom prst="rect">
+            <a:avLst/>
+          </a:prstGeom>
+          <a:noFill/>
+          <a:extLst>
+            <a:ext uri="{909E8E84-426E-40DD-AFC4-6F175D3DCCD1}">
+              <a14:hiddenFill xmlns:a14="http://schemas.microsoft.com/office/drawing/2010/main">
+                <a:solidFill>
+                  <a:srgbClr val="FFFFFF"/>
+                </a:solidFill>
+              </a14:hiddenFill>
+            </a:ext>
+          </a:extLst>
+        </p:spPr>
+      </p:pic>
+    </p:spTree>
+    <p:extLst>
+      <p:ext uri="{BB962C8B-B14F-4D97-AF65-F5344CB8AC3E}">
+        <p14:creationId xmlns:p14="http://schemas.microsoft.com/office/powerpoint/2010/main" val="2575529534"/>
+      </p:ext>
+    </p:extLst>
+  </p:cSld>
+  <p:clrMapOvr>
+    <a:masterClrMapping/>
+  </p:clrMapOvr>
+</p:sld>
+</file>
+
+<file path=ppt/slides/slide35.xml><?xml version="1.0" encoding="utf-8"?>
+<p:sld xmlns:a="http://schemas.openxmlformats.org/drawingml/2006/main" xmlns:r="http://schemas.openxmlformats.org/officeDocument/2006/relationships" xmlns:p="http://schemas.openxmlformats.org/presentationml/2006/main">
+  <p:cSld>
+    <p:spTree>
+      <p:nvGrpSpPr>
+        <p:cNvPr id="1" name=""/>
+        <p:cNvGrpSpPr/>
+        <p:nvPr/>
+      </p:nvGrpSpPr>
+      <p:grpSpPr>
+        <a:xfrm>
+          <a:off x="0" y="0"/>
+          <a:ext cx="0" cy="0"/>
+          <a:chOff x="0" y="0"/>
+          <a:chExt cx="0" cy="0"/>
+        </a:xfrm>
+      </p:grpSpPr>
+      <p:sp>
+        <p:nvSpPr>
+          <p:cNvPr id="2" name="Title 1"/>
+          <p:cNvSpPr>
+            <a:spLocks noGrp="1"/>
+          </p:cNvSpPr>
+          <p:nvPr>
+            <p:ph type="title"/>
+          </p:nvPr>
+        </p:nvSpPr>
+        <p:spPr>
+          <a:xfrm>
+            <a:off x="2286000" y="1371600"/>
+            <a:ext cx="3914280" cy="533400"/>
+          </a:xfrm>
+        </p:spPr>
+        <p:txBody>
+          <a:bodyPr/>
+          <a:lstStyle/>
+          <a:p>
+            <a:pPr algn="ctr"/>
+            <a:r>
+              <a:rPr lang="en-US" dirty="0"/>
+              <a:t>Thank you !</a:t>
+            </a:r>
+            <a:endParaRPr lang="en-IN" dirty="0"/>
+          </a:p>
+        </p:txBody>
+      </p:sp>
+      <p:pic>
+        <p:nvPicPr>
+          <p:cNvPr id="4098" name="Picture 2" descr="http://www.eclipse.org/xtend/images/java8_logo.png"/>
+          <p:cNvPicPr>
+            <a:picLocks noChangeAspect="1" noChangeArrowheads="1"/>
+          </p:cNvPicPr>
+          <p:nvPr/>
+        </p:nvPicPr>
+        <p:blipFill>
+          <a:blip r:embed="rId2">
+            <a:extLst>
+              <a:ext uri="{28A0092B-C50C-407E-A947-70E740481C1C}">
+                <a14:useLocalDpi xmlns:a14="http://schemas.microsoft.com/office/drawing/2010/main" val="0"/>
+              </a:ext>
+            </a:extLst>
+          </a:blip>
+          <a:srcRect/>
+          <a:stretch>
+            <a:fillRect/>
+          </a:stretch>
+        </p:blipFill>
+        <p:spPr bwMode="auto">
+          <a:xfrm>
+            <a:off x="2997200" y="2263521"/>
+            <a:ext cx="2590800" cy="2765679"/>
+          </a:xfrm>
+          <a:prstGeom prst="rect">
+            <a:avLst/>
+          </a:prstGeom>
+          <a:noFill/>
+          <a:extLst>
+            <a:ext uri="{909E8E84-426E-40DD-AFC4-6F175D3DCCD1}">
+              <a14:hiddenFill xmlns:a14="http://schemas.microsoft.com/office/drawing/2010/main">
+                <a:solidFill>
+                  <a:srgbClr val="FFFFFF"/>
+                </a:solidFill>
+              </a14:hiddenFill>
+            </a:ext>
+          </a:extLst>
+        </p:spPr>
+      </p:pic>
+    </p:spTree>
+    <p:extLst>
+      <p:ext uri="{BB962C8B-B14F-4D97-AF65-F5344CB8AC3E}">
+        <p14:creationId xmlns:p14="http://schemas.microsoft.com/office/powerpoint/2010/main" val="547422449"/>
       </p:ext>
     </p:extLst>
   </p:cSld>
@@ -12806,15 +17843,6 @@
 </file>
 
 <file path=customXml/item1.xml><?xml version="1.0" encoding="utf-8"?>
-<?mso-contentType ?>
-<FormTemplates xmlns="http://schemas.microsoft.com/sharepoint/v3/contenttype/forms">
-  <Display>DocumentLibraryForm</Display>
-  <Edit>DocumentLibraryForm</Edit>
-  <New>DocumentLibraryForm</New>
-</FormTemplates>
-</file>
-
-<file path=customXml/item2.xml><?xml version="1.0" encoding="utf-8"?>
 <ct:contentTypeSchema xmlns:ct="http://schemas.microsoft.com/office/2006/metadata/contentType" xmlns:ma="http://schemas.microsoft.com/office/2006/metadata/properties/metaAttributes" ct:_="" ma:_="" ma:contentTypeName="Document" ma:contentTypeID="0x010100A1A300ECBFD16143AC8B3E6881EC19E4" ma:contentTypeVersion="6" ma:contentTypeDescription="Create a new document." ma:contentTypeScope="" ma:versionID="3a3d1758f0533e4a63e0706672344207">
   <xsd:schema xmlns:xsd="http://www.w3.org/2001/XMLSchema" xmlns:xs="http://www.w3.org/2001/XMLSchema" xmlns:p="http://schemas.microsoft.com/office/2006/metadata/properties" xmlns:ns2="5b0b727f-9d55-4674-90df-9368557459d7" xmlns:ns3="3f0a5add-00cc-4c5e-8a54-6b524d8608b8" targetNamespace="http://schemas.microsoft.com/office/2006/metadata/properties" ma:root="true" ma:fieldsID="0b9e00dfdebadb8b416f9476785e5085" ns2:_="" ns3:_="">
     <xsd:import namespace="5b0b727f-9d55-4674-90df-9368557459d7"/>
@@ -12969,6 +17997,15 @@
 </ct:contentTypeSchema>
 </file>
 
+<file path=customXml/item2.xml><?xml version="1.0" encoding="utf-8"?>
+<?mso-contentType ?>
+<FormTemplates xmlns="http://schemas.microsoft.com/sharepoint/v3/contenttype/forms">
+  <Display>DocumentLibraryForm</Display>
+  <Edit>DocumentLibraryForm</Edit>
+  <New>DocumentLibraryForm</New>
+</FormTemplates>
+</file>
+
 <file path=customXml/item3.xml><?xml version="1.0" encoding="utf-8"?>
 <p:properties xmlns:p="http://schemas.microsoft.com/office/2006/metadata/properties" xmlns:xsi="http://www.w3.org/2001/XMLSchema-instance" xmlns:pc="http://schemas.microsoft.com/office/infopath/2007/PartnerControls">
   <documentManagement>
@@ -12981,14 +18018,6 @@
 </file>
 
 <file path=customXml/itemProps1.xml><?xml version="1.0" encoding="utf-8"?>
-<ds:datastoreItem xmlns:ds="http://schemas.openxmlformats.org/officeDocument/2006/customXml" ds:itemID="{2215CF3E-B7B2-4757-A9A7-BF8CDE2155B6}">
-  <ds:schemaRefs>
-    <ds:schemaRef ds:uri="http://schemas.microsoft.com/sharepoint/v3/contenttype/forms"/>
-  </ds:schemaRefs>
-</ds:datastoreItem>
-</file>
-
-<file path=customXml/itemProps2.xml><?xml version="1.0" encoding="utf-8"?>
 <ds:datastoreItem xmlns:ds="http://schemas.openxmlformats.org/officeDocument/2006/customXml" ds:itemID="{20271C12-EDC3-4E9F-917F-B5906E905FBC}">
   <ds:schemaRefs>
     <ds:schemaRef ds:uri="http://schemas.microsoft.com/office/2006/metadata/contentType"/>
@@ -13003,6 +18032,14 @@
     <ds:schemaRef ds:uri="http://purl.org/dc/elements/1.1/"/>
     <ds:schemaRef ds:uri="http://purl.org/dc/terms/"/>
     <ds:schemaRef ds:uri="http://schemas.microsoft.com/internal/obd"/>
+  </ds:schemaRefs>
+</ds:datastoreItem>
+</file>
+
+<file path=customXml/itemProps2.xml><?xml version="1.0" encoding="utf-8"?>
+<ds:datastoreItem xmlns:ds="http://schemas.openxmlformats.org/officeDocument/2006/customXml" ds:itemID="{2215CF3E-B7B2-4757-A9A7-BF8CDE2155B6}">
+  <ds:schemaRefs>
+    <ds:schemaRef ds:uri="http://schemas.microsoft.com/sharepoint/v3/contenttype/forms"/>
   </ds:schemaRefs>
 </ds:datastoreItem>
 </file>

--- a/ppt/Interfaces.pptx
+++ b/ppt/Interfaces.pptx
@@ -5,10 +5,10 @@
     <p:sldMasterId id="2147483648" r:id="rId4"/>
   </p:sldMasterIdLst>
   <p:notesMasterIdLst>
-    <p:notesMasterId r:id="rId40"/>
+    <p:notesMasterId r:id="rId42"/>
   </p:notesMasterIdLst>
   <p:handoutMasterIdLst>
-    <p:handoutMasterId r:id="rId41"/>
+    <p:handoutMasterId r:id="rId43"/>
   </p:handoutMasterIdLst>
   <p:sldIdLst>
     <p:sldId id="357" r:id="rId5"/>
@@ -43,14 +43,16 @@
     <p:sldId id="364" r:id="rId34"/>
     <p:sldId id="365" r:id="rId35"/>
     <p:sldId id="366" r:id="rId36"/>
-    <p:sldId id="367" r:id="rId37"/>
-    <p:sldId id="322" r:id="rId38"/>
-    <p:sldId id="323" r:id="rId39"/>
+    <p:sldId id="368" r:id="rId37"/>
+    <p:sldId id="369" r:id="rId38"/>
+    <p:sldId id="367" r:id="rId39"/>
+    <p:sldId id="322" r:id="rId40"/>
+    <p:sldId id="323" r:id="rId41"/>
   </p:sldIdLst>
   <p:sldSz cx="9144000" cy="6858000" type="screen4x3"/>
   <p:notesSz cx="6858000" cy="9144000"/>
   <p:custDataLst>
-    <p:tags r:id="rId42"/>
+    <p:tags r:id="rId44"/>
   </p:custDataLst>
   <p:defaultTextStyle>
     <a:defPPr>
@@ -184,6 +186,8 @@
             <p14:sldId id="364"/>
             <p14:sldId id="365"/>
             <p14:sldId id="366"/>
+            <p14:sldId id="368"/>
+            <p14:sldId id="369"/>
             <p14:sldId id="367"/>
             <p14:sldId id="322"/>
             <p14:sldId id="323"/>
@@ -2203,7 +2207,7 @@
     </p:spTree>
     <p:extLst>
       <p:ext uri="{BB962C8B-B14F-4D97-AF65-F5344CB8AC3E}">
-        <p14:creationId xmlns:p14="http://schemas.microsoft.com/office/powerpoint/2010/main" val="1080224081"/>
+        <p14:creationId xmlns:p14="http://schemas.microsoft.com/office/powerpoint/2010/main" val="3849411850"/>
       </p:ext>
     </p:extLst>
   </p:cSld>
@@ -2288,6 +2292,204 @@
     <p:extLst>
       <p:ext uri="{BB962C8B-B14F-4D97-AF65-F5344CB8AC3E}">
         <p14:creationId xmlns:p14="http://schemas.microsoft.com/office/powerpoint/2010/main" val="975260591"/>
+      </p:ext>
+    </p:extLst>
+  </p:cSld>
+  <p:clrMapOvr>
+    <a:masterClrMapping/>
+  </p:clrMapOvr>
+</p:notes>
+</file>
+
+<file path=ppt/notesSlides/notesSlide20.xml><?xml version="1.0" encoding="utf-8"?>
+<p:notes xmlns:a="http://schemas.openxmlformats.org/drawingml/2006/main" xmlns:r="http://schemas.openxmlformats.org/officeDocument/2006/relationships" xmlns:p="http://schemas.openxmlformats.org/presentationml/2006/main">
+  <p:cSld>
+    <p:spTree>
+      <p:nvGrpSpPr>
+        <p:cNvPr id="1" name=""/>
+        <p:cNvGrpSpPr/>
+        <p:nvPr/>
+      </p:nvGrpSpPr>
+      <p:grpSpPr>
+        <a:xfrm>
+          <a:off x="0" y="0"/>
+          <a:ext cx="0" cy="0"/>
+          <a:chOff x="0" y="0"/>
+          <a:chExt cx="0" cy="0"/>
+        </a:xfrm>
+      </p:grpSpPr>
+      <p:sp>
+        <p:nvSpPr>
+          <p:cNvPr id="2" name="Slide Image Placeholder 1"/>
+          <p:cNvSpPr>
+            <a:spLocks noGrp="1" noRot="1" noChangeAspect="1"/>
+          </p:cNvSpPr>
+          <p:nvPr>
+            <p:ph type="sldImg"/>
+          </p:nvPr>
+        </p:nvSpPr>
+        <p:spPr/>
+      </p:sp>
+      <p:sp>
+        <p:nvSpPr>
+          <p:cNvPr id="3" name="Notes Placeholder 2"/>
+          <p:cNvSpPr>
+            <a:spLocks noGrp="1"/>
+          </p:cNvSpPr>
+          <p:nvPr>
+            <p:ph type="body" idx="1"/>
+          </p:nvPr>
+        </p:nvSpPr>
+        <p:spPr/>
+        <p:txBody>
+          <a:bodyPr/>
+          <a:lstStyle/>
+          <a:p>
+            <a:r>
+              <a:rPr lang="en-US" dirty="0" err="1"/>
+              <a:t>names.replaceAll</a:t>
+            </a:r>
+            <a:r>
+              <a:rPr lang="en-US" dirty="0"/>
+              <a:t>(String::</a:t>
+            </a:r>
+            <a:r>
+              <a:rPr lang="en-US" dirty="0" err="1"/>
+              <a:t>toUpperCase</a:t>
+            </a:r>
+            <a:r>
+              <a:rPr lang="en-US" dirty="0"/>
+              <a:t>);</a:t>
+            </a:r>
+          </a:p>
+        </p:txBody>
+      </p:sp>
+      <p:sp>
+        <p:nvSpPr>
+          <p:cNvPr id="4" name="Slide Number Placeholder 3"/>
+          <p:cNvSpPr>
+            <a:spLocks noGrp="1"/>
+          </p:cNvSpPr>
+          <p:nvPr>
+            <p:ph type="sldNum" sz="quarter" idx="5"/>
+          </p:nvPr>
+        </p:nvSpPr>
+        <p:spPr/>
+        <p:txBody>
+          <a:bodyPr/>
+          <a:lstStyle/>
+          <a:p>
+            <a:fld id="{73FCE4C0-1175-4F38-90ED-AE7A39817694}" type="slidenum">
+              <a:rPr lang="en-US" smtClean="0"/>
+              <a:t>34</a:t>
+            </a:fld>
+            <a:endParaRPr lang="en-US" dirty="0"/>
+          </a:p>
+        </p:txBody>
+      </p:sp>
+    </p:spTree>
+    <p:extLst>
+      <p:ext uri="{BB962C8B-B14F-4D97-AF65-F5344CB8AC3E}">
+        <p14:creationId xmlns:p14="http://schemas.microsoft.com/office/powerpoint/2010/main" val="2829664618"/>
+      </p:ext>
+    </p:extLst>
+  </p:cSld>
+  <p:clrMapOvr>
+    <a:masterClrMapping/>
+  </p:clrMapOvr>
+</p:notes>
+</file>
+
+<file path=ppt/notesSlides/notesSlide21.xml><?xml version="1.0" encoding="utf-8"?>
+<p:notes xmlns:a="http://schemas.openxmlformats.org/drawingml/2006/main" xmlns:r="http://schemas.openxmlformats.org/officeDocument/2006/relationships" xmlns:p="http://schemas.openxmlformats.org/presentationml/2006/main">
+  <p:cSld>
+    <p:spTree>
+      <p:nvGrpSpPr>
+        <p:cNvPr id="1" name=""/>
+        <p:cNvGrpSpPr/>
+        <p:nvPr/>
+      </p:nvGrpSpPr>
+      <p:grpSpPr>
+        <a:xfrm>
+          <a:off x="0" y="0"/>
+          <a:ext cx="0" cy="0"/>
+          <a:chOff x="0" y="0"/>
+          <a:chExt cx="0" cy="0"/>
+        </a:xfrm>
+      </p:grpSpPr>
+      <p:sp>
+        <p:nvSpPr>
+          <p:cNvPr id="2" name="Slide Image Placeholder 1"/>
+          <p:cNvSpPr>
+            <a:spLocks noGrp="1" noRot="1" noChangeAspect="1"/>
+          </p:cNvSpPr>
+          <p:nvPr>
+            <p:ph type="sldImg"/>
+          </p:nvPr>
+        </p:nvSpPr>
+        <p:spPr/>
+      </p:sp>
+      <p:sp>
+        <p:nvSpPr>
+          <p:cNvPr id="3" name="Notes Placeholder 2"/>
+          <p:cNvSpPr>
+            <a:spLocks noGrp="1"/>
+          </p:cNvSpPr>
+          <p:nvPr>
+            <p:ph type="body" idx="1"/>
+          </p:nvPr>
+        </p:nvSpPr>
+        <p:spPr/>
+        <p:txBody>
+          <a:bodyPr/>
+          <a:lstStyle/>
+          <a:p>
+            <a:r>
+              <a:rPr lang="en-US" dirty="0" err="1"/>
+              <a:t>names.replaceAll</a:t>
+            </a:r>
+            <a:r>
+              <a:rPr lang="en-US" dirty="0"/>
+              <a:t>(String::</a:t>
+            </a:r>
+            <a:r>
+              <a:rPr lang="en-US" dirty="0" err="1"/>
+              <a:t>toUpperCase</a:t>
+            </a:r>
+            <a:r>
+              <a:rPr lang="en-US" dirty="0"/>
+              <a:t>);</a:t>
+            </a:r>
+          </a:p>
+        </p:txBody>
+      </p:sp>
+      <p:sp>
+        <p:nvSpPr>
+          <p:cNvPr id="4" name="Slide Number Placeholder 3"/>
+          <p:cNvSpPr>
+            <a:spLocks noGrp="1"/>
+          </p:cNvSpPr>
+          <p:nvPr>
+            <p:ph type="sldNum" sz="quarter" idx="5"/>
+          </p:nvPr>
+        </p:nvSpPr>
+        <p:spPr/>
+        <p:txBody>
+          <a:bodyPr/>
+          <a:lstStyle/>
+          <a:p>
+            <a:fld id="{73FCE4C0-1175-4F38-90ED-AE7A39817694}" type="slidenum">
+              <a:rPr lang="en-US" smtClean="0"/>
+              <a:t>35</a:t>
+            </a:fld>
+            <a:endParaRPr lang="en-US" dirty="0"/>
+          </a:p>
+        </p:txBody>
+      </p:sp>
+    </p:spTree>
+    <p:extLst>
+      <p:ext uri="{BB962C8B-B14F-4D97-AF65-F5344CB8AC3E}">
+        <p14:creationId xmlns:p14="http://schemas.microsoft.com/office/powerpoint/2010/main" val="1080224081"/>
       </p:ext>
     </p:extLst>
   </p:cSld>
@@ -9316,7 +9518,21 @@
                 <a:latin typeface="Calibri" panose="020F0502020204030204" pitchFamily="34" charset="0"/>
                 <a:cs typeface="Calibri" panose="020F0502020204030204" pitchFamily="34" charset="0"/>
               </a:rPr>
-              <a:t> = Object::</a:t>
+              <a:t> =  n-&gt; </a:t>
+            </a:r>
+            <a:r>
+              <a:rPr lang="en-IN" sz="1600" dirty="0" err="1">
+                <a:latin typeface="Calibri" panose="020F0502020204030204" pitchFamily="34" charset="0"/>
+                <a:cs typeface="Calibri" panose="020F0502020204030204" pitchFamily="34" charset="0"/>
+              </a:rPr>
+              <a:t>n.toString</a:t>
+            </a:r>
+            <a:r>
+              <a:rPr lang="en-IN" sz="1600" dirty="0">
+                <a:latin typeface="Calibri" panose="020F0502020204030204" pitchFamily="34" charset="0"/>
+                <a:cs typeface="Calibri" panose="020F0502020204030204" pitchFamily="34" charset="0"/>
+              </a:rPr>
+              <a:t>()  //Object::</a:t>
             </a:r>
             <a:r>
               <a:rPr lang="en-IN" sz="1600" dirty="0" err="1">
@@ -13485,7 +13701,7 @@
           <a:p>
             <a:r>
               <a:rPr lang="en-US" sz="2400" dirty="0"/>
-              <a:t>References</a:t>
+              <a:t>Case Study</a:t>
             </a:r>
             <a:endParaRPr lang="en-IN" sz="2400" dirty="0">
               <a:latin typeface="Arial" panose="020B0604020202020204" pitchFamily="34" charset="0"/>
@@ -13504,48 +13720,50 @@
             <p:ph type="body" sz="quarter" idx="10"/>
           </p:nvPr>
         </p:nvSpPr>
-        <p:spPr/>
+        <p:spPr>
+          <a:xfrm>
+            <a:off x="304800" y="1143000"/>
+            <a:ext cx="8534400" cy="5562600"/>
+          </a:xfrm>
+        </p:spPr>
         <p:txBody>
           <a:bodyPr>
             <a:noAutofit/>
           </a:bodyPr>
           <a:lstStyle/>
           <a:p>
-            <a:pPr algn="l"/>
-            <a:r>
-              <a:rPr lang="en-IN" sz="1600" b="0" i="1" dirty="0">
-                <a:solidFill>
-                  <a:srgbClr val="000000"/>
-                </a:solidFill>
-                <a:effectLst/>
-                <a:latin typeface="Calibri" panose="020F0502020204030204" pitchFamily="34" charset="0"/>
-                <a:cs typeface="Calibri" panose="020F0502020204030204" pitchFamily="34" charset="0"/>
-              </a:rPr>
-              <a:t>https://</a:t>
-            </a:r>
-            <a:r>
-              <a:rPr lang="en-IN" sz="1600" b="0" i="1" dirty="0" err="1">
-                <a:solidFill>
-                  <a:srgbClr val="000000"/>
-                </a:solidFill>
-                <a:effectLst/>
-                <a:latin typeface="Calibri" panose="020F0502020204030204" pitchFamily="34" charset="0"/>
-                <a:cs typeface="Calibri" panose="020F0502020204030204" pitchFamily="34" charset="0"/>
-              </a:rPr>
-              <a:t>www.baeldung.com</a:t>
-            </a:r>
-            <a:r>
-              <a:rPr lang="en-IN" sz="1600" b="0" i="1" dirty="0">
-                <a:solidFill>
-                  <a:srgbClr val="000000"/>
-                </a:solidFill>
-                <a:effectLst/>
-                <a:latin typeface="Calibri" panose="020F0502020204030204" pitchFamily="34" charset="0"/>
-                <a:cs typeface="Calibri" panose="020F0502020204030204" pitchFamily="34" charset="0"/>
-              </a:rPr>
-              <a:t>/java-8-lambda-expressions-tips</a:t>
-            </a:r>
-            <a:endParaRPr lang="en-IN" sz="1600" dirty="0">
+            <a:r>
+              <a:rPr lang="en-IN" sz="1800" b="0" dirty="0">
+                <a:solidFill>
+                  <a:srgbClr val="000000"/>
+                </a:solidFill>
+                <a:effectLst/>
+                <a:latin typeface="Calibri" panose="020F0502020204030204" pitchFamily="34" charset="0"/>
+                <a:cs typeface="Calibri" panose="020F0502020204030204" pitchFamily="34" charset="0"/>
+              </a:rPr>
+              <a:t>Creat</a:t>
+            </a:r>
+            <a:r>
+              <a:rPr lang="en-IN" sz="1800" dirty="0">
+                <a:solidFill>
+                  <a:srgbClr val="000000"/>
+                </a:solidFill>
+                <a:latin typeface="Calibri" panose="020F0502020204030204" pitchFamily="34" charset="0"/>
+                <a:cs typeface="Calibri" panose="020F0502020204030204" pitchFamily="34" charset="0"/>
+              </a:rPr>
+              <a:t>e a class Student with the following attributes. Add constructor, getter, setter, </a:t>
+            </a:r>
+            <a:r>
+              <a:rPr lang="en-IN" sz="1800" dirty="0" err="1">
+                <a:solidFill>
+                  <a:srgbClr val="000000"/>
+                </a:solidFill>
+                <a:latin typeface="Calibri" panose="020F0502020204030204" pitchFamily="34" charset="0"/>
+                <a:cs typeface="Calibri" panose="020F0502020204030204" pitchFamily="34" charset="0"/>
+              </a:rPr>
+              <a:t>toString</a:t>
+            </a:r>
+            <a:endParaRPr lang="en-IN" sz="1800" dirty="0">
               <a:solidFill>
                 <a:srgbClr val="000000"/>
               </a:solidFill>
@@ -13553,12 +13771,472 @@
               <a:cs typeface="Calibri" panose="020F0502020204030204" pitchFamily="34" charset="0"/>
             </a:endParaRPr>
           </a:p>
+          <a:p>
+            <a:pPr lvl="1"/>
+            <a:r>
+              <a:rPr lang="en-IN" sz="1800" dirty="0">
+                <a:solidFill>
+                  <a:srgbClr val="000000"/>
+                </a:solidFill>
+                <a:latin typeface="Calibri" panose="020F0502020204030204" pitchFamily="34" charset="0"/>
+                <a:cs typeface="Calibri" panose="020F0502020204030204" pitchFamily="34" charset="0"/>
+              </a:rPr>
+              <a:t>int id;</a:t>
+            </a:r>
+          </a:p>
+          <a:p>
+            <a:pPr lvl="1"/>
+            <a:r>
+              <a:rPr lang="en-IN" sz="1800" dirty="0">
+                <a:solidFill>
+                  <a:srgbClr val="000000"/>
+                </a:solidFill>
+                <a:latin typeface="Calibri" panose="020F0502020204030204" pitchFamily="34" charset="0"/>
+                <a:cs typeface="Calibri" panose="020F0502020204030204" pitchFamily="34" charset="0"/>
+              </a:rPr>
+              <a:t>String name;</a:t>
+            </a:r>
+          </a:p>
+          <a:p>
+            <a:pPr lvl="1"/>
+            <a:r>
+              <a:rPr lang="en-IN" sz="1800" dirty="0">
+                <a:solidFill>
+                  <a:srgbClr val="000000"/>
+                </a:solidFill>
+                <a:latin typeface="Calibri" panose="020F0502020204030204" pitchFamily="34" charset="0"/>
+                <a:cs typeface="Calibri" panose="020F0502020204030204" pitchFamily="34" charset="0"/>
+              </a:rPr>
+              <a:t>double percentage;</a:t>
+            </a:r>
+          </a:p>
+          <a:p>
+            <a:pPr lvl="1"/>
+            <a:r>
+              <a:rPr lang="en-IN" sz="1800" dirty="0">
+                <a:solidFill>
+                  <a:srgbClr val="000000"/>
+                </a:solidFill>
+                <a:latin typeface="Calibri" panose="020F0502020204030204" pitchFamily="34" charset="0"/>
+                <a:cs typeface="Calibri" panose="020F0502020204030204" pitchFamily="34" charset="0"/>
+              </a:rPr>
+              <a:t>String specialization;</a:t>
+            </a:r>
+          </a:p>
+          <a:p>
+            <a:r>
+              <a:rPr lang="en-IN" sz="1800" dirty="0">
+                <a:solidFill>
+                  <a:srgbClr val="000000"/>
+                </a:solidFill>
+                <a:latin typeface="Calibri" panose="020F0502020204030204" pitchFamily="34" charset="0"/>
+                <a:cs typeface="Calibri" panose="020F0502020204030204" pitchFamily="34" charset="0"/>
+              </a:rPr>
+              <a:t>List is initialized as follows</a:t>
+            </a:r>
+            <a:br>
+              <a:rPr lang="en-IN" sz="1800" dirty="0">
+                <a:solidFill>
+                  <a:srgbClr val="000000"/>
+                </a:solidFill>
+                <a:latin typeface="Calibri" panose="020F0502020204030204" pitchFamily="34" charset="0"/>
+                <a:cs typeface="Calibri" panose="020F0502020204030204" pitchFamily="34" charset="0"/>
+              </a:rPr>
+            </a:br>
+            <a:r>
+              <a:rPr lang="en-IN" sz="1800" dirty="0">
+                <a:solidFill>
+                  <a:srgbClr val="000000"/>
+                </a:solidFill>
+                <a:latin typeface="Calibri" panose="020F0502020204030204" pitchFamily="34" charset="0"/>
+                <a:cs typeface="Calibri" panose="020F0502020204030204" pitchFamily="34" charset="0"/>
+              </a:rPr>
+              <a:t>List&lt;Student&gt; </a:t>
+            </a:r>
+            <a:r>
+              <a:rPr lang="en-IN" sz="1800" dirty="0" err="1">
+                <a:solidFill>
+                  <a:srgbClr val="000000"/>
+                </a:solidFill>
+                <a:latin typeface="Calibri" panose="020F0502020204030204" pitchFamily="34" charset="0"/>
+                <a:cs typeface="Calibri" panose="020F0502020204030204" pitchFamily="34" charset="0"/>
+              </a:rPr>
+              <a:t>listOfStudents</a:t>
+            </a:r>
+            <a:r>
+              <a:rPr lang="en-IN" sz="1800" dirty="0">
+                <a:solidFill>
+                  <a:srgbClr val="000000"/>
+                </a:solidFill>
+                <a:latin typeface="Calibri" panose="020F0502020204030204" pitchFamily="34" charset="0"/>
+                <a:cs typeface="Calibri" panose="020F0502020204030204" pitchFamily="34" charset="0"/>
+              </a:rPr>
+              <a:t> = new </a:t>
+            </a:r>
+            <a:r>
+              <a:rPr lang="en-IN" sz="1800" dirty="0" err="1">
+                <a:solidFill>
+                  <a:srgbClr val="000000"/>
+                </a:solidFill>
+                <a:latin typeface="Calibri" panose="020F0502020204030204" pitchFamily="34" charset="0"/>
+                <a:cs typeface="Calibri" panose="020F0502020204030204" pitchFamily="34" charset="0"/>
+              </a:rPr>
+              <a:t>ArrayList</a:t>
+            </a:r>
+            <a:r>
+              <a:rPr lang="en-IN" sz="1800" dirty="0">
+                <a:solidFill>
+                  <a:srgbClr val="000000"/>
+                </a:solidFill>
+                <a:latin typeface="Calibri" panose="020F0502020204030204" pitchFamily="34" charset="0"/>
+                <a:cs typeface="Calibri" panose="020F0502020204030204" pitchFamily="34" charset="0"/>
+              </a:rPr>
+              <a:t>&lt;Student&gt;();</a:t>
+            </a:r>
+            <a:br>
+              <a:rPr lang="en-IN" sz="1800" dirty="0">
+                <a:solidFill>
+                  <a:srgbClr val="000000"/>
+                </a:solidFill>
+                <a:latin typeface="Calibri" panose="020F0502020204030204" pitchFamily="34" charset="0"/>
+                <a:cs typeface="Calibri" panose="020F0502020204030204" pitchFamily="34" charset="0"/>
+              </a:rPr>
+            </a:br>
+            <a:r>
+              <a:rPr lang="en-IN" sz="1800" dirty="0" err="1">
+                <a:solidFill>
+                  <a:srgbClr val="000000"/>
+                </a:solidFill>
+                <a:latin typeface="Calibri" panose="020F0502020204030204" pitchFamily="34" charset="0"/>
+                <a:cs typeface="Calibri" panose="020F0502020204030204" pitchFamily="34" charset="0"/>
+              </a:rPr>
+              <a:t>listOfStudents.add</a:t>
+            </a:r>
+            <a:r>
+              <a:rPr lang="en-IN" sz="1800" dirty="0">
+                <a:solidFill>
+                  <a:srgbClr val="000000"/>
+                </a:solidFill>
+                <a:latin typeface="Calibri" panose="020F0502020204030204" pitchFamily="34" charset="0"/>
+                <a:cs typeface="Calibri" panose="020F0502020204030204" pitchFamily="34" charset="0"/>
+              </a:rPr>
+              <a:t>(new Student(111, "John", 81.0, "Mathematics"));</a:t>
+            </a:r>
+            <a:br>
+              <a:rPr lang="en-IN" sz="1800" dirty="0">
+                <a:solidFill>
+                  <a:srgbClr val="000000"/>
+                </a:solidFill>
+                <a:latin typeface="Calibri" panose="020F0502020204030204" pitchFamily="34" charset="0"/>
+                <a:cs typeface="Calibri" panose="020F0502020204030204" pitchFamily="34" charset="0"/>
+              </a:rPr>
+            </a:br>
+            <a:r>
+              <a:rPr lang="en-IN" sz="1800" dirty="0" err="1">
+                <a:solidFill>
+                  <a:srgbClr val="000000"/>
+                </a:solidFill>
+                <a:latin typeface="Calibri" panose="020F0502020204030204" pitchFamily="34" charset="0"/>
+                <a:cs typeface="Calibri" panose="020F0502020204030204" pitchFamily="34" charset="0"/>
+              </a:rPr>
+              <a:t>listOfStudents.add</a:t>
+            </a:r>
+            <a:r>
+              <a:rPr lang="en-IN" sz="1800" dirty="0">
+                <a:solidFill>
+                  <a:srgbClr val="000000"/>
+                </a:solidFill>
+                <a:latin typeface="Calibri" panose="020F0502020204030204" pitchFamily="34" charset="0"/>
+                <a:cs typeface="Calibri" panose="020F0502020204030204" pitchFamily="34" charset="0"/>
+              </a:rPr>
+              <a:t>(new Student(222, "Harsha", 79.5, "History"));</a:t>
+            </a:r>
+            <a:br>
+              <a:rPr lang="en-IN" sz="1800" dirty="0">
+                <a:solidFill>
+                  <a:srgbClr val="000000"/>
+                </a:solidFill>
+                <a:latin typeface="Calibri" panose="020F0502020204030204" pitchFamily="34" charset="0"/>
+                <a:cs typeface="Calibri" panose="020F0502020204030204" pitchFamily="34" charset="0"/>
+              </a:rPr>
+            </a:br>
+            <a:r>
+              <a:rPr lang="en-IN" sz="1800" dirty="0" err="1">
+                <a:solidFill>
+                  <a:srgbClr val="000000"/>
+                </a:solidFill>
+                <a:latin typeface="Calibri" panose="020F0502020204030204" pitchFamily="34" charset="0"/>
+                <a:cs typeface="Calibri" panose="020F0502020204030204" pitchFamily="34" charset="0"/>
+              </a:rPr>
+              <a:t>listOfStudents.add</a:t>
+            </a:r>
+            <a:r>
+              <a:rPr lang="en-IN" sz="1800" dirty="0">
+                <a:solidFill>
+                  <a:srgbClr val="000000"/>
+                </a:solidFill>
+                <a:latin typeface="Calibri" panose="020F0502020204030204" pitchFamily="34" charset="0"/>
+                <a:cs typeface="Calibri" panose="020F0502020204030204" pitchFamily="34" charset="0"/>
+              </a:rPr>
+              <a:t>(new Student(333, "Ruth", 87.2, "Computers"));</a:t>
+            </a:r>
+            <a:br>
+              <a:rPr lang="en-IN" sz="1800" dirty="0">
+                <a:solidFill>
+                  <a:srgbClr val="000000"/>
+                </a:solidFill>
+                <a:latin typeface="Calibri" panose="020F0502020204030204" pitchFamily="34" charset="0"/>
+                <a:cs typeface="Calibri" panose="020F0502020204030204" pitchFamily="34" charset="0"/>
+              </a:rPr>
+            </a:br>
+            <a:r>
+              <a:rPr lang="en-IN" sz="1800" dirty="0" err="1">
+                <a:solidFill>
+                  <a:srgbClr val="000000"/>
+                </a:solidFill>
+                <a:latin typeface="Calibri" panose="020F0502020204030204" pitchFamily="34" charset="0"/>
+                <a:cs typeface="Calibri" panose="020F0502020204030204" pitchFamily="34" charset="0"/>
+              </a:rPr>
+              <a:t>listOfStudents.add</a:t>
+            </a:r>
+            <a:r>
+              <a:rPr lang="en-IN" sz="1800" dirty="0">
+                <a:solidFill>
+                  <a:srgbClr val="000000"/>
+                </a:solidFill>
+                <a:latin typeface="Calibri" panose="020F0502020204030204" pitchFamily="34" charset="0"/>
+                <a:cs typeface="Calibri" panose="020F0502020204030204" pitchFamily="34" charset="0"/>
+              </a:rPr>
+              <a:t>(new Student(444, "Aroma", 63.2, "Mathematics"));</a:t>
+            </a:r>
+            <a:br>
+              <a:rPr lang="en-IN" sz="1800" dirty="0">
+                <a:solidFill>
+                  <a:srgbClr val="000000"/>
+                </a:solidFill>
+                <a:latin typeface="Calibri" panose="020F0502020204030204" pitchFamily="34" charset="0"/>
+                <a:cs typeface="Calibri" panose="020F0502020204030204" pitchFamily="34" charset="0"/>
+              </a:rPr>
+            </a:br>
+            <a:r>
+              <a:rPr lang="en-IN" sz="1800" dirty="0" err="1">
+                <a:solidFill>
+                  <a:srgbClr val="000000"/>
+                </a:solidFill>
+                <a:latin typeface="Calibri" panose="020F0502020204030204" pitchFamily="34" charset="0"/>
+                <a:cs typeface="Calibri" panose="020F0502020204030204" pitchFamily="34" charset="0"/>
+              </a:rPr>
+              <a:t>listOfStudents.add</a:t>
+            </a:r>
+            <a:r>
+              <a:rPr lang="en-IN" sz="1800" dirty="0">
+                <a:solidFill>
+                  <a:srgbClr val="000000"/>
+                </a:solidFill>
+                <a:latin typeface="Calibri" panose="020F0502020204030204" pitchFamily="34" charset="0"/>
+                <a:cs typeface="Calibri" panose="020F0502020204030204" pitchFamily="34" charset="0"/>
+              </a:rPr>
+              <a:t>(new Student(555, "</a:t>
+            </a:r>
+            <a:r>
+              <a:rPr lang="en-IN" sz="1800" dirty="0" err="1">
+                <a:solidFill>
+                  <a:srgbClr val="000000"/>
+                </a:solidFill>
+                <a:latin typeface="Calibri" panose="020F0502020204030204" pitchFamily="34" charset="0"/>
+                <a:cs typeface="Calibri" panose="020F0502020204030204" pitchFamily="34" charset="0"/>
+              </a:rPr>
+              <a:t>Zade</a:t>
+            </a:r>
+            <a:r>
+              <a:rPr lang="en-IN" sz="1800" dirty="0">
+                <a:solidFill>
+                  <a:srgbClr val="000000"/>
+                </a:solidFill>
+                <a:latin typeface="Calibri" panose="020F0502020204030204" pitchFamily="34" charset="0"/>
+                <a:cs typeface="Calibri" panose="020F0502020204030204" pitchFamily="34" charset="0"/>
+              </a:rPr>
+              <a:t>", 83.5, "Computers"));</a:t>
+            </a:r>
+            <a:br>
+              <a:rPr lang="en-IN" sz="1800" dirty="0">
+                <a:solidFill>
+                  <a:srgbClr val="000000"/>
+                </a:solidFill>
+                <a:latin typeface="Calibri" panose="020F0502020204030204" pitchFamily="34" charset="0"/>
+                <a:cs typeface="Calibri" panose="020F0502020204030204" pitchFamily="34" charset="0"/>
+              </a:rPr>
+            </a:br>
+            <a:r>
+              <a:rPr lang="en-IN" sz="1800" dirty="0" err="1">
+                <a:solidFill>
+                  <a:srgbClr val="000000"/>
+                </a:solidFill>
+                <a:latin typeface="Calibri" panose="020F0502020204030204" pitchFamily="34" charset="0"/>
+                <a:cs typeface="Calibri" panose="020F0502020204030204" pitchFamily="34" charset="0"/>
+              </a:rPr>
+              <a:t>listOfStudents.add</a:t>
+            </a:r>
+            <a:r>
+              <a:rPr lang="en-IN" sz="1800" dirty="0">
+                <a:solidFill>
+                  <a:srgbClr val="000000"/>
+                </a:solidFill>
+                <a:latin typeface="Calibri" panose="020F0502020204030204" pitchFamily="34" charset="0"/>
+                <a:cs typeface="Calibri" panose="020F0502020204030204" pitchFamily="34" charset="0"/>
+              </a:rPr>
+              <a:t>(new Student(666, "Xing", 58.5, "Geography"));</a:t>
+            </a:r>
+            <a:br>
+              <a:rPr lang="en-IN" sz="1800" dirty="0">
+                <a:solidFill>
+                  <a:srgbClr val="000000"/>
+                </a:solidFill>
+                <a:latin typeface="Calibri" panose="020F0502020204030204" pitchFamily="34" charset="0"/>
+                <a:cs typeface="Calibri" panose="020F0502020204030204" pitchFamily="34" charset="0"/>
+              </a:rPr>
+            </a:br>
+            <a:r>
+              <a:rPr lang="en-IN" sz="1800" dirty="0" err="1">
+                <a:solidFill>
+                  <a:srgbClr val="000000"/>
+                </a:solidFill>
+                <a:latin typeface="Calibri" panose="020F0502020204030204" pitchFamily="34" charset="0"/>
+                <a:cs typeface="Calibri" panose="020F0502020204030204" pitchFamily="34" charset="0"/>
+              </a:rPr>
+              <a:t>listOfStudents.add</a:t>
+            </a:r>
+            <a:r>
+              <a:rPr lang="en-IN" sz="1800" dirty="0">
+                <a:solidFill>
+                  <a:srgbClr val="000000"/>
+                </a:solidFill>
+                <a:latin typeface="Calibri" panose="020F0502020204030204" pitchFamily="34" charset="0"/>
+                <a:cs typeface="Calibri" panose="020F0502020204030204" pitchFamily="34" charset="0"/>
+              </a:rPr>
+              <a:t>(new Student(777, "Richards", 72.6, "Banking"));</a:t>
+            </a:r>
+            <a:br>
+              <a:rPr lang="en-IN" sz="1800" dirty="0">
+                <a:solidFill>
+                  <a:srgbClr val="000000"/>
+                </a:solidFill>
+                <a:latin typeface="Calibri" panose="020F0502020204030204" pitchFamily="34" charset="0"/>
+                <a:cs typeface="Calibri" panose="020F0502020204030204" pitchFamily="34" charset="0"/>
+              </a:rPr>
+            </a:br>
+            <a:r>
+              <a:rPr lang="en-IN" sz="1800" dirty="0" err="1">
+                <a:solidFill>
+                  <a:srgbClr val="000000"/>
+                </a:solidFill>
+                <a:latin typeface="Calibri" panose="020F0502020204030204" pitchFamily="34" charset="0"/>
+                <a:cs typeface="Calibri" panose="020F0502020204030204" pitchFamily="34" charset="0"/>
+              </a:rPr>
+              <a:t>listOfStudents.add</a:t>
+            </a:r>
+            <a:r>
+              <a:rPr lang="en-IN" sz="1800" dirty="0">
+                <a:solidFill>
+                  <a:srgbClr val="000000"/>
+                </a:solidFill>
+                <a:latin typeface="Calibri" panose="020F0502020204030204" pitchFamily="34" charset="0"/>
+                <a:cs typeface="Calibri" panose="020F0502020204030204" pitchFamily="34" charset="0"/>
+              </a:rPr>
+              <a:t>(new Student(888, "Sunil", 86.7, "History"));</a:t>
+            </a:r>
+            <a:br>
+              <a:rPr lang="en-IN" sz="1800" dirty="0">
+                <a:solidFill>
+                  <a:srgbClr val="000000"/>
+                </a:solidFill>
+                <a:latin typeface="Calibri" panose="020F0502020204030204" pitchFamily="34" charset="0"/>
+                <a:cs typeface="Calibri" panose="020F0502020204030204" pitchFamily="34" charset="0"/>
+              </a:rPr>
+            </a:br>
+            <a:r>
+              <a:rPr lang="en-IN" sz="1800" dirty="0" err="1">
+                <a:solidFill>
+                  <a:srgbClr val="000000"/>
+                </a:solidFill>
+                <a:latin typeface="Calibri" panose="020F0502020204030204" pitchFamily="34" charset="0"/>
+                <a:cs typeface="Calibri" panose="020F0502020204030204" pitchFamily="34" charset="0"/>
+              </a:rPr>
+              <a:t>listOfStudents.add</a:t>
+            </a:r>
+            <a:r>
+              <a:rPr lang="en-IN" sz="1800" dirty="0">
+                <a:solidFill>
+                  <a:srgbClr val="000000"/>
+                </a:solidFill>
+                <a:latin typeface="Calibri" panose="020F0502020204030204" pitchFamily="34" charset="0"/>
+                <a:cs typeface="Calibri" panose="020F0502020204030204" pitchFamily="34" charset="0"/>
+              </a:rPr>
+              <a:t>(new Student(999, "Jordan", 58.6, "Finance"));</a:t>
+            </a:r>
+            <a:br>
+              <a:rPr lang="en-IN" sz="1800" dirty="0">
+                <a:solidFill>
+                  <a:srgbClr val="000000"/>
+                </a:solidFill>
+                <a:latin typeface="Calibri" panose="020F0502020204030204" pitchFamily="34" charset="0"/>
+                <a:cs typeface="Calibri" panose="020F0502020204030204" pitchFamily="34" charset="0"/>
+              </a:rPr>
+            </a:br>
+            <a:r>
+              <a:rPr lang="en-IN" sz="1800" dirty="0" err="1">
+                <a:solidFill>
+                  <a:srgbClr val="000000"/>
+                </a:solidFill>
+                <a:latin typeface="Calibri" panose="020F0502020204030204" pitchFamily="34" charset="0"/>
+                <a:cs typeface="Calibri" panose="020F0502020204030204" pitchFamily="34" charset="0"/>
+              </a:rPr>
+              <a:t>listOfStudents.add</a:t>
+            </a:r>
+            <a:r>
+              <a:rPr lang="en-IN" sz="1800" dirty="0">
+                <a:solidFill>
+                  <a:srgbClr val="000000"/>
+                </a:solidFill>
+                <a:latin typeface="Calibri" panose="020F0502020204030204" pitchFamily="34" charset="0"/>
+                <a:cs typeface="Calibri" panose="020F0502020204030204" pitchFamily="34" charset="0"/>
+              </a:rPr>
+              <a:t>(new Student(101010, "Chris", 89.8, "Computers"));</a:t>
+            </a:r>
+          </a:p>
+          <a:p>
+            <a:endParaRPr lang="en-IN" sz="1800" dirty="0">
+              <a:solidFill>
+                <a:srgbClr val="000000"/>
+              </a:solidFill>
+              <a:latin typeface="Calibri" panose="020F0502020204030204" pitchFamily="34" charset="0"/>
+              <a:cs typeface="Calibri" panose="020F0502020204030204" pitchFamily="34" charset="0"/>
+            </a:endParaRPr>
+          </a:p>
+          <a:p>
+            <a:endParaRPr lang="en-IN" sz="1800" dirty="0">
+              <a:solidFill>
+                <a:srgbClr val="000000"/>
+              </a:solidFill>
+              <a:latin typeface="Calibri" panose="020F0502020204030204" pitchFamily="34" charset="0"/>
+              <a:cs typeface="Calibri" panose="020F0502020204030204" pitchFamily="34" charset="0"/>
+            </a:endParaRPr>
+          </a:p>
+          <a:p>
+            <a:endParaRPr lang="en-IN" sz="1800" dirty="0">
+              <a:solidFill>
+                <a:srgbClr val="000000"/>
+              </a:solidFill>
+              <a:latin typeface="Calibri" panose="020F0502020204030204" pitchFamily="34" charset="0"/>
+              <a:cs typeface="Calibri" panose="020F0502020204030204" pitchFamily="34" charset="0"/>
+            </a:endParaRPr>
+          </a:p>
         </p:txBody>
       </p:sp>
     </p:spTree>
     <p:extLst>
       <p:ext uri="{BB962C8B-B14F-4D97-AF65-F5344CB8AC3E}">
-        <p14:creationId xmlns:p14="http://schemas.microsoft.com/office/powerpoint/2010/main" val="2425827943"/>
+        <p14:creationId xmlns:p14="http://schemas.microsoft.com/office/powerpoint/2010/main" val="931206099"/>
       </p:ext>
     </p:extLst>
   </p:cSld>
@@ -13601,6 +14279,546 @@
           <a:lstStyle/>
           <a:p>
             <a:r>
+              <a:rPr lang="en-US" sz="2400" dirty="0"/>
+              <a:t>Case Study</a:t>
+            </a:r>
+            <a:endParaRPr lang="en-IN" sz="2400" dirty="0">
+              <a:latin typeface="Arial" panose="020B0604020202020204" pitchFamily="34" charset="0"/>
+              <a:cs typeface="Arial" panose="020B0604020202020204" pitchFamily="34" charset="0"/>
+            </a:endParaRPr>
+          </a:p>
+        </p:txBody>
+      </p:sp>
+      <p:sp>
+        <p:nvSpPr>
+          <p:cNvPr id="3" name="Text Placeholder 2"/>
+          <p:cNvSpPr>
+            <a:spLocks noGrp="1"/>
+          </p:cNvSpPr>
+          <p:nvPr>
+            <p:ph type="body" sz="quarter" idx="10"/>
+          </p:nvPr>
+        </p:nvSpPr>
+        <p:spPr>
+          <a:xfrm>
+            <a:off x="304800" y="1143000"/>
+            <a:ext cx="8534400" cy="5562600"/>
+          </a:xfrm>
+        </p:spPr>
+        <p:txBody>
+          <a:bodyPr>
+            <a:noAutofit/>
+          </a:bodyPr>
+          <a:lstStyle/>
+          <a:p>
+            <a:r>
+              <a:rPr lang="en-IN" sz="1800" b="0" dirty="0">
+                <a:solidFill>
+                  <a:srgbClr val="000000"/>
+                </a:solidFill>
+                <a:effectLst/>
+                <a:latin typeface="Calibri" panose="020F0502020204030204" pitchFamily="34" charset="0"/>
+                <a:cs typeface="Calibri" panose="020F0502020204030204" pitchFamily="34" charset="0"/>
+              </a:rPr>
+              <a:t>Complete the following methods</a:t>
+            </a:r>
+          </a:p>
+          <a:p>
+            <a:pPr lvl="1"/>
+            <a:r>
+              <a:rPr lang="en-IN" sz="1800" b="0" dirty="0">
+                <a:solidFill>
+                  <a:srgbClr val="000000"/>
+                </a:solidFill>
+                <a:effectLst/>
+                <a:latin typeface="Calibri" panose="020F0502020204030204" pitchFamily="34" charset="0"/>
+                <a:cs typeface="Calibri" panose="020F0502020204030204" pitchFamily="34" charset="0"/>
+              </a:rPr>
+              <a:t>Use of predicate:</a:t>
+            </a:r>
+          </a:p>
+          <a:p>
+            <a:pPr lvl="1"/>
+            <a:r>
+              <a:rPr lang="en-IN" sz="1800" b="0" dirty="0">
+                <a:solidFill>
+                  <a:srgbClr val="000000"/>
+                </a:solidFill>
+                <a:effectLst/>
+                <a:latin typeface="Calibri" panose="020F0502020204030204" pitchFamily="34" charset="0"/>
+                <a:cs typeface="Calibri" panose="020F0502020204030204" pitchFamily="34" charset="0"/>
+              </a:rPr>
+              <a:t>Print the students for which the predicate returns true</a:t>
+            </a:r>
+            <a:br>
+              <a:rPr lang="en-IN" sz="1800" b="0" dirty="0">
+                <a:solidFill>
+                  <a:srgbClr val="000000"/>
+                </a:solidFill>
+                <a:effectLst/>
+                <a:latin typeface="Calibri" panose="020F0502020204030204" pitchFamily="34" charset="0"/>
+                <a:cs typeface="Calibri" panose="020F0502020204030204" pitchFamily="34" charset="0"/>
+              </a:rPr>
+            </a:br>
+            <a:r>
+              <a:rPr lang="en-IN" sz="1800" b="0" dirty="0">
+                <a:solidFill>
+                  <a:srgbClr val="000000"/>
+                </a:solidFill>
+                <a:effectLst/>
+                <a:latin typeface="Calibri" panose="020F0502020204030204" pitchFamily="34" charset="0"/>
+                <a:cs typeface="Calibri" panose="020F0502020204030204" pitchFamily="34" charset="0"/>
+              </a:rPr>
+              <a:t>public static void </a:t>
+            </a:r>
+            <a:r>
+              <a:rPr lang="en-IN" sz="1800" b="0" dirty="0" err="1">
+                <a:solidFill>
+                  <a:srgbClr val="000000"/>
+                </a:solidFill>
+                <a:effectLst/>
+                <a:latin typeface="Calibri" panose="020F0502020204030204" pitchFamily="34" charset="0"/>
+                <a:cs typeface="Calibri" panose="020F0502020204030204" pitchFamily="34" charset="0"/>
+              </a:rPr>
+              <a:t>printSpecializationStudents</a:t>
+            </a:r>
+            <a:r>
+              <a:rPr lang="en-IN" sz="1800" b="0" dirty="0">
+                <a:solidFill>
+                  <a:srgbClr val="000000"/>
+                </a:solidFill>
+                <a:effectLst/>
+                <a:latin typeface="Calibri" panose="020F0502020204030204" pitchFamily="34" charset="0"/>
+                <a:cs typeface="Calibri" panose="020F0502020204030204" pitchFamily="34" charset="0"/>
+              </a:rPr>
+              <a:t>(List&lt;Student&gt; list, Predicate&lt;Student&gt; p)</a:t>
+            </a:r>
+            <a:br>
+              <a:rPr lang="en-IN" sz="1800" b="0" dirty="0">
+                <a:solidFill>
+                  <a:srgbClr val="000000"/>
+                </a:solidFill>
+                <a:effectLst/>
+                <a:latin typeface="Calibri" panose="020F0502020204030204" pitchFamily="34" charset="0"/>
+                <a:cs typeface="Calibri" panose="020F0502020204030204" pitchFamily="34" charset="0"/>
+              </a:rPr>
+            </a:br>
+            <a:r>
+              <a:rPr lang="en-IN" sz="1800" b="0" dirty="0">
+                <a:solidFill>
+                  <a:srgbClr val="000000"/>
+                </a:solidFill>
+                <a:effectLst/>
+                <a:latin typeface="Calibri" panose="020F0502020204030204" pitchFamily="34" charset="0"/>
+                <a:cs typeface="Calibri" panose="020F0502020204030204" pitchFamily="34" charset="0"/>
+              </a:rPr>
+              <a:t>{}</a:t>
+            </a:r>
+          </a:p>
+          <a:p>
+            <a:pPr lvl="1"/>
+            <a:r>
+              <a:rPr lang="en-IN" sz="1800" dirty="0">
+                <a:solidFill>
+                  <a:srgbClr val="000000"/>
+                </a:solidFill>
+                <a:latin typeface="Calibri" panose="020F0502020204030204" pitchFamily="34" charset="0"/>
+                <a:cs typeface="Calibri" panose="020F0502020204030204" pitchFamily="34" charset="0"/>
+              </a:rPr>
+              <a:t>Provide implementation of predicate to return true for ”Mathematics” student</a:t>
+            </a:r>
+          </a:p>
+          <a:p>
+            <a:pPr lvl="1"/>
+            <a:r>
+              <a:rPr lang="en-IN" sz="1800" b="0" dirty="0">
+                <a:solidFill>
+                  <a:srgbClr val="000000"/>
+                </a:solidFill>
+                <a:effectLst/>
+                <a:latin typeface="Calibri" panose="020F0502020204030204" pitchFamily="34" charset="0"/>
+                <a:cs typeface="Calibri" panose="020F0502020204030204" pitchFamily="34" charset="0"/>
+              </a:rPr>
+              <a:t>Use of consumer:</a:t>
+            </a:r>
+          </a:p>
+          <a:p>
+            <a:pPr lvl="1"/>
+            <a:r>
+              <a:rPr lang="en-IN" sz="1800" b="0" dirty="0">
+                <a:solidFill>
+                  <a:srgbClr val="000000"/>
+                </a:solidFill>
+                <a:effectLst/>
+                <a:latin typeface="Calibri" panose="020F0502020204030204" pitchFamily="34" charset="0"/>
+                <a:cs typeface="Calibri" panose="020F0502020204030204" pitchFamily="34" charset="0"/>
+              </a:rPr>
+              <a:t>Print the student details as per the consumer implementation</a:t>
+            </a:r>
+            <a:br>
+              <a:rPr lang="en-IN" sz="1800" b="0" dirty="0">
+                <a:solidFill>
+                  <a:srgbClr val="000000"/>
+                </a:solidFill>
+                <a:effectLst/>
+                <a:latin typeface="Calibri" panose="020F0502020204030204" pitchFamily="34" charset="0"/>
+                <a:cs typeface="Calibri" panose="020F0502020204030204" pitchFamily="34" charset="0"/>
+              </a:rPr>
+            </a:br>
+            <a:r>
+              <a:rPr lang="en-IN" sz="1800" b="0" dirty="0">
+                <a:solidFill>
+                  <a:srgbClr val="000000"/>
+                </a:solidFill>
+                <a:effectLst/>
+                <a:latin typeface="Calibri" panose="020F0502020204030204" pitchFamily="34" charset="0"/>
+                <a:cs typeface="Calibri" panose="020F0502020204030204" pitchFamily="34" charset="0"/>
+              </a:rPr>
+              <a:t>public static void </a:t>
+            </a:r>
+            <a:r>
+              <a:rPr lang="en-IN" sz="1800" b="0" dirty="0" err="1">
+                <a:solidFill>
+                  <a:srgbClr val="000000"/>
+                </a:solidFill>
+                <a:effectLst/>
+                <a:latin typeface="Calibri" panose="020F0502020204030204" pitchFamily="34" charset="0"/>
+                <a:cs typeface="Calibri" panose="020F0502020204030204" pitchFamily="34" charset="0"/>
+              </a:rPr>
+              <a:t>printDetails</a:t>
+            </a:r>
+            <a:r>
+              <a:rPr lang="en-IN" sz="1800" b="0" dirty="0">
+                <a:solidFill>
+                  <a:srgbClr val="000000"/>
+                </a:solidFill>
+                <a:effectLst/>
+                <a:latin typeface="Calibri" panose="020F0502020204030204" pitchFamily="34" charset="0"/>
+                <a:cs typeface="Calibri" panose="020F0502020204030204" pitchFamily="34" charset="0"/>
+              </a:rPr>
+              <a:t>(List&lt;Student&gt; list, Consumer&lt;Student&gt; c)</a:t>
+            </a:r>
+            <a:br>
+              <a:rPr lang="en-IN" sz="1800" b="0" dirty="0">
+                <a:solidFill>
+                  <a:srgbClr val="000000"/>
+                </a:solidFill>
+                <a:effectLst/>
+                <a:latin typeface="Calibri" panose="020F0502020204030204" pitchFamily="34" charset="0"/>
+                <a:cs typeface="Calibri" panose="020F0502020204030204" pitchFamily="34" charset="0"/>
+              </a:rPr>
+            </a:br>
+            <a:r>
+              <a:rPr lang="en-IN" sz="1800" b="0" dirty="0">
+                <a:solidFill>
+                  <a:srgbClr val="000000"/>
+                </a:solidFill>
+                <a:effectLst/>
+                <a:latin typeface="Calibri" panose="020F0502020204030204" pitchFamily="34" charset="0"/>
+                <a:cs typeface="Calibri" panose="020F0502020204030204" pitchFamily="34" charset="0"/>
+              </a:rPr>
+              <a:t>{}</a:t>
+            </a:r>
+          </a:p>
+          <a:p>
+            <a:pPr lvl="1"/>
+            <a:r>
+              <a:rPr lang="en-IN" sz="1800" dirty="0">
+                <a:solidFill>
+                  <a:srgbClr val="000000"/>
+                </a:solidFill>
+                <a:latin typeface="Calibri" panose="020F0502020204030204" pitchFamily="34" charset="0"/>
+                <a:cs typeface="Calibri" panose="020F0502020204030204" pitchFamily="34" charset="0"/>
+              </a:rPr>
+              <a:t>Provide implementation of consumer to print student name and percentage</a:t>
+            </a:r>
+          </a:p>
+          <a:p>
+            <a:pPr lvl="1"/>
+            <a:r>
+              <a:rPr lang="en-IN" sz="1800" dirty="0">
+                <a:solidFill>
+                  <a:srgbClr val="000000"/>
+                </a:solidFill>
+                <a:latin typeface="Calibri" panose="020F0502020204030204" pitchFamily="34" charset="0"/>
+                <a:cs typeface="Calibri" panose="020F0502020204030204" pitchFamily="34" charset="0"/>
+              </a:rPr>
+              <a:t>Use of function:</a:t>
+            </a:r>
+          </a:p>
+          <a:p>
+            <a:pPr lvl="1"/>
+            <a:r>
+              <a:rPr lang="en-IN" sz="1800" b="0" dirty="0">
+                <a:solidFill>
+                  <a:srgbClr val="000000"/>
+                </a:solidFill>
+                <a:effectLst/>
+                <a:latin typeface="Calibri" panose="020F0502020204030204" pitchFamily="34" charset="0"/>
+                <a:cs typeface="Calibri" panose="020F0502020204030204" pitchFamily="34" charset="0"/>
+              </a:rPr>
+              <a:t>public static List&lt;String&gt; (List&lt;Student&gt; list, Function&lt;Student, String&gt; c)</a:t>
+            </a:r>
+            <a:br>
+              <a:rPr lang="en-IN" sz="1800" b="0" dirty="0">
+                <a:solidFill>
+                  <a:srgbClr val="000000"/>
+                </a:solidFill>
+                <a:effectLst/>
+                <a:latin typeface="Calibri" panose="020F0502020204030204" pitchFamily="34" charset="0"/>
+                <a:cs typeface="Calibri" panose="020F0502020204030204" pitchFamily="34" charset="0"/>
+              </a:rPr>
+            </a:br>
+            <a:r>
+              <a:rPr lang="en-IN" sz="1800" b="0" dirty="0">
+                <a:solidFill>
+                  <a:srgbClr val="000000"/>
+                </a:solidFill>
+                <a:effectLst/>
+                <a:latin typeface="Calibri" panose="020F0502020204030204" pitchFamily="34" charset="0"/>
+                <a:cs typeface="Calibri" panose="020F0502020204030204" pitchFamily="34" charset="0"/>
+              </a:rPr>
+              <a:t>{}</a:t>
+            </a:r>
+          </a:p>
+          <a:p>
+            <a:pPr lvl="1"/>
+            <a:r>
+              <a:rPr lang="en-IN" sz="1800" dirty="0">
+                <a:solidFill>
+                  <a:srgbClr val="000000"/>
+                </a:solidFill>
+                <a:latin typeface="Calibri" panose="020F0502020204030204" pitchFamily="34" charset="0"/>
+                <a:cs typeface="Calibri" panose="020F0502020204030204" pitchFamily="34" charset="0"/>
+              </a:rPr>
+              <a:t>Provide implementation of function to get student name.</a:t>
+            </a:r>
+          </a:p>
+          <a:p>
+            <a:pPr lvl="1"/>
+            <a:endParaRPr lang="en-IN" sz="1800" dirty="0">
+              <a:solidFill>
+                <a:srgbClr val="000000"/>
+              </a:solidFill>
+              <a:latin typeface="Calibri" panose="020F0502020204030204" pitchFamily="34" charset="0"/>
+              <a:cs typeface="Calibri" panose="020F0502020204030204" pitchFamily="34" charset="0"/>
+            </a:endParaRPr>
+          </a:p>
+          <a:p>
+            <a:pPr lvl="1"/>
+            <a:endParaRPr lang="en-IN" sz="1800" dirty="0">
+              <a:solidFill>
+                <a:srgbClr val="000000"/>
+              </a:solidFill>
+              <a:latin typeface="Calibri" panose="020F0502020204030204" pitchFamily="34" charset="0"/>
+              <a:cs typeface="Calibri" panose="020F0502020204030204" pitchFamily="34" charset="0"/>
+            </a:endParaRPr>
+          </a:p>
+          <a:p>
+            <a:pPr lvl="1"/>
+            <a:endParaRPr lang="en-IN" sz="1800" dirty="0">
+              <a:solidFill>
+                <a:srgbClr val="000000"/>
+              </a:solidFill>
+              <a:latin typeface="Calibri" panose="020F0502020204030204" pitchFamily="34" charset="0"/>
+              <a:cs typeface="Calibri" panose="020F0502020204030204" pitchFamily="34" charset="0"/>
+            </a:endParaRPr>
+          </a:p>
+          <a:p>
+            <a:pPr lvl="1"/>
+            <a:endParaRPr lang="en-IN" sz="1800" b="0" dirty="0">
+              <a:solidFill>
+                <a:srgbClr val="000000"/>
+              </a:solidFill>
+              <a:effectLst/>
+              <a:latin typeface="Calibri" panose="020F0502020204030204" pitchFamily="34" charset="0"/>
+              <a:cs typeface="Calibri" panose="020F0502020204030204" pitchFamily="34" charset="0"/>
+            </a:endParaRPr>
+          </a:p>
+          <a:p>
+            <a:endParaRPr lang="en-IN" sz="1800" b="0" dirty="0">
+              <a:solidFill>
+                <a:srgbClr val="000000"/>
+              </a:solidFill>
+              <a:effectLst/>
+              <a:latin typeface="Calibri" panose="020F0502020204030204" pitchFamily="34" charset="0"/>
+              <a:cs typeface="Calibri" panose="020F0502020204030204" pitchFamily="34" charset="0"/>
+            </a:endParaRPr>
+          </a:p>
+          <a:p>
+            <a:endParaRPr lang="en-IN" sz="1800" dirty="0">
+              <a:solidFill>
+                <a:srgbClr val="000000"/>
+              </a:solidFill>
+              <a:latin typeface="Calibri" panose="020F0502020204030204" pitchFamily="34" charset="0"/>
+              <a:cs typeface="Calibri" panose="020F0502020204030204" pitchFamily="34" charset="0"/>
+            </a:endParaRPr>
+          </a:p>
+        </p:txBody>
+      </p:sp>
+    </p:spTree>
+    <p:extLst>
+      <p:ext uri="{BB962C8B-B14F-4D97-AF65-F5344CB8AC3E}">
+        <p14:creationId xmlns:p14="http://schemas.microsoft.com/office/powerpoint/2010/main" val="3108150877"/>
+      </p:ext>
+    </p:extLst>
+  </p:cSld>
+  <p:clrMapOvr>
+    <a:masterClrMapping/>
+  </p:clrMapOvr>
+</p:sld>
+</file>
+
+<file path=ppt/slides/slide35.xml><?xml version="1.0" encoding="utf-8"?>
+<p:sld xmlns:a="http://schemas.openxmlformats.org/drawingml/2006/main" xmlns:r="http://schemas.openxmlformats.org/officeDocument/2006/relationships" xmlns:p="http://schemas.openxmlformats.org/presentationml/2006/main">
+  <p:cSld>
+    <p:spTree>
+      <p:nvGrpSpPr>
+        <p:cNvPr id="1" name=""/>
+        <p:cNvGrpSpPr/>
+        <p:nvPr/>
+      </p:nvGrpSpPr>
+      <p:grpSpPr>
+        <a:xfrm>
+          <a:off x="0" y="0"/>
+          <a:ext cx="0" cy="0"/>
+          <a:chOff x="0" y="0"/>
+          <a:chExt cx="0" cy="0"/>
+        </a:xfrm>
+      </p:grpSpPr>
+      <p:sp>
+        <p:nvSpPr>
+          <p:cNvPr id="2" name="Title 1"/>
+          <p:cNvSpPr>
+            <a:spLocks noGrp="1"/>
+          </p:cNvSpPr>
+          <p:nvPr>
+            <p:ph type="title"/>
+          </p:nvPr>
+        </p:nvSpPr>
+        <p:spPr/>
+        <p:txBody>
+          <a:bodyPr/>
+          <a:lstStyle/>
+          <a:p>
+            <a:r>
+              <a:rPr lang="en-US" sz="2400" dirty="0"/>
+              <a:t>References</a:t>
+            </a:r>
+            <a:endParaRPr lang="en-IN" sz="2400" dirty="0">
+              <a:latin typeface="Arial" panose="020B0604020202020204" pitchFamily="34" charset="0"/>
+              <a:cs typeface="Arial" panose="020B0604020202020204" pitchFamily="34" charset="0"/>
+            </a:endParaRPr>
+          </a:p>
+        </p:txBody>
+      </p:sp>
+      <p:sp>
+        <p:nvSpPr>
+          <p:cNvPr id="3" name="Text Placeholder 2"/>
+          <p:cNvSpPr>
+            <a:spLocks noGrp="1"/>
+          </p:cNvSpPr>
+          <p:nvPr>
+            <p:ph type="body" sz="quarter" idx="10"/>
+          </p:nvPr>
+        </p:nvSpPr>
+        <p:spPr/>
+        <p:txBody>
+          <a:bodyPr>
+            <a:noAutofit/>
+          </a:bodyPr>
+          <a:lstStyle/>
+          <a:p>
+            <a:pPr algn="l"/>
+            <a:r>
+              <a:rPr lang="en-IN" sz="1600" b="0" i="1" dirty="0">
+                <a:solidFill>
+                  <a:srgbClr val="000000"/>
+                </a:solidFill>
+                <a:effectLst/>
+                <a:latin typeface="Calibri" panose="020F0502020204030204" pitchFamily="34" charset="0"/>
+                <a:cs typeface="Calibri" panose="020F0502020204030204" pitchFamily="34" charset="0"/>
+              </a:rPr>
+              <a:t>https://</a:t>
+            </a:r>
+            <a:r>
+              <a:rPr lang="en-IN" sz="1600" b="0" i="1" dirty="0" err="1">
+                <a:solidFill>
+                  <a:srgbClr val="000000"/>
+                </a:solidFill>
+                <a:effectLst/>
+                <a:latin typeface="Calibri" panose="020F0502020204030204" pitchFamily="34" charset="0"/>
+                <a:cs typeface="Calibri" panose="020F0502020204030204" pitchFamily="34" charset="0"/>
+              </a:rPr>
+              <a:t>www.baeldung.com</a:t>
+            </a:r>
+            <a:r>
+              <a:rPr lang="en-IN" sz="1600" b="0" i="1" dirty="0">
+                <a:solidFill>
+                  <a:srgbClr val="000000"/>
+                </a:solidFill>
+                <a:effectLst/>
+                <a:latin typeface="Calibri" panose="020F0502020204030204" pitchFamily="34" charset="0"/>
+                <a:cs typeface="Calibri" panose="020F0502020204030204" pitchFamily="34" charset="0"/>
+              </a:rPr>
+              <a:t>/java-8-lambda-expressions-tips</a:t>
+            </a:r>
+            <a:endParaRPr lang="en-IN" sz="1600" dirty="0">
+              <a:solidFill>
+                <a:srgbClr val="000000"/>
+              </a:solidFill>
+              <a:latin typeface="Calibri" panose="020F0502020204030204" pitchFamily="34" charset="0"/>
+              <a:cs typeface="Calibri" panose="020F0502020204030204" pitchFamily="34" charset="0"/>
+            </a:endParaRPr>
+          </a:p>
+        </p:txBody>
+      </p:sp>
+    </p:spTree>
+    <p:extLst>
+      <p:ext uri="{BB962C8B-B14F-4D97-AF65-F5344CB8AC3E}">
+        <p14:creationId xmlns:p14="http://schemas.microsoft.com/office/powerpoint/2010/main" val="2425827943"/>
+      </p:ext>
+    </p:extLst>
+  </p:cSld>
+  <p:clrMapOvr>
+    <a:masterClrMapping/>
+  </p:clrMapOvr>
+</p:sld>
+</file>
+
+<file path=ppt/slides/slide36.xml><?xml version="1.0" encoding="utf-8"?>
+<p:sld xmlns:a="http://schemas.openxmlformats.org/drawingml/2006/main" xmlns:r="http://schemas.openxmlformats.org/officeDocument/2006/relationships" xmlns:p="http://schemas.openxmlformats.org/presentationml/2006/main">
+  <p:cSld>
+    <p:spTree>
+      <p:nvGrpSpPr>
+        <p:cNvPr id="1" name=""/>
+        <p:cNvGrpSpPr/>
+        <p:nvPr/>
+      </p:nvGrpSpPr>
+      <p:grpSpPr>
+        <a:xfrm>
+          <a:off x="0" y="0"/>
+          <a:ext cx="0" cy="0"/>
+          <a:chOff x="0" y="0"/>
+          <a:chExt cx="0" cy="0"/>
+        </a:xfrm>
+      </p:grpSpPr>
+      <p:sp>
+        <p:nvSpPr>
+          <p:cNvPr id="2" name="Title 1"/>
+          <p:cNvSpPr>
+            <a:spLocks noGrp="1"/>
+          </p:cNvSpPr>
+          <p:nvPr>
+            <p:ph type="title"/>
+          </p:nvPr>
+        </p:nvSpPr>
+        <p:spPr/>
+        <p:txBody>
+          <a:bodyPr/>
+          <a:lstStyle/>
+          <a:p>
+            <a:r>
               <a:rPr lang="en-US" dirty="0"/>
               <a:t>Any Question ?</a:t>
             </a:r>
@@ -13662,7 +14880,7 @@
 </p:sld>
 </file>
 
-<file path=ppt/slides/slide35.xml><?xml version="1.0" encoding="utf-8"?>
+<file path=ppt/slides/slide37.xml><?xml version="1.0" encoding="utf-8"?>
 <p:sld xmlns:a="http://schemas.openxmlformats.org/drawingml/2006/main" xmlns:r="http://schemas.openxmlformats.org/officeDocument/2006/relationships" xmlns:p="http://schemas.openxmlformats.org/presentationml/2006/main">
   <p:cSld>
     <p:spTree>

--- a/ppt/Interfaces.pptx
+++ b/ppt/Interfaces.pptx
@@ -5,10 +5,10 @@
     <p:sldMasterId id="2147483648" r:id="rId4"/>
   </p:sldMasterIdLst>
   <p:notesMasterIdLst>
-    <p:notesMasterId r:id="rId42"/>
+    <p:notesMasterId r:id="rId43"/>
   </p:notesMasterIdLst>
   <p:handoutMasterIdLst>
-    <p:handoutMasterId r:id="rId43"/>
+    <p:handoutMasterId r:id="rId44"/>
   </p:handoutMasterIdLst>
   <p:sldIdLst>
     <p:sldId id="357" r:id="rId5"/>
@@ -45,14 +45,15 @@
     <p:sldId id="366" r:id="rId36"/>
     <p:sldId id="368" r:id="rId37"/>
     <p:sldId id="369" r:id="rId38"/>
-    <p:sldId id="367" r:id="rId39"/>
-    <p:sldId id="322" r:id="rId40"/>
-    <p:sldId id="323" r:id="rId41"/>
+    <p:sldId id="370" r:id="rId39"/>
+    <p:sldId id="367" r:id="rId40"/>
+    <p:sldId id="322" r:id="rId41"/>
+    <p:sldId id="323" r:id="rId42"/>
   </p:sldIdLst>
   <p:sldSz cx="9144000" cy="6858000" type="screen4x3"/>
   <p:notesSz cx="6858000" cy="9144000"/>
   <p:custDataLst>
-    <p:tags r:id="rId44"/>
+    <p:tags r:id="rId45"/>
   </p:custDataLst>
   <p:defaultTextStyle>
     <a:defPPr>
@@ -188,6 +189,7 @@
             <p14:sldId id="366"/>
             <p14:sldId id="368"/>
             <p14:sldId id="369"/>
+            <p14:sldId id="370"/>
             <p14:sldId id="367"/>
             <p14:sldId id="322"/>
             <p14:sldId id="323"/>
@@ -298,7 +300,7 @@
           <a:p>
             <a:fld id="{A73B3874-4EDE-4EDC-B525-8967D0BF9027}" type="datetimeFigureOut">
               <a:rPr lang="en-IN" smtClean="0"/>
-              <a:t>03/06/24</a:t>
+              <a:t>04/06/24</a:t>
             </a:fld>
             <a:endParaRPr lang="en-IN"/>
           </a:p>
@@ -463,7 +465,7 @@
           <a:p>
             <a:fld id="{FBA77E9D-1F26-455B-9FC4-1E2D7C5371B8}" type="datetimeFigureOut">
               <a:rPr lang="en-US" smtClean="0"/>
-              <a:t>6/3/24</a:t>
+              <a:t>6/4/24</a:t>
             </a:fld>
             <a:endParaRPr lang="en-US" dirty="0"/>
           </a:p>
@@ -2481,6 +2483,105 @@
             <a:fld id="{73FCE4C0-1175-4F38-90ED-AE7A39817694}" type="slidenum">
               <a:rPr lang="en-US" smtClean="0"/>
               <a:t>35</a:t>
+            </a:fld>
+            <a:endParaRPr lang="en-US" dirty="0"/>
+          </a:p>
+        </p:txBody>
+      </p:sp>
+    </p:spTree>
+    <p:extLst>
+      <p:ext uri="{BB962C8B-B14F-4D97-AF65-F5344CB8AC3E}">
+        <p14:creationId xmlns:p14="http://schemas.microsoft.com/office/powerpoint/2010/main" val="592835685"/>
+      </p:ext>
+    </p:extLst>
+  </p:cSld>
+  <p:clrMapOvr>
+    <a:masterClrMapping/>
+  </p:clrMapOvr>
+</p:notes>
+</file>
+
+<file path=ppt/notesSlides/notesSlide22.xml><?xml version="1.0" encoding="utf-8"?>
+<p:notes xmlns:a="http://schemas.openxmlformats.org/drawingml/2006/main" xmlns:r="http://schemas.openxmlformats.org/officeDocument/2006/relationships" xmlns:p="http://schemas.openxmlformats.org/presentationml/2006/main">
+  <p:cSld>
+    <p:spTree>
+      <p:nvGrpSpPr>
+        <p:cNvPr id="1" name=""/>
+        <p:cNvGrpSpPr/>
+        <p:nvPr/>
+      </p:nvGrpSpPr>
+      <p:grpSpPr>
+        <a:xfrm>
+          <a:off x="0" y="0"/>
+          <a:ext cx="0" cy="0"/>
+          <a:chOff x="0" y="0"/>
+          <a:chExt cx="0" cy="0"/>
+        </a:xfrm>
+      </p:grpSpPr>
+      <p:sp>
+        <p:nvSpPr>
+          <p:cNvPr id="2" name="Slide Image Placeholder 1"/>
+          <p:cNvSpPr>
+            <a:spLocks noGrp="1" noRot="1" noChangeAspect="1"/>
+          </p:cNvSpPr>
+          <p:nvPr>
+            <p:ph type="sldImg"/>
+          </p:nvPr>
+        </p:nvSpPr>
+        <p:spPr/>
+      </p:sp>
+      <p:sp>
+        <p:nvSpPr>
+          <p:cNvPr id="3" name="Notes Placeholder 2"/>
+          <p:cNvSpPr>
+            <a:spLocks noGrp="1"/>
+          </p:cNvSpPr>
+          <p:nvPr>
+            <p:ph type="body" idx="1"/>
+          </p:nvPr>
+        </p:nvSpPr>
+        <p:spPr/>
+        <p:txBody>
+          <a:bodyPr/>
+          <a:lstStyle/>
+          <a:p>
+            <a:r>
+              <a:rPr lang="en-US" dirty="0" err="1"/>
+              <a:t>names.replaceAll</a:t>
+            </a:r>
+            <a:r>
+              <a:rPr lang="en-US" dirty="0"/>
+              <a:t>(String::</a:t>
+            </a:r>
+            <a:r>
+              <a:rPr lang="en-US" dirty="0" err="1"/>
+              <a:t>toUpperCase</a:t>
+            </a:r>
+            <a:r>
+              <a:rPr lang="en-US" dirty="0"/>
+              <a:t>);</a:t>
+            </a:r>
+          </a:p>
+        </p:txBody>
+      </p:sp>
+      <p:sp>
+        <p:nvSpPr>
+          <p:cNvPr id="4" name="Slide Number Placeholder 3"/>
+          <p:cNvSpPr>
+            <a:spLocks noGrp="1"/>
+          </p:cNvSpPr>
+          <p:nvPr>
+            <p:ph type="sldNum" sz="quarter" idx="5"/>
+          </p:nvPr>
+        </p:nvSpPr>
+        <p:spPr/>
+        <p:txBody>
+          <a:bodyPr/>
+          <a:lstStyle/>
+          <a:p>
+            <a:fld id="{73FCE4C0-1175-4F38-90ED-AE7A39817694}" type="slidenum">
+              <a:rPr lang="en-US" smtClean="0"/>
+              <a:t>36</a:t>
             </a:fld>
             <a:endParaRPr lang="en-US" dirty="0"/>
           </a:p>
@@ -14703,7 +14804,7 @@
           <a:p>
             <a:r>
               <a:rPr lang="en-US" sz="2400" dirty="0"/>
-              <a:t>References</a:t>
+              <a:t>Solved Example</a:t>
             </a:r>
             <a:endParaRPr lang="en-IN" sz="2400" dirty="0">
               <a:latin typeface="Arial" panose="020B0604020202020204" pitchFamily="34" charset="0"/>
@@ -14714,69 +14815,509 @@
       </p:sp>
       <p:sp>
         <p:nvSpPr>
-          <p:cNvPr id="3" name="Text Placeholder 2"/>
-          <p:cNvSpPr>
-            <a:spLocks noGrp="1"/>
-          </p:cNvSpPr>
-          <p:nvPr>
-            <p:ph type="body" sz="quarter" idx="10"/>
-          </p:nvPr>
+          <p:cNvPr id="7" name="TextBox 6">
+            <a:extLst>
+              <a:ext uri="{FF2B5EF4-FFF2-40B4-BE49-F238E27FC236}">
+                <a16:creationId xmlns:a16="http://schemas.microsoft.com/office/drawing/2014/main" id="{761D66F8-09DD-D641-6223-16598546B5F4}"/>
+              </a:ext>
+            </a:extLst>
+          </p:cNvPr>
+          <p:cNvSpPr txBox="1"/>
+          <p:nvPr/>
         </p:nvSpPr>
-        <p:spPr/>
+        <p:spPr>
+          <a:xfrm>
+            <a:off x="352920" y="797510"/>
+            <a:ext cx="8562480" cy="5262979"/>
+          </a:xfrm>
+          <a:prstGeom prst="rect">
+            <a:avLst/>
+          </a:prstGeom>
+          <a:noFill/>
+        </p:spPr>
         <p:txBody>
-          <a:bodyPr>
-            <a:noAutofit/>
+          <a:bodyPr wrap="square">
+            <a:spAutoFit/>
           </a:bodyPr>
           <a:lstStyle/>
           <a:p>
-            <a:pPr algn="l"/>
-            <a:r>
-              <a:rPr lang="en-IN" sz="1600" b="0" i="1" dirty="0">
-                <a:solidFill>
-                  <a:srgbClr val="000000"/>
-                </a:solidFill>
-                <a:effectLst/>
-                <a:latin typeface="Calibri" panose="020F0502020204030204" pitchFamily="34" charset="0"/>
-                <a:cs typeface="Calibri" panose="020F0502020204030204" pitchFamily="34" charset="0"/>
-              </a:rPr>
-              <a:t>https://</a:t>
-            </a:r>
-            <a:r>
-              <a:rPr lang="en-IN" sz="1600" b="0" i="1" dirty="0" err="1">
-                <a:solidFill>
-                  <a:srgbClr val="000000"/>
-                </a:solidFill>
-                <a:effectLst/>
-                <a:latin typeface="Calibri" panose="020F0502020204030204" pitchFamily="34" charset="0"/>
-                <a:cs typeface="Calibri" panose="020F0502020204030204" pitchFamily="34" charset="0"/>
-              </a:rPr>
-              <a:t>www.baeldung.com</a:t>
-            </a:r>
-            <a:r>
-              <a:rPr lang="en-IN" sz="1600" b="0" i="1" dirty="0">
-                <a:solidFill>
-                  <a:srgbClr val="000000"/>
-                </a:solidFill>
-                <a:effectLst/>
-                <a:latin typeface="Calibri" panose="020F0502020204030204" pitchFamily="34" charset="0"/>
-                <a:cs typeface="Calibri" panose="020F0502020204030204" pitchFamily="34" charset="0"/>
-              </a:rPr>
-              <a:t>/java-8-lambda-expressions-tips</a:t>
-            </a:r>
+            <a:r>
+              <a:rPr lang="en-IN" sz="1600" dirty="0">
+                <a:effectLst/>
+                <a:latin typeface="Calibri" panose="020F0502020204030204" pitchFamily="34" charset="0"/>
+                <a:cs typeface="Calibri" panose="020F0502020204030204" pitchFamily="34" charset="0"/>
+              </a:rPr>
+              <a:t>public static void </a:t>
+            </a:r>
+            <a:r>
+              <a:rPr lang="en-IN" sz="1600" dirty="0" err="1">
+                <a:effectLst/>
+                <a:latin typeface="Calibri" panose="020F0502020204030204" pitchFamily="34" charset="0"/>
+                <a:cs typeface="Calibri" panose="020F0502020204030204" pitchFamily="34" charset="0"/>
+              </a:rPr>
+              <a:t>printSpecialization</a:t>
+            </a:r>
+            <a:r>
+              <a:rPr lang="en-IN" sz="1600" dirty="0">
+                <a:effectLst/>
+                <a:latin typeface="Calibri" panose="020F0502020204030204" pitchFamily="34" charset="0"/>
+                <a:cs typeface="Calibri" panose="020F0502020204030204" pitchFamily="34" charset="0"/>
+              </a:rPr>
+              <a:t>(List&lt;Student&gt; list, Predicate&lt;Student&gt; predicate) {</a:t>
+            </a:r>
+          </a:p>
+          <a:p>
+            <a:r>
+              <a:rPr lang="en-IN" sz="1600" dirty="0">
+                <a:effectLst/>
+                <a:latin typeface="Calibri" panose="020F0502020204030204" pitchFamily="34" charset="0"/>
+                <a:cs typeface="Calibri" panose="020F0502020204030204" pitchFamily="34" charset="0"/>
+              </a:rPr>
+              <a:t>	for(Student </a:t>
+            </a:r>
+            <a:r>
+              <a:rPr lang="en-IN" sz="1600" dirty="0" err="1">
+                <a:effectLst/>
+                <a:latin typeface="Calibri" panose="020F0502020204030204" pitchFamily="34" charset="0"/>
+                <a:cs typeface="Calibri" panose="020F0502020204030204" pitchFamily="34" charset="0"/>
+              </a:rPr>
+              <a:t>student:list</a:t>
+            </a:r>
+            <a:r>
+              <a:rPr lang="en-IN" sz="1600" dirty="0">
+                <a:effectLst/>
+                <a:latin typeface="Calibri" panose="020F0502020204030204" pitchFamily="34" charset="0"/>
+                <a:cs typeface="Calibri" panose="020F0502020204030204" pitchFamily="34" charset="0"/>
+              </a:rPr>
+              <a:t>)</a:t>
+            </a:r>
+          </a:p>
+          <a:p>
+            <a:r>
+              <a:rPr lang="en-IN" sz="1600" dirty="0">
+                <a:effectLst/>
+                <a:latin typeface="Calibri" panose="020F0502020204030204" pitchFamily="34" charset="0"/>
+                <a:cs typeface="Calibri" panose="020F0502020204030204" pitchFamily="34" charset="0"/>
+              </a:rPr>
+              <a:t>		if(</a:t>
+            </a:r>
+            <a:r>
+              <a:rPr lang="en-IN" sz="1600" dirty="0" err="1">
+                <a:effectLst/>
+                <a:latin typeface="Calibri" panose="020F0502020204030204" pitchFamily="34" charset="0"/>
+                <a:cs typeface="Calibri" panose="020F0502020204030204" pitchFamily="34" charset="0"/>
+              </a:rPr>
+              <a:t>predicate.test</a:t>
+            </a:r>
+            <a:r>
+              <a:rPr lang="en-IN" sz="1600" dirty="0">
+                <a:effectLst/>
+                <a:latin typeface="Calibri" panose="020F0502020204030204" pitchFamily="34" charset="0"/>
+                <a:cs typeface="Calibri" panose="020F0502020204030204" pitchFamily="34" charset="0"/>
+              </a:rPr>
+              <a:t>(student))</a:t>
+            </a:r>
+          </a:p>
+          <a:p>
+            <a:r>
+              <a:rPr lang="en-IN" sz="1600" dirty="0">
+                <a:effectLst/>
+                <a:latin typeface="Calibri" panose="020F0502020204030204" pitchFamily="34" charset="0"/>
+                <a:cs typeface="Calibri" panose="020F0502020204030204" pitchFamily="34" charset="0"/>
+              </a:rPr>
+              <a:t>			</a:t>
+            </a:r>
+            <a:r>
+              <a:rPr lang="en-IN" sz="1600" dirty="0" err="1">
+                <a:effectLst/>
+                <a:latin typeface="Calibri" panose="020F0502020204030204" pitchFamily="34" charset="0"/>
+                <a:cs typeface="Calibri" panose="020F0502020204030204" pitchFamily="34" charset="0"/>
+              </a:rPr>
+              <a:t>System.</a:t>
+            </a:r>
+            <a:r>
+              <a:rPr lang="en-IN" sz="1600" b="1" i="1" dirty="0" err="1">
+                <a:effectLst/>
+                <a:latin typeface="Calibri" panose="020F0502020204030204" pitchFamily="34" charset="0"/>
+                <a:cs typeface="Calibri" panose="020F0502020204030204" pitchFamily="34" charset="0"/>
+              </a:rPr>
+              <a:t>out</a:t>
+            </a:r>
+            <a:r>
+              <a:rPr lang="en-IN" sz="1600" dirty="0" err="1">
+                <a:effectLst/>
+                <a:latin typeface="Calibri" panose="020F0502020204030204" pitchFamily="34" charset="0"/>
+                <a:cs typeface="Calibri" panose="020F0502020204030204" pitchFamily="34" charset="0"/>
+              </a:rPr>
+              <a:t>.println</a:t>
+            </a:r>
+            <a:r>
+              <a:rPr lang="en-IN" sz="1600" dirty="0">
+                <a:effectLst/>
+                <a:latin typeface="Calibri" panose="020F0502020204030204" pitchFamily="34" charset="0"/>
+                <a:cs typeface="Calibri" panose="020F0502020204030204" pitchFamily="34" charset="0"/>
+              </a:rPr>
+              <a:t>(student);</a:t>
+            </a:r>
+          </a:p>
+          <a:p>
+            <a:r>
+              <a:rPr lang="en-IN" sz="1600" dirty="0">
+                <a:effectLst/>
+                <a:latin typeface="Calibri" panose="020F0502020204030204" pitchFamily="34" charset="0"/>
+                <a:cs typeface="Calibri" panose="020F0502020204030204" pitchFamily="34" charset="0"/>
+              </a:rPr>
+              <a:t>}</a:t>
+            </a:r>
+          </a:p>
+          <a:p>
             <a:endParaRPr lang="en-IN" sz="1600" dirty="0">
-              <a:solidFill>
-                <a:srgbClr val="000000"/>
-              </a:solidFill>
+              <a:effectLst/>
               <a:latin typeface="Calibri" panose="020F0502020204030204" pitchFamily="34" charset="0"/>
               <a:cs typeface="Calibri" panose="020F0502020204030204" pitchFamily="34" charset="0"/>
             </a:endParaRPr>
+          </a:p>
+          <a:p>
+            <a:r>
+              <a:rPr lang="en-IN" sz="1600" dirty="0">
+                <a:effectLst/>
+                <a:latin typeface="Calibri" panose="020F0502020204030204" pitchFamily="34" charset="0"/>
+                <a:cs typeface="Calibri" panose="020F0502020204030204" pitchFamily="34" charset="0"/>
+              </a:rPr>
+              <a:t>public static void main(String[] </a:t>
+            </a:r>
+            <a:r>
+              <a:rPr lang="en-IN" sz="1600" dirty="0" err="1">
+                <a:effectLst/>
+                <a:latin typeface="Calibri" panose="020F0502020204030204" pitchFamily="34" charset="0"/>
+                <a:cs typeface="Calibri" panose="020F0502020204030204" pitchFamily="34" charset="0"/>
+              </a:rPr>
+              <a:t>args</a:t>
+            </a:r>
+            <a:r>
+              <a:rPr lang="en-IN" sz="1600" dirty="0">
+                <a:effectLst/>
+                <a:latin typeface="Calibri" panose="020F0502020204030204" pitchFamily="34" charset="0"/>
+                <a:cs typeface="Calibri" panose="020F0502020204030204" pitchFamily="34" charset="0"/>
+              </a:rPr>
+              <a:t>) {</a:t>
+            </a:r>
+          </a:p>
+          <a:p>
+            <a:pPr lvl="1"/>
+            <a:r>
+              <a:rPr lang="en-IN" sz="1600" dirty="0">
+                <a:effectLst/>
+                <a:latin typeface="Calibri" panose="020F0502020204030204" pitchFamily="34" charset="0"/>
+                <a:cs typeface="Calibri" panose="020F0502020204030204" pitchFamily="34" charset="0"/>
+              </a:rPr>
+              <a:t>List&lt;Student&gt; </a:t>
+            </a:r>
+            <a:r>
+              <a:rPr lang="en-IN" sz="1600" dirty="0" err="1">
+                <a:effectLst/>
+                <a:latin typeface="Calibri" panose="020F0502020204030204" pitchFamily="34" charset="0"/>
+                <a:cs typeface="Calibri" panose="020F0502020204030204" pitchFamily="34" charset="0"/>
+              </a:rPr>
+              <a:t>listofstudents</a:t>
+            </a:r>
+            <a:r>
+              <a:rPr lang="en-IN" sz="1600" dirty="0">
+                <a:effectLst/>
+                <a:latin typeface="Calibri" panose="020F0502020204030204" pitchFamily="34" charset="0"/>
+                <a:cs typeface="Calibri" panose="020F0502020204030204" pitchFamily="34" charset="0"/>
+              </a:rPr>
+              <a:t> = new </a:t>
+            </a:r>
+            <a:r>
+              <a:rPr lang="en-IN" sz="1600" dirty="0" err="1">
+                <a:effectLst/>
+                <a:latin typeface="Calibri" panose="020F0502020204030204" pitchFamily="34" charset="0"/>
+                <a:cs typeface="Calibri" panose="020F0502020204030204" pitchFamily="34" charset="0"/>
+              </a:rPr>
+              <a:t>ArrayList</a:t>
+            </a:r>
+            <a:r>
+              <a:rPr lang="en-IN" sz="1600" dirty="0">
+                <a:effectLst/>
+                <a:latin typeface="Calibri" panose="020F0502020204030204" pitchFamily="34" charset="0"/>
+                <a:cs typeface="Calibri" panose="020F0502020204030204" pitchFamily="34" charset="0"/>
+              </a:rPr>
+              <a:t>&lt;&gt;();</a:t>
+            </a:r>
+          </a:p>
+          <a:p>
+            <a:pPr lvl="1"/>
+            <a:r>
+              <a:rPr lang="en-IN" sz="1600" dirty="0" err="1">
+                <a:effectLst/>
+                <a:latin typeface="Calibri" panose="020F0502020204030204" pitchFamily="34" charset="0"/>
+                <a:cs typeface="Calibri" panose="020F0502020204030204" pitchFamily="34" charset="0"/>
+              </a:rPr>
+              <a:t>listofstudents.add</a:t>
+            </a:r>
+            <a:r>
+              <a:rPr lang="en-IN" sz="1600" dirty="0">
+                <a:effectLst/>
+                <a:latin typeface="Calibri" panose="020F0502020204030204" pitchFamily="34" charset="0"/>
+                <a:cs typeface="Calibri" panose="020F0502020204030204" pitchFamily="34" charset="0"/>
+              </a:rPr>
+              <a:t>(new Student(111,"John",81.0,"Mathematics"));</a:t>
+            </a:r>
+          </a:p>
+          <a:p>
+            <a:pPr lvl="1"/>
+            <a:r>
+              <a:rPr lang="en-IN" sz="1600" dirty="0" err="1">
+                <a:effectLst/>
+                <a:latin typeface="Calibri" panose="020F0502020204030204" pitchFamily="34" charset="0"/>
+                <a:cs typeface="Calibri" panose="020F0502020204030204" pitchFamily="34" charset="0"/>
+              </a:rPr>
+              <a:t>listofstudents.add</a:t>
+            </a:r>
+            <a:r>
+              <a:rPr lang="en-IN" sz="1600" dirty="0">
+                <a:effectLst/>
+                <a:latin typeface="Calibri" panose="020F0502020204030204" pitchFamily="34" charset="0"/>
+                <a:cs typeface="Calibri" panose="020F0502020204030204" pitchFamily="34" charset="0"/>
+              </a:rPr>
+              <a:t>(new Student(222,"Harsha",79.5,"History"));</a:t>
+            </a:r>
+          </a:p>
+          <a:p>
+            <a:pPr lvl="1"/>
+            <a:r>
+              <a:rPr lang="en-IN" sz="1600" dirty="0" err="1">
+                <a:effectLst/>
+                <a:latin typeface="Calibri" panose="020F0502020204030204" pitchFamily="34" charset="0"/>
+                <a:cs typeface="Calibri" panose="020F0502020204030204" pitchFamily="34" charset="0"/>
+              </a:rPr>
+              <a:t>listofstudents.add</a:t>
+            </a:r>
+            <a:r>
+              <a:rPr lang="en-IN" sz="1600" dirty="0">
+                <a:effectLst/>
+                <a:latin typeface="Calibri" panose="020F0502020204030204" pitchFamily="34" charset="0"/>
+                <a:cs typeface="Calibri" panose="020F0502020204030204" pitchFamily="34" charset="0"/>
+              </a:rPr>
+              <a:t>(new Student(333,"Ruth",87.2,"Computer"));</a:t>
+            </a:r>
+          </a:p>
+          <a:p>
+            <a:pPr lvl="1"/>
+            <a:r>
+              <a:rPr lang="en-IN" sz="1600" dirty="0" err="1">
+                <a:effectLst/>
+                <a:latin typeface="Calibri" panose="020F0502020204030204" pitchFamily="34" charset="0"/>
+                <a:cs typeface="Calibri" panose="020F0502020204030204" pitchFamily="34" charset="0"/>
+              </a:rPr>
+              <a:t>listofstudents.add</a:t>
+            </a:r>
+            <a:r>
+              <a:rPr lang="en-IN" sz="1600" dirty="0">
+                <a:effectLst/>
+                <a:latin typeface="Calibri" panose="020F0502020204030204" pitchFamily="34" charset="0"/>
+                <a:cs typeface="Calibri" panose="020F0502020204030204" pitchFamily="34" charset="0"/>
+              </a:rPr>
+              <a:t>(new Student(444,"Aroma",63.2,"Mathematics"));</a:t>
+            </a:r>
+          </a:p>
+          <a:p>
+            <a:pPr lvl="1"/>
+            <a:r>
+              <a:rPr lang="en-IN" sz="1600" dirty="0" err="1">
+                <a:effectLst/>
+                <a:latin typeface="Calibri" panose="020F0502020204030204" pitchFamily="34" charset="0"/>
+                <a:cs typeface="Calibri" panose="020F0502020204030204" pitchFamily="34" charset="0"/>
+              </a:rPr>
+              <a:t>listofstudents.add</a:t>
+            </a:r>
+            <a:r>
+              <a:rPr lang="en-IN" sz="1600" dirty="0">
+                <a:effectLst/>
+                <a:latin typeface="Calibri" panose="020F0502020204030204" pitchFamily="34" charset="0"/>
+                <a:cs typeface="Calibri" panose="020F0502020204030204" pitchFamily="34" charset="0"/>
+              </a:rPr>
+              <a:t>(new Student(555,"Zade",83.5,"Computer"));</a:t>
+            </a:r>
+          </a:p>
+          <a:p>
+            <a:pPr lvl="1"/>
+            <a:r>
+              <a:rPr lang="en-IN" sz="1600" dirty="0" err="1">
+                <a:effectLst/>
+                <a:latin typeface="Calibri" panose="020F0502020204030204" pitchFamily="34" charset="0"/>
+                <a:cs typeface="Calibri" panose="020F0502020204030204" pitchFamily="34" charset="0"/>
+              </a:rPr>
+              <a:t>listofstudents.add</a:t>
+            </a:r>
+            <a:r>
+              <a:rPr lang="en-IN" sz="1600" dirty="0">
+                <a:effectLst/>
+                <a:latin typeface="Calibri" panose="020F0502020204030204" pitchFamily="34" charset="0"/>
+                <a:cs typeface="Calibri" panose="020F0502020204030204" pitchFamily="34" charset="0"/>
+              </a:rPr>
+              <a:t>(new Student(666,"Xing",58.5,"Geography"));</a:t>
+            </a:r>
+          </a:p>
+          <a:p>
+            <a:pPr lvl="1"/>
+            <a:r>
+              <a:rPr lang="en-IN" sz="1600" dirty="0" err="1">
+                <a:effectLst/>
+                <a:latin typeface="Calibri" panose="020F0502020204030204" pitchFamily="34" charset="0"/>
+                <a:cs typeface="Calibri" panose="020F0502020204030204" pitchFamily="34" charset="0"/>
+              </a:rPr>
+              <a:t>listofstudents.add</a:t>
+            </a:r>
+            <a:r>
+              <a:rPr lang="en-IN" sz="1600" dirty="0">
+                <a:effectLst/>
+                <a:latin typeface="Calibri" panose="020F0502020204030204" pitchFamily="34" charset="0"/>
+                <a:cs typeface="Calibri" panose="020F0502020204030204" pitchFamily="34" charset="0"/>
+              </a:rPr>
+              <a:t>(new Student(777,"Richards",72.6,"Banking"));</a:t>
+            </a:r>
+          </a:p>
+          <a:p>
+            <a:pPr lvl="1"/>
+            <a:r>
+              <a:rPr lang="en-IN" sz="1600" dirty="0" err="1">
+                <a:effectLst/>
+                <a:latin typeface="Calibri" panose="020F0502020204030204" pitchFamily="34" charset="0"/>
+                <a:cs typeface="Calibri" panose="020F0502020204030204" pitchFamily="34" charset="0"/>
+              </a:rPr>
+              <a:t>listofstudents.add</a:t>
+            </a:r>
+            <a:r>
+              <a:rPr lang="en-IN" sz="1600" dirty="0">
+                <a:effectLst/>
+                <a:latin typeface="Calibri" panose="020F0502020204030204" pitchFamily="34" charset="0"/>
+                <a:cs typeface="Calibri" panose="020F0502020204030204" pitchFamily="34" charset="0"/>
+              </a:rPr>
+              <a:t>(new Student(888,"Sunil",86.7,"History"));</a:t>
+            </a:r>
+          </a:p>
+          <a:p>
+            <a:pPr lvl="1"/>
+            <a:r>
+              <a:rPr lang="en-IN" sz="1600" dirty="0" err="1">
+                <a:effectLst/>
+                <a:latin typeface="Calibri" panose="020F0502020204030204" pitchFamily="34" charset="0"/>
+                <a:cs typeface="Calibri" panose="020F0502020204030204" pitchFamily="34" charset="0"/>
+              </a:rPr>
+              <a:t>listofstudents.add</a:t>
+            </a:r>
+            <a:r>
+              <a:rPr lang="en-IN" sz="1600" dirty="0">
+                <a:effectLst/>
+                <a:latin typeface="Calibri" panose="020F0502020204030204" pitchFamily="34" charset="0"/>
+                <a:cs typeface="Calibri" panose="020F0502020204030204" pitchFamily="34" charset="0"/>
+              </a:rPr>
+              <a:t>(new Student(999,"Jordan",58.6,"Finance"));</a:t>
+            </a:r>
+          </a:p>
+          <a:p>
+            <a:pPr lvl="1"/>
+            <a:r>
+              <a:rPr lang="en-IN" sz="1600" dirty="0" err="1">
+                <a:effectLst/>
+                <a:latin typeface="Calibri" panose="020F0502020204030204" pitchFamily="34" charset="0"/>
+                <a:cs typeface="Calibri" panose="020F0502020204030204" pitchFamily="34" charset="0"/>
+              </a:rPr>
+              <a:t>listofstudents.add</a:t>
+            </a:r>
+            <a:r>
+              <a:rPr lang="en-IN" sz="1600" dirty="0">
+                <a:effectLst/>
+                <a:latin typeface="Calibri" panose="020F0502020204030204" pitchFamily="34" charset="0"/>
+                <a:cs typeface="Calibri" panose="020F0502020204030204" pitchFamily="34" charset="0"/>
+              </a:rPr>
+              <a:t>(new Student(1010,"Chris",89.8,"Computer"));</a:t>
+            </a:r>
+          </a:p>
+          <a:p>
+            <a:pPr lvl="1"/>
+            <a:r>
+              <a:rPr lang="en-IN" sz="1600" i="1" dirty="0" err="1">
+                <a:effectLst/>
+                <a:latin typeface="Calibri" panose="020F0502020204030204" pitchFamily="34" charset="0"/>
+                <a:cs typeface="Calibri" panose="020F0502020204030204" pitchFamily="34" charset="0"/>
+              </a:rPr>
+              <a:t>printSpecialization</a:t>
+            </a:r>
+            <a:r>
+              <a:rPr lang="en-IN" sz="1600" dirty="0">
+                <a:effectLst/>
+                <a:latin typeface="Calibri" panose="020F0502020204030204" pitchFamily="34" charset="0"/>
+                <a:cs typeface="Calibri" panose="020F0502020204030204" pitchFamily="34" charset="0"/>
+              </a:rPr>
+              <a:t>(</a:t>
+            </a:r>
+            <a:r>
+              <a:rPr lang="en-IN" sz="1600" dirty="0" err="1">
+                <a:effectLst/>
+                <a:latin typeface="Calibri" panose="020F0502020204030204" pitchFamily="34" charset="0"/>
+                <a:cs typeface="Calibri" panose="020F0502020204030204" pitchFamily="34" charset="0"/>
+              </a:rPr>
+              <a:t>listofstudents</a:t>
+            </a:r>
+            <a:r>
+              <a:rPr lang="en-IN" sz="1600" dirty="0">
+                <a:effectLst/>
+                <a:latin typeface="Calibri" panose="020F0502020204030204" pitchFamily="34" charset="0"/>
+                <a:cs typeface="Calibri" panose="020F0502020204030204" pitchFamily="34" charset="0"/>
+              </a:rPr>
+              <a:t>, </a:t>
+            </a:r>
+            <a:br>
+              <a:rPr lang="en-IN" sz="1600" dirty="0">
+                <a:effectLst/>
+                <a:latin typeface="Calibri" panose="020F0502020204030204" pitchFamily="34" charset="0"/>
+                <a:cs typeface="Calibri" panose="020F0502020204030204" pitchFamily="34" charset="0"/>
+              </a:rPr>
+            </a:br>
+            <a:r>
+              <a:rPr lang="en-IN" sz="1600" dirty="0">
+                <a:effectLst/>
+                <a:latin typeface="Calibri" panose="020F0502020204030204" pitchFamily="34" charset="0"/>
+                <a:cs typeface="Calibri" panose="020F0502020204030204" pitchFamily="34" charset="0"/>
+              </a:rPr>
+              <a:t>			student -&gt; </a:t>
+            </a:r>
+            <a:r>
+              <a:rPr lang="en-IN" sz="1600" dirty="0" err="1">
+                <a:effectLst/>
+                <a:latin typeface="Calibri" panose="020F0502020204030204" pitchFamily="34" charset="0"/>
+                <a:cs typeface="Calibri" panose="020F0502020204030204" pitchFamily="34" charset="0"/>
+              </a:rPr>
+              <a:t>student.getSpecialization</a:t>
+            </a:r>
+            <a:r>
+              <a:rPr lang="en-IN" sz="1600" dirty="0">
+                <a:effectLst/>
+                <a:latin typeface="Calibri" panose="020F0502020204030204" pitchFamily="34" charset="0"/>
+                <a:cs typeface="Calibri" panose="020F0502020204030204" pitchFamily="34" charset="0"/>
+              </a:rPr>
+              <a:t>().equals("Mathematics"));</a:t>
+            </a:r>
+          </a:p>
+          <a:p>
+            <a:r>
+              <a:rPr lang="en-IN" sz="1600" dirty="0">
+                <a:effectLst/>
+                <a:latin typeface="Calibri" panose="020F0502020204030204" pitchFamily="34" charset="0"/>
+                <a:cs typeface="Calibri" panose="020F0502020204030204" pitchFamily="34" charset="0"/>
+              </a:rPr>
+              <a:t>}</a:t>
+            </a:r>
           </a:p>
         </p:txBody>
       </p:sp>
     </p:spTree>
     <p:extLst>
       <p:ext uri="{BB962C8B-B14F-4D97-AF65-F5344CB8AC3E}">
-        <p14:creationId xmlns:p14="http://schemas.microsoft.com/office/powerpoint/2010/main" val="2425827943"/>
+        <p14:creationId xmlns:p14="http://schemas.microsoft.com/office/powerpoint/2010/main" val="653896899"/>
       </p:ext>
     </p:extLst>
   </p:cSld>
@@ -14819,6 +15360,123 @@
           <a:lstStyle/>
           <a:p>
             <a:r>
+              <a:rPr lang="en-US" sz="2400" dirty="0"/>
+              <a:t>References</a:t>
+            </a:r>
+            <a:endParaRPr lang="en-IN" sz="2400" dirty="0">
+              <a:latin typeface="Arial" panose="020B0604020202020204" pitchFamily="34" charset="0"/>
+              <a:cs typeface="Arial" panose="020B0604020202020204" pitchFamily="34" charset="0"/>
+            </a:endParaRPr>
+          </a:p>
+        </p:txBody>
+      </p:sp>
+      <p:sp>
+        <p:nvSpPr>
+          <p:cNvPr id="3" name="Text Placeholder 2"/>
+          <p:cNvSpPr>
+            <a:spLocks noGrp="1"/>
+          </p:cNvSpPr>
+          <p:nvPr>
+            <p:ph type="body" sz="quarter" idx="10"/>
+          </p:nvPr>
+        </p:nvSpPr>
+        <p:spPr/>
+        <p:txBody>
+          <a:bodyPr>
+            <a:noAutofit/>
+          </a:bodyPr>
+          <a:lstStyle/>
+          <a:p>
+            <a:pPr algn="l"/>
+            <a:r>
+              <a:rPr lang="en-IN" sz="1600" b="0" i="1" dirty="0">
+                <a:solidFill>
+                  <a:srgbClr val="000000"/>
+                </a:solidFill>
+                <a:effectLst/>
+                <a:latin typeface="Calibri" panose="020F0502020204030204" pitchFamily="34" charset="0"/>
+                <a:cs typeface="Calibri" panose="020F0502020204030204" pitchFamily="34" charset="0"/>
+              </a:rPr>
+              <a:t>https://</a:t>
+            </a:r>
+            <a:r>
+              <a:rPr lang="en-IN" sz="1600" b="0" i="1" dirty="0" err="1">
+                <a:solidFill>
+                  <a:srgbClr val="000000"/>
+                </a:solidFill>
+                <a:effectLst/>
+                <a:latin typeface="Calibri" panose="020F0502020204030204" pitchFamily="34" charset="0"/>
+                <a:cs typeface="Calibri" panose="020F0502020204030204" pitchFamily="34" charset="0"/>
+              </a:rPr>
+              <a:t>www.baeldung.com</a:t>
+            </a:r>
+            <a:r>
+              <a:rPr lang="en-IN" sz="1600" b="0" i="1" dirty="0">
+                <a:solidFill>
+                  <a:srgbClr val="000000"/>
+                </a:solidFill>
+                <a:effectLst/>
+                <a:latin typeface="Calibri" panose="020F0502020204030204" pitchFamily="34" charset="0"/>
+                <a:cs typeface="Calibri" panose="020F0502020204030204" pitchFamily="34" charset="0"/>
+              </a:rPr>
+              <a:t>/java-8-lambda-expressions-tips</a:t>
+            </a:r>
+            <a:endParaRPr lang="en-IN" sz="1600" dirty="0">
+              <a:solidFill>
+                <a:srgbClr val="000000"/>
+              </a:solidFill>
+              <a:latin typeface="Calibri" panose="020F0502020204030204" pitchFamily="34" charset="0"/>
+              <a:cs typeface="Calibri" panose="020F0502020204030204" pitchFamily="34" charset="0"/>
+            </a:endParaRPr>
+          </a:p>
+        </p:txBody>
+      </p:sp>
+    </p:spTree>
+    <p:extLst>
+      <p:ext uri="{BB962C8B-B14F-4D97-AF65-F5344CB8AC3E}">
+        <p14:creationId xmlns:p14="http://schemas.microsoft.com/office/powerpoint/2010/main" val="2425827943"/>
+      </p:ext>
+    </p:extLst>
+  </p:cSld>
+  <p:clrMapOvr>
+    <a:masterClrMapping/>
+  </p:clrMapOvr>
+</p:sld>
+</file>
+
+<file path=ppt/slides/slide37.xml><?xml version="1.0" encoding="utf-8"?>
+<p:sld xmlns:a="http://schemas.openxmlformats.org/drawingml/2006/main" xmlns:r="http://schemas.openxmlformats.org/officeDocument/2006/relationships" xmlns:p="http://schemas.openxmlformats.org/presentationml/2006/main">
+  <p:cSld>
+    <p:spTree>
+      <p:nvGrpSpPr>
+        <p:cNvPr id="1" name=""/>
+        <p:cNvGrpSpPr/>
+        <p:nvPr/>
+      </p:nvGrpSpPr>
+      <p:grpSpPr>
+        <a:xfrm>
+          <a:off x="0" y="0"/>
+          <a:ext cx="0" cy="0"/>
+          <a:chOff x="0" y="0"/>
+          <a:chExt cx="0" cy="0"/>
+        </a:xfrm>
+      </p:grpSpPr>
+      <p:sp>
+        <p:nvSpPr>
+          <p:cNvPr id="2" name="Title 1"/>
+          <p:cNvSpPr>
+            <a:spLocks noGrp="1"/>
+          </p:cNvSpPr>
+          <p:nvPr>
+            <p:ph type="title"/>
+          </p:nvPr>
+        </p:nvSpPr>
+        <p:spPr/>
+        <p:txBody>
+          <a:bodyPr/>
+          <a:lstStyle/>
+          <a:p>
+            <a:r>
               <a:rPr lang="en-US" dirty="0"/>
               <a:t>Any Question ?</a:t>
             </a:r>
@@ -14880,7 +15538,7 @@
 </p:sld>
 </file>
 
-<file path=ppt/slides/slide37.xml><?xml version="1.0" encoding="utf-8"?>
+<file path=ppt/slides/slide38.xml><?xml version="1.0" encoding="utf-8"?>
 <p:sld xmlns:a="http://schemas.openxmlformats.org/drawingml/2006/main" xmlns:r="http://schemas.openxmlformats.org/officeDocument/2006/relationships" xmlns:p="http://schemas.openxmlformats.org/presentationml/2006/main">
   <p:cSld>
     <p:spTree>
@@ -19061,6 +19719,15 @@
 </file>
 
 <file path=customXml/item1.xml><?xml version="1.0" encoding="utf-8"?>
+<?mso-contentType ?>
+<FormTemplates xmlns="http://schemas.microsoft.com/sharepoint/v3/contenttype/forms">
+  <Display>DocumentLibraryForm</Display>
+  <Edit>DocumentLibraryForm</Edit>
+  <New>DocumentLibraryForm</New>
+</FormTemplates>
+</file>
+
+<file path=customXml/item2.xml><?xml version="1.0" encoding="utf-8"?>
 <ct:contentTypeSchema xmlns:ct="http://schemas.microsoft.com/office/2006/metadata/contentType" xmlns:ma="http://schemas.microsoft.com/office/2006/metadata/properties/metaAttributes" ct:_="" ma:_="" ma:contentTypeName="Document" ma:contentTypeID="0x010100A1A300ECBFD16143AC8B3E6881EC19E4" ma:contentTypeVersion="6" ma:contentTypeDescription="Create a new document." ma:contentTypeScope="" ma:versionID="3a3d1758f0533e4a63e0706672344207">
   <xsd:schema xmlns:xsd="http://www.w3.org/2001/XMLSchema" xmlns:xs="http://www.w3.org/2001/XMLSchema" xmlns:p="http://schemas.microsoft.com/office/2006/metadata/properties" xmlns:ns2="5b0b727f-9d55-4674-90df-9368557459d7" xmlns:ns3="3f0a5add-00cc-4c5e-8a54-6b524d8608b8" targetNamespace="http://schemas.microsoft.com/office/2006/metadata/properties" ma:root="true" ma:fieldsID="0b9e00dfdebadb8b416f9476785e5085" ns2:_="" ns3:_="">
     <xsd:import namespace="5b0b727f-9d55-4674-90df-9368557459d7"/>
@@ -19215,15 +19882,6 @@
 </ct:contentTypeSchema>
 </file>
 
-<file path=customXml/item2.xml><?xml version="1.0" encoding="utf-8"?>
-<?mso-contentType ?>
-<FormTemplates xmlns="http://schemas.microsoft.com/sharepoint/v3/contenttype/forms">
-  <Display>DocumentLibraryForm</Display>
-  <Edit>DocumentLibraryForm</Edit>
-  <New>DocumentLibraryForm</New>
-</FormTemplates>
-</file>
-
 <file path=customXml/item3.xml><?xml version="1.0" encoding="utf-8"?>
 <p:properties xmlns:p="http://schemas.microsoft.com/office/2006/metadata/properties" xmlns:xsi="http://www.w3.org/2001/XMLSchema-instance" xmlns:pc="http://schemas.microsoft.com/office/infopath/2007/PartnerControls">
   <documentManagement>
@@ -19236,6 +19894,14 @@
 </file>
 
 <file path=customXml/itemProps1.xml><?xml version="1.0" encoding="utf-8"?>
+<ds:datastoreItem xmlns:ds="http://schemas.openxmlformats.org/officeDocument/2006/customXml" ds:itemID="{2215CF3E-B7B2-4757-A9A7-BF8CDE2155B6}">
+  <ds:schemaRefs>
+    <ds:schemaRef ds:uri="http://schemas.microsoft.com/sharepoint/v3/contenttype/forms"/>
+  </ds:schemaRefs>
+</ds:datastoreItem>
+</file>
+
+<file path=customXml/itemProps2.xml><?xml version="1.0" encoding="utf-8"?>
 <ds:datastoreItem xmlns:ds="http://schemas.openxmlformats.org/officeDocument/2006/customXml" ds:itemID="{20271C12-EDC3-4E9F-917F-B5906E905FBC}">
   <ds:schemaRefs>
     <ds:schemaRef ds:uri="http://schemas.microsoft.com/office/2006/metadata/contentType"/>
@@ -19250,14 +19916,6 @@
     <ds:schemaRef ds:uri="http://purl.org/dc/elements/1.1/"/>
     <ds:schemaRef ds:uri="http://purl.org/dc/terms/"/>
     <ds:schemaRef ds:uri="http://schemas.microsoft.com/internal/obd"/>
-  </ds:schemaRefs>
-</ds:datastoreItem>
-</file>
-
-<file path=customXml/itemProps2.xml><?xml version="1.0" encoding="utf-8"?>
-<ds:datastoreItem xmlns:ds="http://schemas.openxmlformats.org/officeDocument/2006/customXml" ds:itemID="{2215CF3E-B7B2-4757-A9A7-BF8CDE2155B6}">
-  <ds:schemaRefs>
-    <ds:schemaRef ds:uri="http://schemas.microsoft.com/sharepoint/v3/contenttype/forms"/>
   </ds:schemaRefs>
 </ds:datastoreItem>
 </file>
